--- a/Plan_de_Trabajo/Presentacion.pptx
+++ b/Plan_de_Trabajo/Presentacion.pptx
@@ -5,7 +5,7 @@
     <p:sldMasterId id="2147483661" r:id="rId1"/>
   </p:sldMasterIdLst>
   <p:notesMasterIdLst>
-    <p:notesMasterId r:id="rId9"/>
+    <p:notesMasterId r:id="rId10"/>
   </p:notesMasterIdLst>
   <p:sldIdLst>
     <p:sldId id="256" r:id="rId2"/>
@@ -14,31 +14,32 @@
     <p:sldId id="259" r:id="rId5"/>
     <p:sldId id="260" r:id="rId6"/>
     <p:sldId id="261" r:id="rId7"/>
-    <p:sldId id="262" r:id="rId8"/>
+    <p:sldId id="263" r:id="rId8"/>
+    <p:sldId id="262" r:id="rId9"/>
   </p:sldIdLst>
   <p:sldSz cx="9144000" cy="5143500" type="screen16x9"/>
   <p:notesSz cx="6858000" cy="9144000"/>
   <p:embeddedFontLst>
     <p:embeddedFont>
-      <p:font typeface="Nunito Sans" panose="020B0604020202020204" charset="0"/>
-      <p:regular r:id="rId10"/>
-      <p:bold r:id="rId11"/>
-      <p:italic r:id="rId12"/>
-      <p:boldItalic r:id="rId13"/>
-    </p:embeddedFont>
-    <p:embeddedFont>
       <p:font typeface="Calibri" panose="020F0502020204030204" pitchFamily="34" charset="0"/>
-      <p:regular r:id="rId14"/>
-      <p:bold r:id="rId15"/>
-      <p:italic r:id="rId16"/>
-      <p:boldItalic r:id="rId17"/>
+      <p:regular r:id="rId11"/>
+      <p:bold r:id="rId12"/>
+      <p:italic r:id="rId13"/>
+      <p:boldItalic r:id="rId14"/>
     </p:embeddedFont>
     <p:embeddedFont>
       <p:font typeface="Georgia" panose="02040502050405020303" pitchFamily="18" charset="0"/>
-      <p:regular r:id="rId18"/>
-      <p:bold r:id="rId19"/>
-      <p:italic r:id="rId20"/>
-      <p:boldItalic r:id="rId21"/>
+      <p:regular r:id="rId15"/>
+      <p:bold r:id="rId16"/>
+      <p:italic r:id="rId17"/>
+      <p:boldItalic r:id="rId18"/>
+    </p:embeddedFont>
+    <p:embeddedFont>
+      <p:font typeface="Nunito Sans" panose="020B0604020202020204" charset="0"/>
+      <p:regular r:id="rId19"/>
+      <p:bold r:id="rId20"/>
+      <p:italic r:id="rId21"/>
+      <p:boldItalic r:id="rId22"/>
     </p:embeddedFont>
   </p:embeddedFontLst>
   <p:defaultTextStyle>
@@ -16063,18 +16064,6 @@
               </a:rPr>
               <a:t>Shaid Bojorquez Interián</a:t>
             </a:r>
-            <a:r>
-              <a:rPr lang="en" sz="2800" b="1" i="0" u="none" strike="noStrike" cap="none">
-                <a:solidFill>
-                  <a:srgbClr val="F67031"/>
-                </a:solidFill>
-                <a:latin typeface="Nunito Sans"/>
-                <a:ea typeface="Nunito Sans"/>
-                <a:cs typeface="Nunito Sans"/>
-                <a:sym typeface="Nunito Sans"/>
-              </a:rPr>
-              <a:t/>
-            </a:r>
             <a:br>
               <a:rPr lang="en" sz="2800" b="1" i="0" u="none" strike="noStrike" cap="none">
                 <a:solidFill>
@@ -17860,19 +17849,7 @@
                 <a:cs typeface="Nunito Sans"/>
                 <a:sym typeface="Nunito Sans"/>
               </a:rPr>
-              <a:t>GitHub, se crea el repositorio y se controla las versiones del proyecto y todos pueden contribuir en el </a:t>
-            </a:r>
-            <a:r>
-              <a:rPr lang="en" sz="1400" b="0" i="0" u="none" strike="noStrike" cap="none" dirty="0" smtClean="0">
-                <a:solidFill>
-                  <a:srgbClr val="666666"/>
-                </a:solidFill>
-                <a:latin typeface="Nunito Sans"/>
-                <a:ea typeface="Nunito Sans"/>
-                <a:cs typeface="Nunito Sans"/>
-                <a:sym typeface="Nunito Sans"/>
-              </a:rPr>
-              <a:t>código</a:t>
+              <a:t>GitHub, se crea el repositorio y se controla las versiones del proyecto y todos pueden contribuir en el código</a:t>
             </a:r>
           </a:p>
           <a:p>
@@ -19690,14 +19667,14 @@
                         <a:buNone/>
                       </a:pPr>
                       <a:r>
-                        <a:rPr lang="en">
+                        <a:rPr lang="en" dirty="0">
                           <a:solidFill>
                             <a:schemeClr val="dk1"/>
                           </a:solidFill>
                         </a:rPr>
                         <a:t>%30</a:t>
                       </a:r>
-                      <a:endParaRPr/>
+                      <a:endParaRPr dirty="0"/>
                     </a:p>
                   </a:txBody>
                   <a:tcPr marL="91425" marR="91425" marT="91425" marB="91425">
@@ -19762,14 +19739,14 @@
                         <a:buNone/>
                       </a:pPr>
                       <a:r>
-                        <a:rPr lang="en">
+                        <a:rPr lang="en" dirty="0">
                           <a:solidFill>
                             <a:schemeClr val="dk1"/>
                           </a:solidFill>
                         </a:rPr>
                         <a:t>%10</a:t>
                       </a:r>
-                      <a:endParaRPr/>
+                      <a:endParaRPr dirty="0"/>
                     </a:p>
                   </a:txBody>
                   <a:tcPr marL="91425" marR="91425" marT="91425" marB="91425">
@@ -22437,6 +22414,210 @@
   <p:cSld>
     <p:spTree>
       <p:nvGrpSpPr>
+        <p:cNvPr id="1" name=""/>
+        <p:cNvGrpSpPr/>
+        <p:nvPr/>
+      </p:nvGrpSpPr>
+      <p:grpSpPr>
+        <a:xfrm>
+          <a:off x="0" y="0"/>
+          <a:ext cx="0" cy="0"/>
+          <a:chOff x="0" y="0"/>
+          <a:chExt cx="0" cy="0"/>
+        </a:xfrm>
+      </p:grpSpPr>
+      <p:sp>
+        <p:nvSpPr>
+          <p:cNvPr id="2" name="Título 1">
+            <a:extLst>
+              <a:ext uri="{FF2B5EF4-FFF2-40B4-BE49-F238E27FC236}">
+                <a16:creationId xmlns:a16="http://schemas.microsoft.com/office/drawing/2014/main" id="{60BFD911-8BB4-4AAD-94FB-E115B1526C4A}"/>
+              </a:ext>
+            </a:extLst>
+          </p:cNvPr>
+          <p:cNvSpPr>
+            <a:spLocks noGrp="1"/>
+          </p:cNvSpPr>
+          <p:nvPr>
+            <p:ph type="title"/>
+          </p:nvPr>
+        </p:nvSpPr>
+        <p:spPr/>
+        <p:txBody>
+          <a:bodyPr/>
+          <a:lstStyle/>
+          <a:p>
+            <a:r>
+              <a:rPr lang="es-MX" dirty="0"/>
+              <a:t>Roles asignados</a:t>
+            </a:r>
+          </a:p>
+        </p:txBody>
+      </p:sp>
+      <p:sp>
+        <p:nvSpPr>
+          <p:cNvPr id="4" name="Marcador de número de diapositiva 3">
+            <a:extLst>
+              <a:ext uri="{FF2B5EF4-FFF2-40B4-BE49-F238E27FC236}">
+                <a16:creationId xmlns:a16="http://schemas.microsoft.com/office/drawing/2014/main" id="{014C6F1F-F93C-4A0E-85D5-4B05445A368E}"/>
+              </a:ext>
+            </a:extLst>
+          </p:cNvPr>
+          <p:cNvSpPr>
+            <a:spLocks noGrp="1"/>
+          </p:cNvSpPr>
+          <p:nvPr>
+            <p:ph type="sldNum" idx="12"/>
+          </p:nvPr>
+        </p:nvSpPr>
+        <p:spPr/>
+        <p:txBody>
+          <a:bodyPr/>
+          <a:lstStyle/>
+          <a:p>
+            <a:pPr marL="0" lvl="0" indent="0">
+              <a:spcBef>
+                <a:spcPts val="0"/>
+              </a:spcBef>
+              <a:spcAft>
+                <a:spcPts val="0"/>
+              </a:spcAft>
+              <a:buNone/>
+            </a:pPr>
+            <a:fld id="{00000000-1234-1234-1234-123412341234}" type="slidenum">
+              <a:rPr lang="es-MX" smtClean="0"/>
+              <a:t>7</a:t>
+            </a:fld>
+            <a:endParaRPr lang="es-MX"/>
+          </a:p>
+        </p:txBody>
+      </p:sp>
+      <p:sp>
+        <p:nvSpPr>
+          <p:cNvPr id="5" name="Marcador de texto 4">
+            <a:extLst>
+              <a:ext uri="{FF2B5EF4-FFF2-40B4-BE49-F238E27FC236}">
+                <a16:creationId xmlns:a16="http://schemas.microsoft.com/office/drawing/2014/main" id="{C8A07BAD-6CD7-4831-A784-25C8D7DAEA66}"/>
+              </a:ext>
+            </a:extLst>
+          </p:cNvPr>
+          <p:cNvSpPr>
+            <a:spLocks noGrp="1"/>
+          </p:cNvSpPr>
+          <p:nvPr>
+            <p:ph type="body" idx="2"/>
+          </p:nvPr>
+        </p:nvSpPr>
+        <p:spPr>
+          <a:xfrm>
+            <a:off x="3011603" y="728275"/>
+            <a:ext cx="2727000" cy="2552100"/>
+          </a:xfrm>
+        </p:spPr>
+        <p:txBody>
+          <a:bodyPr/>
+          <a:lstStyle/>
+          <a:p>
+            <a:pPr marL="158750" indent="0">
+              <a:buNone/>
+            </a:pPr>
+            <a:r>
+              <a:rPr lang="es-MX" dirty="0" err="1"/>
+              <a:t>Administracion</a:t>
+            </a:r>
+            <a:r>
+              <a:rPr lang="es-MX" dirty="0"/>
+              <a:t> de Usuarios</a:t>
+            </a:r>
+          </a:p>
+          <a:p>
+            <a:pPr marL="158750" indent="0">
+              <a:buNone/>
+            </a:pPr>
+            <a:r>
+              <a:rPr lang="es-MX" dirty="0" err="1"/>
+              <a:t>Shaid</a:t>
+            </a:r>
+            <a:r>
+              <a:rPr lang="es-MX" dirty="0"/>
+              <a:t>, </a:t>
+            </a:r>
+          </a:p>
+          <a:p>
+            <a:pPr marL="158750" indent="0">
+              <a:buNone/>
+            </a:pPr>
+            <a:r>
+              <a:rPr lang="es-MX" dirty="0"/>
+              <a:t>Martin</a:t>
+            </a:r>
+          </a:p>
+          <a:p>
+            <a:pPr marL="158750" indent="0">
+              <a:buNone/>
+            </a:pPr>
+            <a:endParaRPr lang="es-MX" dirty="0"/>
+          </a:p>
+          <a:p>
+            <a:pPr marL="158750" indent="0">
+              <a:buNone/>
+            </a:pPr>
+            <a:endParaRPr lang="es-MX" dirty="0"/>
+          </a:p>
+          <a:p>
+            <a:pPr marL="158750" indent="0">
+              <a:buNone/>
+            </a:pPr>
+            <a:r>
+              <a:rPr lang="es-MX" dirty="0"/>
+              <a:t>Acciones del administrador</a:t>
+            </a:r>
+          </a:p>
+        </p:txBody>
+      </p:sp>
+      <p:sp>
+        <p:nvSpPr>
+          <p:cNvPr id="6" name="Marcador de texto 5">
+            <a:extLst>
+              <a:ext uri="{FF2B5EF4-FFF2-40B4-BE49-F238E27FC236}">
+                <a16:creationId xmlns:a16="http://schemas.microsoft.com/office/drawing/2014/main" id="{E042A0CA-CDB5-42B4-8A5A-29873448522D}"/>
+              </a:ext>
+            </a:extLst>
+          </p:cNvPr>
+          <p:cNvSpPr>
+            <a:spLocks noGrp="1"/>
+          </p:cNvSpPr>
+          <p:nvPr>
+            <p:ph type="body" idx="3"/>
+          </p:nvPr>
+        </p:nvSpPr>
+        <p:spPr/>
+        <p:txBody>
+          <a:bodyPr/>
+          <a:lstStyle/>
+          <a:p>
+            <a:endParaRPr lang="es-MX"/>
+          </a:p>
+        </p:txBody>
+      </p:sp>
+    </p:spTree>
+    <p:extLst>
+      <p:ext uri="{BB962C8B-B14F-4D97-AF65-F5344CB8AC3E}">
+        <p14:creationId xmlns:p14="http://schemas.microsoft.com/office/powerpoint/2010/main" val="2915174615"/>
+      </p:ext>
+    </p:extLst>
+  </p:cSld>
+  <p:clrMapOvr>
+    <a:masterClrMapping/>
+  </p:clrMapOvr>
+</p:sld>
+</file>
+
+<file path=ppt/slides/slide8.xml><?xml version="1.0" encoding="utf-8"?>
+<p:sld xmlns:a="http://schemas.openxmlformats.org/drawingml/2006/main" xmlns:r="http://schemas.openxmlformats.org/officeDocument/2006/relationships" xmlns:p="http://schemas.openxmlformats.org/presentationml/2006/main">
+  <p:cSld>
+    <p:spTree>
+      <p:nvGrpSpPr>
         <p:cNvPr id="1" name="Shape 154"/>
         <p:cNvGrpSpPr/>
         <p:nvPr/>
@@ -22669,7 +22850,7 @@
                 <a:cs typeface="Nunito Sans"/>
                 <a:sym typeface="Nunito Sans"/>
               </a:rPr>
-              <a:t>7</a:t>
+              <a:t>8</a:t>
             </a:fld>
             <a:endParaRPr sz="1000" b="0" i="0" u="none" strike="noStrike" cap="none">
               <a:solidFill>
@@ -22785,10 +22966,10 @@
                         <a:buNone/>
                       </a:pPr>
                       <a:r>
-                        <a:rPr lang="en" sz="1200"/>
+                        <a:rPr lang="en" sz="1200" dirty="0"/>
                         <a:t>1. Documento de Requerimientos Funcionales y No funcionales </a:t>
                       </a:r>
-                      <a:endParaRPr sz="1200"/>
+                      <a:endParaRPr sz="1200" dirty="0"/>
                     </a:p>
                   </a:txBody>
                   <a:tcPr marL="91425" marR="91425" marT="91425" marB="91425"/>

--- a/Plan_de_Trabajo/Presentacion.pptx
+++ b/Plan_de_Trabajo/Presentacion.pptx
@@ -18835,7 +18835,7 @@
               <a:buNone/>
             </a:pPr>
             <a:r>
-              <a:rPr lang="en" sz="2400" b="0" i="0" u="none" strike="noStrike" cap="none">
+              <a:rPr lang="en" sz="2400" b="0" i="0" u="none" strike="noStrike" cap="none" dirty="0">
                 <a:solidFill>
                   <a:srgbClr val="FFFFFF"/>
                 </a:solidFill>
@@ -18846,7 +18846,7 @@
               </a:rPr>
               <a:t>Definición del proyecto</a:t>
             </a:r>
-            <a:endParaRPr sz="2400" b="0" i="0" u="none" strike="noStrike" cap="none">
+            <a:endParaRPr sz="2400" b="0" i="0" u="none" strike="noStrike" cap="none" dirty="0">
               <a:solidFill>
                 <a:srgbClr val="FFFFFF"/>
               </a:solidFill>
@@ -18935,14 +18935,14 @@
           <p:nvPr>
             <p:extLst>
               <p:ext uri="{D42A27DB-BD31-4B8C-83A1-F6EECF244321}">
-                <p14:modId xmlns:p14="http://schemas.microsoft.com/office/powerpoint/2010/main" val="3062851951"/>
+                <p14:modId xmlns:p14="http://schemas.microsoft.com/office/powerpoint/2010/main" val="2628238768"/>
               </p:ext>
             </p:extLst>
           </p:nvPr>
         </p:nvGraphicFramePr>
         <p:xfrm>
-          <a:off x="270814" y="1517801"/>
-          <a:ext cx="8913825" cy="3428850"/>
+          <a:off x="270814" y="1210239"/>
+          <a:ext cx="8503545" cy="3840270"/>
         </p:xfrm>
         <a:graphic>
           <a:graphicData uri="http://schemas.openxmlformats.org/drawingml/2006/table">
@@ -18952,64 +18952,78 @@
                 <a:tableStyleId>{156260C5-6E2C-4F4D-9C32-4016F1577A28}</a:tableStyleId>
               </a:tblPr>
               <a:tblGrid>
-                <a:gridCol w="1288850">
+                <a:gridCol w="959846">
                   <a:extLst>
                     <a:ext uri="{9D8B030D-6E8A-4147-A177-3AD203B41FA5}">
                       <a16:colId xmlns:a16="http://schemas.microsoft.com/office/drawing/2014/main" val="20000"/>
                     </a:ext>
                   </a:extLst>
                 </a:gridCol>
-                <a:gridCol w="1052525">
+                <a:gridCol w="783847">
                   <a:extLst>
                     <a:ext uri="{9D8B030D-6E8A-4147-A177-3AD203B41FA5}">
                       <a16:colId xmlns:a16="http://schemas.microsoft.com/office/drawing/2014/main" val="20001"/>
                     </a:ext>
                   </a:extLst>
                 </a:gridCol>
-                <a:gridCol w="1001325">
+                <a:gridCol w="744922">
                   <a:extLst>
                     <a:ext uri="{9D8B030D-6E8A-4147-A177-3AD203B41FA5}">
                       <a16:colId xmlns:a16="http://schemas.microsoft.com/office/drawing/2014/main" val="20002"/>
                     </a:ext>
                   </a:extLst>
                 </a:gridCol>
-                <a:gridCol w="1114225">
+                <a:gridCol w="830596">
                   <a:extLst>
                     <a:ext uri="{9D8B030D-6E8A-4147-A177-3AD203B41FA5}">
                       <a16:colId xmlns:a16="http://schemas.microsoft.com/office/drawing/2014/main" val="20003"/>
                     </a:ext>
                   </a:extLst>
                 </a:gridCol>
-                <a:gridCol w="1114225">
+                <a:gridCol w="829797">
                   <a:extLst>
                     <a:ext uri="{9D8B030D-6E8A-4147-A177-3AD203B41FA5}">
                       <a16:colId xmlns:a16="http://schemas.microsoft.com/office/drawing/2014/main" val="20004"/>
                     </a:ext>
                   </a:extLst>
                 </a:gridCol>
-                <a:gridCol w="1114225">
+                <a:gridCol w="829797">
                   <a:extLst>
                     <a:ext uri="{9D8B030D-6E8A-4147-A177-3AD203B41FA5}">
                       <a16:colId xmlns:a16="http://schemas.microsoft.com/office/drawing/2014/main" val="20005"/>
                     </a:ext>
                   </a:extLst>
                 </a:gridCol>
-                <a:gridCol w="976225">
+                <a:gridCol w="727024">
                   <a:extLst>
                     <a:ext uri="{9D8B030D-6E8A-4147-A177-3AD203B41FA5}">
                       <a16:colId xmlns:a16="http://schemas.microsoft.com/office/drawing/2014/main" val="20006"/>
                     </a:ext>
                   </a:extLst>
                 </a:gridCol>
-                <a:gridCol w="1252225">
+                <a:gridCol w="932572">
                   <a:extLst>
                     <a:ext uri="{9D8B030D-6E8A-4147-A177-3AD203B41FA5}">
                       <a16:colId xmlns:a16="http://schemas.microsoft.com/office/drawing/2014/main" val="20007"/>
                     </a:ext>
                   </a:extLst>
                 </a:gridCol>
+                <a:gridCol w="932572">
+                  <a:extLst>
+                    <a:ext uri="{9D8B030D-6E8A-4147-A177-3AD203B41FA5}">
+                      <a16:colId xmlns:a16="http://schemas.microsoft.com/office/drawing/2014/main" val="3062427264"/>
+                    </a:ext>
+                  </a:extLst>
+                </a:gridCol>
+                <a:gridCol w="932572">
+                  <a:extLst>
+                    <a:ext uri="{9D8B030D-6E8A-4147-A177-3AD203B41FA5}">
+                      <a16:colId xmlns:a16="http://schemas.microsoft.com/office/drawing/2014/main" val="2440906652"/>
+                    </a:ext>
+                  </a:extLst>
+                </a:gridCol>
               </a:tblGrid>
-              <a:tr h="381000">
+              <a:tr h="696908">
                 <a:tc>
                   <a:txBody>
                     <a:bodyPr/>
@@ -19025,10 +19039,10 @@
                         <a:buNone/>
                       </a:pPr>
                       <a:r>
-                        <a:rPr lang="en" sz="1300" b="1"/>
+                        <a:rPr lang="en" sz="1200" b="1"/>
                         <a:t>Integrante:</a:t>
                       </a:r>
-                      <a:endParaRPr sz="1300" b="1"/>
+                      <a:endParaRPr sz="1200" b="1"/>
                     </a:p>
                   </a:txBody>
                   <a:tcPr marL="91425" marR="91425" marT="91425" marB="91425">
@@ -19088,10 +19102,10 @@
                         <a:buNone/>
                       </a:pPr>
                       <a:r>
-                        <a:rPr lang="en" sz="1300" b="1"/>
-                        <a:t>Asistencia</a:t>
+                        <a:rPr lang="en" sz="1200" b="1" dirty="0"/>
+                        <a:t>Asistencia (1)</a:t>
                       </a:r>
-                      <a:endParaRPr sz="1300" b="1"/>
+                      <a:endParaRPr sz="1200" b="1" dirty="0"/>
                     </a:p>
                   </a:txBody>
                   <a:tcPr marL="91425" marR="91425" marT="91425" marB="91425">
@@ -19151,10 +19165,33 @@
                         <a:buNone/>
                       </a:pPr>
                       <a:r>
-                        <a:rPr lang="en" sz="1300" b="1"/>
-                        <a:t>D. usos</a:t>
+                        <a:rPr lang="en" sz="1200" b="1" dirty="0"/>
+                        <a:t>D. </a:t>
                       </a:r>
-                      <a:endParaRPr sz="1300" b="1"/>
+                      <a:r>
+                        <a:rPr lang="es-MX" sz="1200" b="1" dirty="0"/>
+                        <a:t>U</a:t>
+                      </a:r>
+                      <a:r>
+                        <a:rPr lang="en" sz="1200" b="1" dirty="0"/>
+                        <a:t>sos</a:t>
+                      </a:r>
+                    </a:p>
+                    <a:p>
+                      <a:pPr marL="0" lvl="0" indent="0">
+                        <a:spcBef>
+                          <a:spcPts val="0"/>
+                        </a:spcBef>
+                        <a:spcAft>
+                          <a:spcPts val="0"/>
+                        </a:spcAft>
+                        <a:buNone/>
+                      </a:pPr>
+                      <a:r>
+                        <a:rPr lang="en" sz="1200" b="1" dirty="0"/>
+                        <a:t>(1)</a:t>
+                      </a:r>
+                      <a:endParaRPr sz="1200" b="1" dirty="0"/>
                     </a:p>
                   </a:txBody>
                   <a:tcPr marL="91425" marR="91425" marT="91425" marB="91425">
@@ -19214,10 +19251,33 @@
                         <a:buNone/>
                       </a:pPr>
                       <a:r>
-                        <a:rPr lang="en" sz="1300" b="1"/>
-                        <a:t>D. clases</a:t>
+                        <a:rPr lang="en" sz="1200" b="1" dirty="0"/>
+                        <a:t>D. </a:t>
                       </a:r>
-                      <a:endParaRPr sz="1300" b="1"/>
+                      <a:r>
+                        <a:rPr lang="es-MX" sz="1200" b="1" dirty="0"/>
+                        <a:t>C</a:t>
+                      </a:r>
+                      <a:r>
+                        <a:rPr lang="en" sz="1200" b="1" dirty="0"/>
+                        <a:t>lases</a:t>
+                      </a:r>
+                    </a:p>
+                    <a:p>
+                      <a:pPr marL="0" lvl="0" indent="0">
+                        <a:spcBef>
+                          <a:spcPts val="0"/>
+                        </a:spcBef>
+                        <a:spcAft>
+                          <a:spcPts val="0"/>
+                        </a:spcAft>
+                        <a:buNone/>
+                      </a:pPr>
+                      <a:r>
+                        <a:rPr lang="en" sz="1200" b="1" dirty="0"/>
+                        <a:t>(1)</a:t>
+                      </a:r>
+                      <a:endParaRPr sz="1200" b="1" dirty="0"/>
                     </a:p>
                   </a:txBody>
                   <a:tcPr marL="91425" marR="91425" marT="91425" marB="91425">
@@ -19277,10 +19337,10 @@
                         <a:buNone/>
                       </a:pPr>
                       <a:r>
-                        <a:rPr lang="en" sz="1300" b="1"/>
-                        <a:t>Escenarios</a:t>
+                        <a:rPr lang="en" sz="1200" b="1" dirty="0"/>
+                        <a:t>Escenarios (1)</a:t>
                       </a:r>
-                      <a:endParaRPr sz="1300" b="1"/>
+                      <a:endParaRPr sz="1200" b="1" dirty="0"/>
                     </a:p>
                   </a:txBody>
                   <a:tcPr marL="91425" marR="91425" marT="91425" marB="91425">
@@ -19340,10 +19400,25 @@
                         <a:buNone/>
                       </a:pPr>
                       <a:r>
-                        <a:rPr lang="en" sz="1300" b="1"/>
+                        <a:rPr lang="en" sz="1200" b="1" dirty="0"/>
                         <a:t>Minutas</a:t>
                       </a:r>
-                      <a:endParaRPr sz="1300" b="1"/>
+                    </a:p>
+                    <a:p>
+                      <a:pPr marL="0" lvl="0" indent="0">
+                        <a:spcBef>
+                          <a:spcPts val="0"/>
+                        </a:spcBef>
+                        <a:spcAft>
+                          <a:spcPts val="0"/>
+                        </a:spcAft>
+                        <a:buNone/>
+                      </a:pPr>
+                      <a:r>
+                        <a:rPr lang="en" sz="1200" b="1" dirty="0"/>
+                        <a:t>(1)</a:t>
+                      </a:r>
+                      <a:endParaRPr sz="1200" b="1" dirty="0"/>
                     </a:p>
                   </a:txBody>
                   <a:tcPr marL="91425" marR="91425" marT="91425" marB="91425">
@@ -19403,10 +19478,33 @@
                         <a:buNone/>
                       </a:pPr>
                       <a:r>
-                        <a:rPr lang="en" sz="1300" b="1"/>
-                        <a:t>D. gantt</a:t>
+                        <a:rPr lang="en" sz="1200" b="1" dirty="0"/>
+                        <a:t>D. </a:t>
                       </a:r>
-                      <a:endParaRPr sz="1300" b="1"/>
+                      <a:r>
+                        <a:rPr lang="es-MX" sz="1200" b="1" dirty="0"/>
+                        <a:t>G</a:t>
+                      </a:r>
+                      <a:r>
+                        <a:rPr lang="en" sz="1200" b="1" dirty="0"/>
+                        <a:t>antt</a:t>
+                      </a:r>
+                    </a:p>
+                    <a:p>
+                      <a:pPr marL="0" lvl="0" indent="0">
+                        <a:spcBef>
+                          <a:spcPts val="0"/>
+                        </a:spcBef>
+                        <a:spcAft>
+                          <a:spcPts val="0"/>
+                        </a:spcAft>
+                        <a:buNone/>
+                      </a:pPr>
+                      <a:r>
+                        <a:rPr lang="en" sz="1200" b="1" dirty="0"/>
+                        <a:t>(1)</a:t>
+                      </a:r>
+                      <a:endParaRPr sz="1200" b="1" dirty="0"/>
                     </a:p>
                   </a:txBody>
                   <a:tcPr marL="91425" marR="91425" marT="91425" marB="91425">
@@ -19466,10 +19564,10 @@
                         <a:buNone/>
                       </a:pPr>
                       <a:r>
-                        <a:rPr lang="en" sz="1300" b="1"/>
-                        <a:t>Presentación</a:t>
+                        <a:rPr lang="en" sz="1200" b="1" dirty="0"/>
+                        <a:t>Presentación (1)</a:t>
                       </a:r>
-                      <a:endParaRPr sz="1300" b="1"/>
+                      <a:endParaRPr sz="1200" b="1" dirty="0"/>
                     </a:p>
                   </a:txBody>
                   <a:tcPr marL="91425" marR="91425" marT="91425" marB="91425">
@@ -19482,7 +19580,7 @@
                       <a:headEnd type="none" w="sm" len="sm"/>
                       <a:tailEnd type="none" w="sm" len="sm"/>
                     </a:lnL>
-                    <a:lnR w="9525" cap="flat" cmpd="sng">
+                    <a:lnR w="9525" cap="flat" cmpd="sng" algn="ctr">
                       <a:solidFill>
                         <a:srgbClr val="0000FF"/>
                       </a:solidFill>
@@ -19501,6 +19599,132 @@
                       <a:tailEnd type="none" w="sm" len="sm"/>
                     </a:lnT>
                     <a:lnB w="9525" cap="flat" cmpd="sng">
+                      <a:solidFill>
+                        <a:srgbClr val="0000FF"/>
+                      </a:solidFill>
+                      <a:prstDash val="solid"/>
+                      <a:round/>
+                      <a:headEnd type="none" w="sm" len="sm"/>
+                      <a:tailEnd type="none" w="sm" len="sm"/>
+                    </a:lnB>
+                    <a:solidFill>
+                      <a:srgbClr val="4A86E8"/>
+                    </a:solidFill>
+                  </a:tcPr>
+                </a:tc>
+                <a:tc>
+                  <a:txBody>
+                    <a:bodyPr/>
+                    <a:lstStyle/>
+                    <a:p>
+                      <a:pPr marL="0" lvl="0" indent="0">
+                        <a:spcBef>
+                          <a:spcPts val="0"/>
+                        </a:spcBef>
+                        <a:spcAft>
+                          <a:spcPts val="0"/>
+                        </a:spcAft>
+                        <a:buNone/>
+                      </a:pPr>
+                      <a:r>
+                        <a:rPr lang="es-MX" sz="1200" b="1" dirty="0"/>
+                        <a:t>Codificación(1)</a:t>
+                      </a:r>
+                      <a:endParaRPr sz="1200" b="1" dirty="0"/>
+                    </a:p>
+                  </a:txBody>
+                  <a:tcPr marL="91425" marR="91425" marT="91425" marB="91425">
+                    <a:lnL w="9525" cap="flat" cmpd="sng" algn="ctr">
+                      <a:solidFill>
+                        <a:srgbClr val="0000FF"/>
+                      </a:solidFill>
+                      <a:prstDash val="solid"/>
+                      <a:round/>
+                      <a:headEnd type="none" w="sm" len="sm"/>
+                      <a:tailEnd type="none" w="sm" len="sm"/>
+                    </a:lnL>
+                    <a:lnR w="9525" cap="flat" cmpd="sng" algn="ctr">
+                      <a:solidFill>
+                        <a:srgbClr val="0000FF"/>
+                      </a:solidFill>
+                      <a:prstDash val="solid"/>
+                      <a:round/>
+                      <a:headEnd type="none" w="sm" len="sm"/>
+                      <a:tailEnd type="none" w="sm" len="sm"/>
+                    </a:lnR>
+                    <a:lnT w="9525" cap="flat" cmpd="sng">
+                      <a:solidFill>
+                        <a:srgbClr val="0000FF"/>
+                      </a:solidFill>
+                      <a:prstDash val="solid"/>
+                      <a:round/>
+                      <a:headEnd type="none" w="sm" len="sm"/>
+                      <a:tailEnd type="none" w="sm" len="sm"/>
+                    </a:lnT>
+                    <a:lnB w="9525" cap="flat" cmpd="sng" algn="ctr">
+                      <a:solidFill>
+                        <a:srgbClr val="0000FF"/>
+                      </a:solidFill>
+                      <a:prstDash val="solid"/>
+                      <a:round/>
+                      <a:headEnd type="none" w="sm" len="sm"/>
+                      <a:tailEnd type="none" w="sm" len="sm"/>
+                    </a:lnB>
+                    <a:solidFill>
+                      <a:srgbClr val="4A86E8"/>
+                    </a:solidFill>
+                  </a:tcPr>
+                </a:tc>
+                <a:tc>
+                  <a:txBody>
+                    <a:bodyPr/>
+                    <a:lstStyle/>
+                    <a:p>
+                      <a:pPr marL="0" lvl="0" indent="0">
+                        <a:spcBef>
+                          <a:spcPts val="0"/>
+                        </a:spcBef>
+                        <a:spcAft>
+                          <a:spcPts val="0"/>
+                        </a:spcAft>
+                        <a:buNone/>
+                      </a:pPr>
+                      <a:r>
+                        <a:rPr lang="es-MX" sz="1200" b="1" dirty="0"/>
+                        <a:t>Desempeño</a:t>
+                      </a:r>
+                      <a:endParaRPr sz="1200" b="1" dirty="0"/>
+                    </a:p>
+                  </a:txBody>
+                  <a:tcPr marL="91425" marR="91425" marT="91425" marB="91425">
+                    <a:lnL w="9525" cap="flat" cmpd="sng">
+                      <a:solidFill>
+                        <a:srgbClr val="0000FF"/>
+                      </a:solidFill>
+                      <a:prstDash val="solid"/>
+                      <a:round/>
+                      <a:headEnd type="none" w="sm" len="sm"/>
+                      <a:tailEnd type="none" w="sm" len="sm"/>
+                    </a:lnL>
+                    <a:lnR w="9525" cap="flat" cmpd="sng">
+                      <a:solidFill>
+                        <a:srgbClr val="0000FF"/>
+                      </a:solidFill>
+                      <a:prstDash val="solid"/>
+                      <a:round/>
+                      <a:headEnd type="none" w="sm" len="sm"/>
+                      <a:tailEnd type="none" w="sm" len="sm"/>
+                    </a:lnR>
+                    <a:lnT w="9525" cap="flat" cmpd="sng">
+                      <a:solidFill>
+                        <a:srgbClr val="0000FF"/>
+                      </a:solidFill>
+                      <a:prstDash val="solid"/>
+                      <a:round/>
+                      <a:headEnd type="none" w="sm" len="sm"/>
+                      <a:tailEnd type="none" w="sm" len="sm"/>
+                    </a:lnT>
+                    <a:lnB w="9525" cap="flat" cmpd="sng" algn="ctr">
                       <a:solidFill>
                         <a:srgbClr val="0000FF"/>
                       </a:solidFill>
@@ -19520,7 +19744,7 @@
                   </a:ext>
                 </a:extLst>
               </a:tr>
-              <a:tr h="381000">
+              <a:tr h="522674">
                 <a:tc>
                   <a:txBody>
                     <a:bodyPr/>
@@ -19536,10 +19760,10 @@
                         <a:buNone/>
                       </a:pPr>
                       <a:r>
-                        <a:rPr lang="en"/>
+                        <a:rPr lang="en" sz="1200"/>
                         <a:t>Martin Alpuche</a:t>
                       </a:r>
-                      <a:endParaRPr/>
+                      <a:endParaRPr sz="1200"/>
                     </a:p>
                   </a:txBody>
                   <a:tcPr marL="91425" marR="91425" marT="91425" marB="91425">
@@ -19599,10 +19823,10 @@
                         <a:buNone/>
                       </a:pPr>
                       <a:r>
-                        <a:rPr lang="en"/>
+                        <a:rPr lang="en" sz="1200"/>
                         <a:t>%100</a:t>
                       </a:r>
-                      <a:endParaRPr/>
+                      <a:endParaRPr sz="1200"/>
                     </a:p>
                   </a:txBody>
                   <a:tcPr marL="91425" marR="91425" marT="91425" marB="91425">
@@ -19667,14 +19891,14 @@
                         <a:buNone/>
                       </a:pPr>
                       <a:r>
-                        <a:rPr lang="en" dirty="0">
+                        <a:rPr lang="en" sz="1200" dirty="0">
                           <a:solidFill>
                             <a:schemeClr val="dk1"/>
                           </a:solidFill>
                         </a:rPr>
                         <a:t>%30</a:t>
                       </a:r>
-                      <a:endParaRPr dirty="0"/>
+                      <a:endParaRPr sz="1200" dirty="0"/>
                     </a:p>
                   </a:txBody>
                   <a:tcPr marL="91425" marR="91425" marT="91425" marB="91425">
@@ -19739,14 +19963,14 @@
                         <a:buNone/>
                       </a:pPr>
                       <a:r>
-                        <a:rPr lang="en" dirty="0">
+                        <a:rPr lang="en" sz="1200" dirty="0">
                           <a:solidFill>
                             <a:schemeClr val="dk1"/>
                           </a:solidFill>
                         </a:rPr>
-                        <a:t>%10</a:t>
+                        <a:t>%15</a:t>
                       </a:r>
-                      <a:endParaRPr dirty="0"/>
+                      <a:endParaRPr sz="1200" dirty="0"/>
                     </a:p>
                   </a:txBody>
                   <a:tcPr marL="91425" marR="91425" marT="91425" marB="91425">
@@ -19811,14 +20035,14 @@
                         <a:buNone/>
                       </a:pPr>
                       <a:r>
-                        <a:rPr lang="en">
+                        <a:rPr lang="en" sz="1200" dirty="0">
                           <a:solidFill>
                             <a:schemeClr val="dk1"/>
                           </a:solidFill>
                         </a:rPr>
-                        <a:t>%30</a:t>
+                        <a:t>%10</a:t>
                       </a:r>
-                      <a:endParaRPr/>
+                      <a:endParaRPr sz="1200" dirty="0"/>
                     </a:p>
                   </a:txBody>
                   <a:tcPr marL="91425" marR="91425" marT="91425" marB="91425">
@@ -19883,14 +20107,14 @@
                         <a:buNone/>
                       </a:pPr>
                       <a:r>
-                        <a:rPr lang="en">
+                        <a:rPr lang="en" sz="1200" dirty="0">
                           <a:solidFill>
                             <a:schemeClr val="dk1"/>
                           </a:solidFill>
                         </a:rPr>
                         <a:t>%0</a:t>
                       </a:r>
-                      <a:endParaRPr/>
+                      <a:endParaRPr sz="1200" dirty="0"/>
                     </a:p>
                   </a:txBody>
                   <a:tcPr marL="91425" marR="91425" marT="91425" marB="91425">
@@ -19955,14 +20179,14 @@
                         <a:buNone/>
                       </a:pPr>
                       <a:r>
-                        <a:rPr lang="en">
+                        <a:rPr lang="en" sz="1200" dirty="0">
                           <a:solidFill>
                             <a:schemeClr val="dk1"/>
                           </a:solidFill>
                         </a:rPr>
                         <a:t>%0</a:t>
                       </a:r>
-                      <a:endParaRPr/>
+                      <a:endParaRPr sz="1200" dirty="0"/>
                     </a:p>
                   </a:txBody>
                   <a:tcPr marL="91425" marR="91425" marT="91425" marB="91425">
@@ -20027,14 +20251,14 @@
                         <a:buNone/>
                       </a:pPr>
                       <a:r>
-                        <a:rPr lang="en">
+                        <a:rPr lang="en" sz="1200" dirty="0">
                           <a:solidFill>
                             <a:schemeClr val="dk1"/>
                           </a:solidFill>
                         </a:rPr>
-                        <a:t>%30</a:t>
+                        <a:t>%50</a:t>
                       </a:r>
-                      <a:endParaRPr/>
+                      <a:endParaRPr sz="1200" dirty="0"/>
                     </a:p>
                   </a:txBody>
                   <a:tcPr marL="91425" marR="91425" marT="91425" marB="91425">
@@ -20047,7 +20271,7 @@
                       <a:headEnd type="none" w="sm" len="sm"/>
                       <a:tailEnd type="none" w="sm" len="sm"/>
                     </a:lnL>
-                    <a:lnR w="9525" cap="flat" cmpd="sng">
+                    <a:lnR w="9525" cap="flat" cmpd="sng" algn="ctr">
                       <a:solidFill>
                         <a:srgbClr val="0000FF"/>
                       </a:solidFill>
@@ -20066,6 +20290,163 @@
                       <a:tailEnd type="none" w="sm" len="sm"/>
                     </a:lnT>
                     <a:lnB w="9525" cap="flat" cmpd="sng">
+                      <a:solidFill>
+                        <a:srgbClr val="0000FF"/>
+                      </a:solidFill>
+                      <a:prstDash val="solid"/>
+                      <a:round/>
+                      <a:headEnd type="none" w="sm" len="sm"/>
+                      <a:tailEnd type="none" w="sm" len="sm"/>
+                    </a:lnB>
+                    <a:solidFill>
+                      <a:srgbClr val="FFF2CC"/>
+                    </a:solidFill>
+                  </a:tcPr>
+                </a:tc>
+                <a:tc>
+                  <a:txBody>
+                    <a:bodyPr/>
+                    <a:lstStyle/>
+                    <a:p>
+                      <a:pPr marL="0" marR="0" lvl="0" indent="0" algn="l" defTabSz="914400" rtl="0" eaLnBrk="1" fontAlgn="auto" latinLnBrk="0" hangingPunct="1">
+                        <a:lnSpc>
+                          <a:spcPct val="100000"/>
+                        </a:lnSpc>
+                        <a:spcBef>
+                          <a:spcPts val="0"/>
+                        </a:spcBef>
+                        <a:spcAft>
+                          <a:spcPts val="0"/>
+                        </a:spcAft>
+                        <a:buClr>
+                          <a:schemeClr val="dk1"/>
+                        </a:buClr>
+                        <a:buSzPts val="1100"/>
+                        <a:buFont typeface="Arial"/>
+                        <a:buNone/>
+                        <a:tabLst/>
+                        <a:defRPr/>
+                      </a:pPr>
+                      <a:r>
+                        <a:rPr lang="es-MX" sz="1200" dirty="0"/>
+                        <a:t>%0</a:t>
+                      </a:r>
+                    </a:p>
+                    <a:p>
+                      <a:pPr marL="0" lvl="0" indent="0">
+                        <a:spcBef>
+                          <a:spcPts val="0"/>
+                        </a:spcBef>
+                        <a:spcAft>
+                          <a:spcPts val="0"/>
+                        </a:spcAft>
+                        <a:buClr>
+                          <a:schemeClr val="dk1"/>
+                        </a:buClr>
+                        <a:buSzPts val="1100"/>
+                        <a:buFont typeface="Arial"/>
+                        <a:buNone/>
+                      </a:pPr>
+                      <a:endParaRPr sz="1200" dirty="0"/>
+                    </a:p>
+                  </a:txBody>
+                  <a:tcPr marL="91425" marR="91425" marT="91425" marB="91425">
+                    <a:lnL w="9525" cap="flat" cmpd="sng" algn="ctr">
+                      <a:solidFill>
+                        <a:srgbClr val="0000FF"/>
+                      </a:solidFill>
+                      <a:prstDash val="solid"/>
+                      <a:round/>
+                      <a:headEnd type="none" w="sm" len="sm"/>
+                      <a:tailEnd type="none" w="sm" len="sm"/>
+                    </a:lnL>
+                    <a:lnR w="9525" cap="flat" cmpd="sng" algn="ctr">
+                      <a:solidFill>
+                        <a:srgbClr val="0000FF"/>
+                      </a:solidFill>
+                      <a:prstDash val="solid"/>
+                      <a:round/>
+                      <a:headEnd type="none" w="sm" len="sm"/>
+                      <a:tailEnd type="none" w="sm" len="sm"/>
+                    </a:lnR>
+                    <a:lnT w="9525" cap="flat" cmpd="sng" algn="ctr">
+                      <a:solidFill>
+                        <a:srgbClr val="0000FF"/>
+                      </a:solidFill>
+                      <a:prstDash val="solid"/>
+                      <a:round/>
+                      <a:headEnd type="none" w="sm" len="sm"/>
+                      <a:tailEnd type="none" w="sm" len="sm"/>
+                    </a:lnT>
+                    <a:lnB w="9525" cap="flat" cmpd="sng" algn="ctr">
+                      <a:solidFill>
+                        <a:srgbClr val="0000FF"/>
+                      </a:solidFill>
+                      <a:prstDash val="solid"/>
+                      <a:round/>
+                      <a:headEnd type="none" w="sm" len="sm"/>
+                      <a:tailEnd type="none" w="sm" len="sm"/>
+                    </a:lnB>
+                    <a:solidFill>
+                      <a:srgbClr val="FFF2CC"/>
+                    </a:solidFill>
+                  </a:tcPr>
+                </a:tc>
+                <a:tc>
+                  <a:txBody>
+                    <a:bodyPr/>
+                    <a:lstStyle/>
+                    <a:p>
+                      <a:pPr marL="0" lvl="0" indent="0">
+                        <a:spcBef>
+                          <a:spcPts val="0"/>
+                        </a:spcBef>
+                        <a:spcAft>
+                          <a:spcPts val="0"/>
+                        </a:spcAft>
+                        <a:buClr>
+                          <a:schemeClr val="dk1"/>
+                        </a:buClr>
+                        <a:buSzPts val="1100"/>
+                        <a:buFont typeface="Arial"/>
+                        <a:buNone/>
+                      </a:pPr>
+                      <a:r>
+                        <a:rPr lang="es-MX" sz="1200" dirty="0"/>
+                        <a:t>105 Bueno</a:t>
+                      </a:r>
+                      <a:endParaRPr sz="1200" dirty="0"/>
+                    </a:p>
+                  </a:txBody>
+                  <a:tcPr marL="91425" marR="91425" marT="91425" marB="91425">
+                    <a:lnL w="9525" cap="flat" cmpd="sng">
+                      <a:solidFill>
+                        <a:srgbClr val="0000FF"/>
+                      </a:solidFill>
+                      <a:prstDash val="solid"/>
+                      <a:round/>
+                      <a:headEnd type="none" w="sm" len="sm"/>
+                      <a:tailEnd type="none" w="sm" len="sm"/>
+                    </a:lnL>
+                    <a:lnR w="9525" cap="flat" cmpd="sng">
+                      <a:solidFill>
+                        <a:srgbClr val="0000FF"/>
+                      </a:solidFill>
+                      <a:prstDash val="solid"/>
+                      <a:round/>
+                      <a:headEnd type="none" w="sm" len="sm"/>
+                      <a:tailEnd type="none" w="sm" len="sm"/>
+                    </a:lnR>
+                    <a:lnT w="9525" cap="flat" cmpd="sng" algn="ctr">
+                      <a:solidFill>
+                        <a:srgbClr val="0000FF"/>
+                      </a:solidFill>
+                      <a:prstDash val="solid"/>
+                      <a:round/>
+                      <a:headEnd type="none" w="sm" len="sm"/>
+                      <a:tailEnd type="none" w="sm" len="sm"/>
+                    </a:lnT>
+                    <a:lnB w="9525" cap="flat" cmpd="sng" algn="ctr">
                       <a:solidFill>
                         <a:srgbClr val="0000FF"/>
                       </a:solidFill>
@@ -20085,7 +20466,7 @@
                   </a:ext>
                 </a:extLst>
               </a:tr>
-              <a:tr h="381000">
+              <a:tr h="522674">
                 <a:tc>
                   <a:txBody>
                     <a:bodyPr/>
@@ -20101,10 +20482,10 @@
                         <a:buNone/>
                       </a:pPr>
                       <a:r>
-                        <a:rPr lang="en"/>
+                        <a:rPr lang="en" sz="1200"/>
                         <a:t>Ulises Ancona</a:t>
                       </a:r>
-                      <a:endParaRPr/>
+                      <a:endParaRPr sz="1200"/>
                     </a:p>
                   </a:txBody>
                   <a:tcPr marL="91425" marR="91425" marT="91425" marB="91425">
@@ -20169,14 +20550,14 @@
                         <a:buNone/>
                       </a:pPr>
                       <a:r>
-                        <a:rPr lang="en">
+                        <a:rPr lang="en" sz="1200" dirty="0">
                           <a:solidFill>
                             <a:schemeClr val="dk1"/>
                           </a:solidFill>
                         </a:rPr>
                         <a:t>%100</a:t>
                       </a:r>
-                      <a:endParaRPr/>
+                      <a:endParaRPr sz="1200" dirty="0"/>
                     </a:p>
                   </a:txBody>
                   <a:tcPr marL="91425" marR="91425" marT="91425" marB="91425">
@@ -20241,14 +20622,14 @@
                         <a:buNone/>
                       </a:pPr>
                       <a:r>
-                        <a:rPr lang="en">
+                        <a:rPr lang="en" sz="1200" dirty="0">
                           <a:solidFill>
                             <a:schemeClr val="dk1"/>
                           </a:solidFill>
                         </a:rPr>
-                        <a:t>%35</a:t>
+                        <a:t>%15</a:t>
                       </a:r>
-                      <a:endParaRPr/>
+                      <a:endParaRPr sz="1200" dirty="0"/>
                     </a:p>
                   </a:txBody>
                   <a:tcPr marL="91425" marR="91425" marT="91425" marB="91425">
@@ -20313,14 +20694,14 @@
                         <a:buNone/>
                       </a:pPr>
                       <a:r>
-                        <a:rPr lang="en">
+                        <a:rPr lang="en" sz="1200" dirty="0">
                           <a:solidFill>
                             <a:schemeClr val="dk1"/>
                           </a:solidFill>
                         </a:rPr>
-                        <a:t>%30</a:t>
+                        <a:t>%50</a:t>
                       </a:r>
-                      <a:endParaRPr/>
+                      <a:endParaRPr sz="1200" dirty="0"/>
                     </a:p>
                   </a:txBody>
                   <a:tcPr marL="91425" marR="91425" marT="91425" marB="91425">
@@ -20385,14 +20766,14 @@
                         <a:buNone/>
                       </a:pPr>
                       <a:r>
-                        <a:rPr lang="en">
+                        <a:rPr lang="en" sz="1200" dirty="0">
                           <a:solidFill>
                             <a:schemeClr val="dk1"/>
                           </a:solidFill>
                         </a:rPr>
                         <a:t>%0</a:t>
                       </a:r>
-                      <a:endParaRPr/>
+                      <a:endParaRPr sz="1200" dirty="0"/>
                     </a:p>
                   </a:txBody>
                   <a:tcPr marL="91425" marR="91425" marT="91425" marB="91425">
@@ -20457,14 +20838,14 @@
                         <a:buNone/>
                       </a:pPr>
                       <a:r>
-                        <a:rPr lang="en">
+                        <a:rPr lang="en" sz="1200" dirty="0">
                           <a:solidFill>
                             <a:schemeClr val="dk1"/>
                           </a:solidFill>
                         </a:rPr>
                         <a:t>%10</a:t>
                       </a:r>
-                      <a:endParaRPr/>
+                      <a:endParaRPr sz="1200" dirty="0"/>
                     </a:p>
                   </a:txBody>
                   <a:tcPr marL="91425" marR="91425" marT="91425" marB="91425">
@@ -20529,14 +20910,14 @@
                         <a:buNone/>
                       </a:pPr>
                       <a:r>
-                        <a:rPr lang="en">
+                        <a:rPr lang="en" sz="1200" dirty="0">
                           <a:solidFill>
                             <a:schemeClr val="dk1"/>
                           </a:solidFill>
                         </a:rPr>
                         <a:t>%40</a:t>
                       </a:r>
-                      <a:endParaRPr/>
+                      <a:endParaRPr sz="1200" dirty="0"/>
                     </a:p>
                   </a:txBody>
                   <a:tcPr marL="91425" marR="91425" marT="91425" marB="91425">
@@ -20601,14 +20982,14 @@
                         <a:buNone/>
                       </a:pPr>
                       <a:r>
-                        <a:rPr lang="en">
+                        <a:rPr lang="en" sz="1200" dirty="0">
                           <a:solidFill>
                             <a:schemeClr val="dk1"/>
                           </a:solidFill>
                         </a:rPr>
                         <a:t>%40</a:t>
                       </a:r>
-                      <a:endParaRPr/>
+                      <a:endParaRPr sz="1200" dirty="0"/>
                     </a:p>
                   </a:txBody>
                   <a:tcPr marL="91425" marR="91425" marT="91425" marB="91425">
@@ -20621,7 +21002,7 @@
                       <a:headEnd type="none" w="sm" len="sm"/>
                       <a:tailEnd type="none" w="sm" len="sm"/>
                     </a:lnL>
-                    <a:lnR w="9525" cap="flat" cmpd="sng">
+                    <a:lnR w="9525" cap="flat" cmpd="sng" algn="ctr">
                       <a:solidFill>
                         <a:srgbClr val="0000FF"/>
                       </a:solidFill>
@@ -20640,6 +21021,142 @@
                       <a:tailEnd type="none" w="sm" len="sm"/>
                     </a:lnT>
                     <a:lnB w="9525" cap="flat" cmpd="sng">
+                      <a:solidFill>
+                        <a:srgbClr val="0000FF"/>
+                      </a:solidFill>
+                      <a:prstDash val="solid"/>
+                      <a:round/>
+                      <a:headEnd type="none" w="sm" len="sm"/>
+                      <a:tailEnd type="none" w="sm" len="sm"/>
+                    </a:lnB>
+                    <a:solidFill>
+                      <a:srgbClr val="FFF2CC"/>
+                    </a:solidFill>
+                  </a:tcPr>
+                </a:tc>
+                <a:tc>
+                  <a:txBody>
+                    <a:bodyPr/>
+                    <a:lstStyle/>
+                    <a:p>
+                      <a:pPr marL="0" lvl="0" indent="0">
+                        <a:spcBef>
+                          <a:spcPts val="0"/>
+                        </a:spcBef>
+                        <a:spcAft>
+                          <a:spcPts val="0"/>
+                        </a:spcAft>
+                        <a:buClr>
+                          <a:schemeClr val="dk1"/>
+                        </a:buClr>
+                        <a:buSzPts val="1100"/>
+                        <a:buFont typeface="Arial"/>
+                        <a:buNone/>
+                      </a:pPr>
+                      <a:r>
+                        <a:rPr lang="es-MX" sz="1200" dirty="0"/>
+                        <a:t>%10</a:t>
+                      </a:r>
+                      <a:endParaRPr sz="1200" dirty="0"/>
+                    </a:p>
+                  </a:txBody>
+                  <a:tcPr marL="91425" marR="91425" marT="91425" marB="91425">
+                    <a:lnL w="9525" cap="flat" cmpd="sng" algn="ctr">
+                      <a:solidFill>
+                        <a:srgbClr val="0000FF"/>
+                      </a:solidFill>
+                      <a:prstDash val="solid"/>
+                      <a:round/>
+                      <a:headEnd type="none" w="sm" len="sm"/>
+                      <a:tailEnd type="none" w="sm" len="sm"/>
+                    </a:lnL>
+                    <a:lnR w="9525" cap="flat" cmpd="sng" algn="ctr">
+                      <a:solidFill>
+                        <a:srgbClr val="0000FF"/>
+                      </a:solidFill>
+                      <a:prstDash val="solid"/>
+                      <a:round/>
+                      <a:headEnd type="none" w="sm" len="sm"/>
+                      <a:tailEnd type="none" w="sm" len="sm"/>
+                    </a:lnR>
+                    <a:lnT w="9525" cap="flat" cmpd="sng" algn="ctr">
+                      <a:solidFill>
+                        <a:srgbClr val="0000FF"/>
+                      </a:solidFill>
+                      <a:prstDash val="solid"/>
+                      <a:round/>
+                      <a:headEnd type="none" w="sm" len="sm"/>
+                      <a:tailEnd type="none" w="sm" len="sm"/>
+                    </a:lnT>
+                    <a:lnB w="9525" cap="flat" cmpd="sng" algn="ctr">
+                      <a:solidFill>
+                        <a:srgbClr val="0000FF"/>
+                      </a:solidFill>
+                      <a:prstDash val="solid"/>
+                      <a:round/>
+                      <a:headEnd type="none" w="sm" len="sm"/>
+                      <a:tailEnd type="none" w="sm" len="sm"/>
+                    </a:lnB>
+                    <a:solidFill>
+                      <a:srgbClr val="FFF2CC"/>
+                    </a:solidFill>
+                  </a:tcPr>
+                </a:tc>
+                <a:tc>
+                  <a:txBody>
+                    <a:bodyPr/>
+                    <a:lstStyle/>
+                    <a:p>
+                      <a:pPr marL="0" lvl="0" indent="0">
+                        <a:spcBef>
+                          <a:spcPts val="0"/>
+                        </a:spcBef>
+                        <a:spcAft>
+                          <a:spcPts val="0"/>
+                        </a:spcAft>
+                        <a:buClr>
+                          <a:schemeClr val="dk1"/>
+                        </a:buClr>
+                        <a:buSzPts val="1100"/>
+                        <a:buFont typeface="Arial"/>
+                        <a:buNone/>
+                      </a:pPr>
+                      <a:r>
+                        <a:rPr lang="es-MX" sz="1200" dirty="0"/>
+                        <a:t>165 Excelente</a:t>
+                      </a:r>
+                      <a:endParaRPr sz="1200" dirty="0"/>
+                    </a:p>
+                  </a:txBody>
+                  <a:tcPr marL="91425" marR="91425" marT="91425" marB="91425">
+                    <a:lnL w="9525" cap="flat" cmpd="sng">
+                      <a:solidFill>
+                        <a:srgbClr val="0000FF"/>
+                      </a:solidFill>
+                      <a:prstDash val="solid"/>
+                      <a:round/>
+                      <a:headEnd type="none" w="sm" len="sm"/>
+                      <a:tailEnd type="none" w="sm" len="sm"/>
+                    </a:lnL>
+                    <a:lnR w="9525" cap="flat" cmpd="sng">
+                      <a:solidFill>
+                        <a:srgbClr val="0000FF"/>
+                      </a:solidFill>
+                      <a:prstDash val="solid"/>
+                      <a:round/>
+                      <a:headEnd type="none" w="sm" len="sm"/>
+                      <a:tailEnd type="none" w="sm" len="sm"/>
+                    </a:lnR>
+                    <a:lnT w="9525" cap="flat" cmpd="sng" algn="ctr">
+                      <a:solidFill>
+                        <a:srgbClr val="0000FF"/>
+                      </a:solidFill>
+                      <a:prstDash val="solid"/>
+                      <a:round/>
+                      <a:headEnd type="none" w="sm" len="sm"/>
+                      <a:tailEnd type="none" w="sm" len="sm"/>
+                    </a:lnT>
+                    <a:lnB w="9525" cap="flat" cmpd="sng" algn="ctr">
                       <a:solidFill>
                         <a:srgbClr val="0000FF"/>
                       </a:solidFill>
@@ -20659,7 +21176,7 @@
                   </a:ext>
                 </a:extLst>
               </a:tr>
-              <a:tr h="381000">
+              <a:tr h="522674">
                 <a:tc>
                   <a:txBody>
                     <a:bodyPr/>
@@ -20675,10 +21192,10 @@
                         <a:buNone/>
                       </a:pPr>
                       <a:r>
-                        <a:rPr lang="en"/>
+                        <a:rPr lang="en" sz="1200"/>
                         <a:t>Emmanuel Azcorra</a:t>
                       </a:r>
-                      <a:endParaRPr/>
+                      <a:endParaRPr sz="1200"/>
                     </a:p>
                   </a:txBody>
                   <a:tcPr marL="91425" marR="91425" marT="91425" marB="91425">
@@ -20743,14 +21260,14 @@
                         <a:buNone/>
                       </a:pPr>
                       <a:r>
-                        <a:rPr lang="en">
+                        <a:rPr lang="en" sz="1200" dirty="0">
                           <a:solidFill>
                             <a:schemeClr val="dk1"/>
                           </a:solidFill>
                         </a:rPr>
                         <a:t>%100</a:t>
                       </a:r>
-                      <a:endParaRPr/>
+                      <a:endParaRPr sz="1200" dirty="0"/>
                     </a:p>
                   </a:txBody>
                   <a:tcPr marL="91425" marR="91425" marT="91425" marB="91425">
@@ -20815,14 +21332,14 @@
                         <a:buNone/>
                       </a:pPr>
                       <a:r>
-                        <a:rPr lang="en">
+                        <a:rPr lang="en" sz="1200" dirty="0">
                           <a:solidFill>
                             <a:schemeClr val="dk1"/>
                           </a:solidFill>
                         </a:rPr>
-                        <a:t>%00</a:t>
+                        <a:t>%0</a:t>
                       </a:r>
-                      <a:endParaRPr/>
+                      <a:endParaRPr sz="1200" dirty="0"/>
                     </a:p>
                   </a:txBody>
                   <a:tcPr marL="91425" marR="91425" marT="91425" marB="91425">
@@ -20887,14 +21404,14 @@
                         <a:buNone/>
                       </a:pPr>
                       <a:r>
-                        <a:rPr lang="en">
+                        <a:rPr lang="en" sz="1200" dirty="0">
                           <a:solidFill>
                             <a:schemeClr val="dk1"/>
                           </a:solidFill>
                         </a:rPr>
-                        <a:t>%00</a:t>
+                        <a:t>%0</a:t>
                       </a:r>
-                      <a:endParaRPr/>
+                      <a:endParaRPr sz="1200" dirty="0"/>
                     </a:p>
                   </a:txBody>
                   <a:tcPr marL="91425" marR="91425" marT="91425" marB="91425">
@@ -20959,14 +21476,14 @@
                         <a:buNone/>
                       </a:pPr>
                       <a:r>
-                        <a:rPr lang="en">
+                        <a:rPr lang="en" sz="1200" dirty="0">
                           <a:solidFill>
                             <a:schemeClr val="dk1"/>
                           </a:solidFill>
                         </a:rPr>
-                        <a:t>%00</a:t>
+                        <a:t>%0</a:t>
                       </a:r>
-                      <a:endParaRPr/>
+                      <a:endParaRPr sz="1200" dirty="0"/>
                     </a:p>
                   </a:txBody>
                   <a:tcPr marL="91425" marR="91425" marT="91425" marB="91425">
@@ -21031,14 +21548,14 @@
                         <a:buNone/>
                       </a:pPr>
                       <a:r>
-                        <a:rPr lang="en">
+                        <a:rPr lang="en" sz="1200" dirty="0">
                           <a:solidFill>
                             <a:schemeClr val="dk1"/>
                           </a:solidFill>
                         </a:rPr>
                         <a:t>%90</a:t>
                       </a:r>
-                      <a:endParaRPr/>
+                      <a:endParaRPr sz="1200" dirty="0"/>
                     </a:p>
                   </a:txBody>
                   <a:tcPr marL="91425" marR="91425" marT="91425" marB="91425">
@@ -21103,14 +21620,14 @@
                         <a:buNone/>
                       </a:pPr>
                       <a:r>
-                        <a:rPr lang="en">
+                        <a:rPr lang="en" sz="1200" dirty="0">
                           <a:solidFill>
                             <a:schemeClr val="dk1"/>
                           </a:solidFill>
                         </a:rPr>
-                        <a:t>%20</a:t>
+                        <a:t>%60</a:t>
                       </a:r>
-                      <a:endParaRPr/>
+                      <a:endParaRPr sz="1200" dirty="0"/>
                     </a:p>
                   </a:txBody>
                   <a:tcPr marL="91425" marR="91425" marT="91425" marB="91425">
@@ -21175,14 +21692,14 @@
                         <a:buNone/>
                       </a:pPr>
                       <a:r>
-                        <a:rPr lang="en">
+                        <a:rPr lang="en" sz="1200" dirty="0">
                           <a:solidFill>
                             <a:schemeClr val="dk1"/>
                           </a:solidFill>
                         </a:rPr>
-                        <a:t>%00</a:t>
+                        <a:t>%0</a:t>
                       </a:r>
-                      <a:endParaRPr/>
+                      <a:endParaRPr sz="1200" dirty="0"/>
                     </a:p>
                   </a:txBody>
                   <a:tcPr marL="91425" marR="91425" marT="91425" marB="91425">
@@ -21195,7 +21712,7 @@
                       <a:headEnd type="none" w="sm" len="sm"/>
                       <a:tailEnd type="none" w="sm" len="sm"/>
                     </a:lnL>
-                    <a:lnR w="9525" cap="flat" cmpd="sng">
+                    <a:lnR w="9525" cap="flat" cmpd="sng" algn="ctr">
                       <a:solidFill>
                         <a:srgbClr val="0000FF"/>
                       </a:solidFill>
@@ -21214,6 +21731,142 @@
                       <a:tailEnd type="none" w="sm" len="sm"/>
                     </a:lnT>
                     <a:lnB w="9525" cap="flat" cmpd="sng">
+                      <a:solidFill>
+                        <a:srgbClr val="0000FF"/>
+                      </a:solidFill>
+                      <a:prstDash val="solid"/>
+                      <a:round/>
+                      <a:headEnd type="none" w="sm" len="sm"/>
+                      <a:tailEnd type="none" w="sm" len="sm"/>
+                    </a:lnB>
+                    <a:solidFill>
+                      <a:srgbClr val="FFF2CC"/>
+                    </a:solidFill>
+                  </a:tcPr>
+                </a:tc>
+                <a:tc>
+                  <a:txBody>
+                    <a:bodyPr/>
+                    <a:lstStyle/>
+                    <a:p>
+                      <a:pPr marL="0" lvl="0" indent="0">
+                        <a:spcBef>
+                          <a:spcPts val="0"/>
+                        </a:spcBef>
+                        <a:spcAft>
+                          <a:spcPts val="0"/>
+                        </a:spcAft>
+                        <a:buClr>
+                          <a:schemeClr val="dk1"/>
+                        </a:buClr>
+                        <a:buSzPts val="1100"/>
+                        <a:buFont typeface="Arial"/>
+                        <a:buNone/>
+                      </a:pPr>
+                      <a:r>
+                        <a:rPr lang="es-MX" sz="1200" dirty="0"/>
+                        <a:t>%0</a:t>
+                      </a:r>
+                      <a:endParaRPr sz="1200" dirty="0"/>
+                    </a:p>
+                  </a:txBody>
+                  <a:tcPr marL="91425" marR="91425" marT="91425" marB="91425">
+                    <a:lnL w="9525" cap="flat" cmpd="sng" algn="ctr">
+                      <a:solidFill>
+                        <a:srgbClr val="0000FF"/>
+                      </a:solidFill>
+                      <a:prstDash val="solid"/>
+                      <a:round/>
+                      <a:headEnd type="none" w="sm" len="sm"/>
+                      <a:tailEnd type="none" w="sm" len="sm"/>
+                    </a:lnL>
+                    <a:lnR w="9525" cap="flat" cmpd="sng" algn="ctr">
+                      <a:solidFill>
+                        <a:srgbClr val="0000FF"/>
+                      </a:solidFill>
+                      <a:prstDash val="solid"/>
+                      <a:round/>
+                      <a:headEnd type="none" w="sm" len="sm"/>
+                      <a:tailEnd type="none" w="sm" len="sm"/>
+                    </a:lnR>
+                    <a:lnT w="9525" cap="flat" cmpd="sng" algn="ctr">
+                      <a:solidFill>
+                        <a:srgbClr val="0000FF"/>
+                      </a:solidFill>
+                      <a:prstDash val="solid"/>
+                      <a:round/>
+                      <a:headEnd type="none" w="sm" len="sm"/>
+                      <a:tailEnd type="none" w="sm" len="sm"/>
+                    </a:lnT>
+                    <a:lnB w="9525" cap="flat" cmpd="sng" algn="ctr">
+                      <a:solidFill>
+                        <a:srgbClr val="0000FF"/>
+                      </a:solidFill>
+                      <a:prstDash val="solid"/>
+                      <a:round/>
+                      <a:headEnd type="none" w="sm" len="sm"/>
+                      <a:tailEnd type="none" w="sm" len="sm"/>
+                    </a:lnB>
+                    <a:solidFill>
+                      <a:srgbClr val="FFF2CC"/>
+                    </a:solidFill>
+                  </a:tcPr>
+                </a:tc>
+                <a:tc>
+                  <a:txBody>
+                    <a:bodyPr/>
+                    <a:lstStyle/>
+                    <a:p>
+                      <a:pPr marL="0" lvl="0" indent="0">
+                        <a:spcBef>
+                          <a:spcPts val="0"/>
+                        </a:spcBef>
+                        <a:spcAft>
+                          <a:spcPts val="0"/>
+                        </a:spcAft>
+                        <a:buClr>
+                          <a:schemeClr val="dk1"/>
+                        </a:buClr>
+                        <a:buSzPts val="1100"/>
+                        <a:buFont typeface="Arial"/>
+                        <a:buNone/>
+                      </a:pPr>
+                      <a:r>
+                        <a:rPr lang="es-MX" sz="1200" dirty="0"/>
+                        <a:t>150 Excelente</a:t>
+                      </a:r>
+                      <a:endParaRPr sz="1200" dirty="0"/>
+                    </a:p>
+                  </a:txBody>
+                  <a:tcPr marL="91425" marR="91425" marT="91425" marB="91425">
+                    <a:lnL w="9525" cap="flat" cmpd="sng">
+                      <a:solidFill>
+                        <a:srgbClr val="0000FF"/>
+                      </a:solidFill>
+                      <a:prstDash val="solid"/>
+                      <a:round/>
+                      <a:headEnd type="none" w="sm" len="sm"/>
+                      <a:tailEnd type="none" w="sm" len="sm"/>
+                    </a:lnL>
+                    <a:lnR w="9525" cap="flat" cmpd="sng">
+                      <a:solidFill>
+                        <a:srgbClr val="0000FF"/>
+                      </a:solidFill>
+                      <a:prstDash val="solid"/>
+                      <a:round/>
+                      <a:headEnd type="none" w="sm" len="sm"/>
+                      <a:tailEnd type="none" w="sm" len="sm"/>
+                    </a:lnR>
+                    <a:lnT w="9525" cap="flat" cmpd="sng" algn="ctr">
+                      <a:solidFill>
+                        <a:srgbClr val="0000FF"/>
+                      </a:solidFill>
+                      <a:prstDash val="solid"/>
+                      <a:round/>
+                      <a:headEnd type="none" w="sm" len="sm"/>
+                      <a:tailEnd type="none" w="sm" len="sm"/>
+                    </a:lnT>
+                    <a:lnB w="9525" cap="flat" cmpd="sng" algn="ctr">
                       <a:solidFill>
                         <a:srgbClr val="0000FF"/>
                       </a:solidFill>
@@ -21233,7 +21886,7 @@
                   </a:ext>
                 </a:extLst>
               </a:tr>
-              <a:tr h="381000">
+              <a:tr h="522674">
                 <a:tc>
                   <a:txBody>
                     <a:bodyPr/>
@@ -21249,10 +21902,10 @@
                         <a:buNone/>
                       </a:pPr>
                       <a:r>
-                        <a:rPr lang="en"/>
+                        <a:rPr lang="en" sz="1200"/>
                         <a:t>Shaid Bojórquez</a:t>
                       </a:r>
-                      <a:endParaRPr/>
+                      <a:endParaRPr sz="1200"/>
                     </a:p>
                   </a:txBody>
                   <a:tcPr marL="91425" marR="91425" marT="91425" marB="91425">
@@ -21317,14 +21970,14 @@
                         <a:buNone/>
                       </a:pPr>
                       <a:r>
-                        <a:rPr lang="en">
+                        <a:rPr lang="en" sz="1200">
                           <a:solidFill>
                             <a:schemeClr val="dk1"/>
                           </a:solidFill>
                         </a:rPr>
                         <a:t>%100</a:t>
                       </a:r>
-                      <a:endParaRPr/>
+                      <a:endParaRPr sz="1200"/>
                     </a:p>
                   </a:txBody>
                   <a:tcPr marL="91425" marR="91425" marT="91425" marB="91425">
@@ -21389,14 +22042,14 @@
                         <a:buNone/>
                       </a:pPr>
                       <a:r>
-                        <a:rPr lang="en">
+                        <a:rPr lang="en" sz="1200" dirty="0">
                           <a:solidFill>
                             <a:schemeClr val="dk1"/>
                           </a:solidFill>
                         </a:rPr>
                         <a:t>%35</a:t>
                       </a:r>
-                      <a:endParaRPr/>
+                      <a:endParaRPr sz="1200" dirty="0"/>
                     </a:p>
                   </a:txBody>
                   <a:tcPr marL="91425" marR="91425" marT="91425" marB="91425">
@@ -21461,14 +22114,14 @@
                         <a:buNone/>
                       </a:pPr>
                       <a:r>
-                        <a:rPr lang="en">
+                        <a:rPr lang="en" sz="1200" dirty="0">
                           <a:solidFill>
                             <a:schemeClr val="dk1"/>
                           </a:solidFill>
                         </a:rPr>
-                        <a:t>%30</a:t>
+                        <a:t>%25</a:t>
                       </a:r>
-                      <a:endParaRPr/>
+                      <a:endParaRPr sz="1200" dirty="0"/>
                     </a:p>
                   </a:txBody>
                   <a:tcPr marL="91425" marR="91425" marT="91425" marB="91425">
@@ -21533,14 +22186,14 @@
                         <a:buNone/>
                       </a:pPr>
                       <a:r>
-                        <a:rPr lang="en">
+                        <a:rPr lang="en" sz="1200" dirty="0">
                           <a:solidFill>
                             <a:schemeClr val="dk1"/>
                           </a:solidFill>
                         </a:rPr>
-                        <a:t>%70</a:t>
+                        <a:t>%90</a:t>
                       </a:r>
-                      <a:endParaRPr/>
+                      <a:endParaRPr sz="1200" dirty="0"/>
                     </a:p>
                   </a:txBody>
                   <a:tcPr marL="91425" marR="91425" marT="91425" marB="91425">
@@ -21605,14 +22258,14 @@
                         <a:buNone/>
                       </a:pPr>
                       <a:r>
-                        <a:rPr lang="en">
+                        <a:rPr lang="en" sz="1200" dirty="0">
                           <a:solidFill>
                             <a:schemeClr val="dk1"/>
                           </a:solidFill>
                         </a:rPr>
                         <a:t>%0</a:t>
                       </a:r>
-                      <a:endParaRPr/>
+                      <a:endParaRPr sz="1200" dirty="0"/>
                     </a:p>
                   </a:txBody>
                   <a:tcPr marL="91425" marR="91425" marT="91425" marB="91425">
@@ -21677,14 +22330,14 @@
                         <a:buNone/>
                       </a:pPr>
                       <a:r>
-                        <a:rPr lang="en">
+                        <a:rPr lang="en" sz="1200" dirty="0">
                           <a:solidFill>
                             <a:schemeClr val="dk1"/>
                           </a:solidFill>
                         </a:rPr>
                         <a:t>%0</a:t>
                       </a:r>
-                      <a:endParaRPr/>
+                      <a:endParaRPr sz="1200" dirty="0"/>
                     </a:p>
                   </a:txBody>
                   <a:tcPr marL="91425" marR="91425" marT="91425" marB="91425">
@@ -21749,14 +22402,14 @@
                         <a:buNone/>
                       </a:pPr>
                       <a:r>
-                        <a:rPr lang="en">
+                        <a:rPr lang="en" sz="1200" dirty="0">
                           <a:solidFill>
                             <a:schemeClr val="dk1"/>
                           </a:solidFill>
                         </a:rPr>
-                        <a:t>%100</a:t>
+                        <a:t>%0</a:t>
                       </a:r>
-                      <a:endParaRPr/>
+                      <a:endParaRPr sz="1200" dirty="0"/>
                     </a:p>
                   </a:txBody>
                   <a:tcPr marL="91425" marR="91425" marT="91425" marB="91425">
@@ -21769,7 +22422,7 @@
                       <a:headEnd type="none" w="sm" len="sm"/>
                       <a:tailEnd type="none" w="sm" len="sm"/>
                     </a:lnL>
-                    <a:lnR w="9525" cap="flat" cmpd="sng">
+                    <a:lnR w="9525" cap="flat" cmpd="sng" algn="ctr">
                       <a:solidFill>
                         <a:srgbClr val="0000FF"/>
                       </a:solidFill>
@@ -21788,6 +22441,163 @@
                       <a:tailEnd type="none" w="sm" len="sm"/>
                     </a:lnT>
                     <a:lnB w="9525" cap="flat" cmpd="sng">
+                      <a:solidFill>
+                        <a:srgbClr val="0000FF"/>
+                      </a:solidFill>
+                      <a:prstDash val="solid"/>
+                      <a:round/>
+                      <a:headEnd type="none" w="sm" len="sm"/>
+                      <a:tailEnd type="none" w="sm" len="sm"/>
+                    </a:lnB>
+                    <a:solidFill>
+                      <a:srgbClr val="FFF2CC"/>
+                    </a:solidFill>
+                  </a:tcPr>
+                </a:tc>
+                <a:tc>
+                  <a:txBody>
+                    <a:bodyPr/>
+                    <a:lstStyle/>
+                    <a:p>
+                      <a:pPr marL="0" marR="0" lvl="0" indent="0" algn="l" defTabSz="914400" rtl="0" eaLnBrk="1" fontAlgn="auto" latinLnBrk="0" hangingPunct="1">
+                        <a:lnSpc>
+                          <a:spcPct val="100000"/>
+                        </a:lnSpc>
+                        <a:spcBef>
+                          <a:spcPts val="0"/>
+                        </a:spcBef>
+                        <a:spcAft>
+                          <a:spcPts val="0"/>
+                        </a:spcAft>
+                        <a:buClr>
+                          <a:schemeClr val="dk1"/>
+                        </a:buClr>
+                        <a:buSzPts val="1100"/>
+                        <a:buFont typeface="Arial"/>
+                        <a:buNone/>
+                        <a:tabLst/>
+                        <a:defRPr/>
+                      </a:pPr>
+                      <a:r>
+                        <a:rPr lang="es-MX" sz="1200" dirty="0"/>
+                        <a:t>%0</a:t>
+                      </a:r>
+                    </a:p>
+                    <a:p>
+                      <a:pPr marL="0" lvl="0" indent="0">
+                        <a:spcBef>
+                          <a:spcPts val="0"/>
+                        </a:spcBef>
+                        <a:spcAft>
+                          <a:spcPts val="0"/>
+                        </a:spcAft>
+                        <a:buClr>
+                          <a:schemeClr val="dk1"/>
+                        </a:buClr>
+                        <a:buSzPts val="1100"/>
+                        <a:buFont typeface="Arial"/>
+                        <a:buNone/>
+                      </a:pPr>
+                      <a:endParaRPr sz="1200" dirty="0"/>
+                    </a:p>
+                  </a:txBody>
+                  <a:tcPr marL="91425" marR="91425" marT="91425" marB="91425">
+                    <a:lnL w="9525" cap="flat" cmpd="sng" algn="ctr">
+                      <a:solidFill>
+                        <a:srgbClr val="0000FF"/>
+                      </a:solidFill>
+                      <a:prstDash val="solid"/>
+                      <a:round/>
+                      <a:headEnd type="none" w="sm" len="sm"/>
+                      <a:tailEnd type="none" w="sm" len="sm"/>
+                    </a:lnL>
+                    <a:lnR w="9525" cap="flat" cmpd="sng" algn="ctr">
+                      <a:solidFill>
+                        <a:srgbClr val="0000FF"/>
+                      </a:solidFill>
+                      <a:prstDash val="solid"/>
+                      <a:round/>
+                      <a:headEnd type="none" w="sm" len="sm"/>
+                      <a:tailEnd type="none" w="sm" len="sm"/>
+                    </a:lnR>
+                    <a:lnT w="9525" cap="flat" cmpd="sng" algn="ctr">
+                      <a:solidFill>
+                        <a:srgbClr val="0000FF"/>
+                      </a:solidFill>
+                      <a:prstDash val="solid"/>
+                      <a:round/>
+                      <a:headEnd type="none" w="sm" len="sm"/>
+                      <a:tailEnd type="none" w="sm" len="sm"/>
+                    </a:lnT>
+                    <a:lnB w="9525" cap="flat" cmpd="sng" algn="ctr">
+                      <a:solidFill>
+                        <a:srgbClr val="0000FF"/>
+                      </a:solidFill>
+                      <a:prstDash val="solid"/>
+                      <a:round/>
+                      <a:headEnd type="none" w="sm" len="sm"/>
+                      <a:tailEnd type="none" w="sm" len="sm"/>
+                    </a:lnB>
+                    <a:solidFill>
+                      <a:srgbClr val="FFF2CC"/>
+                    </a:solidFill>
+                  </a:tcPr>
+                </a:tc>
+                <a:tc>
+                  <a:txBody>
+                    <a:bodyPr/>
+                    <a:lstStyle/>
+                    <a:p>
+                      <a:pPr marL="0" lvl="0" indent="0">
+                        <a:spcBef>
+                          <a:spcPts val="0"/>
+                        </a:spcBef>
+                        <a:spcAft>
+                          <a:spcPts val="0"/>
+                        </a:spcAft>
+                        <a:buClr>
+                          <a:schemeClr val="dk1"/>
+                        </a:buClr>
+                        <a:buSzPts val="1100"/>
+                        <a:buFont typeface="Arial"/>
+                        <a:buNone/>
+                      </a:pPr>
+                      <a:r>
+                        <a:rPr lang="es-MX" sz="1200" dirty="0"/>
+                        <a:t>150 Excelente</a:t>
+                      </a:r>
+                      <a:endParaRPr sz="1200" dirty="0"/>
+                    </a:p>
+                  </a:txBody>
+                  <a:tcPr marL="91425" marR="91425" marT="91425" marB="91425">
+                    <a:lnL w="9525" cap="flat" cmpd="sng">
+                      <a:solidFill>
+                        <a:srgbClr val="0000FF"/>
+                      </a:solidFill>
+                      <a:prstDash val="solid"/>
+                      <a:round/>
+                      <a:headEnd type="none" w="sm" len="sm"/>
+                      <a:tailEnd type="none" w="sm" len="sm"/>
+                    </a:lnL>
+                    <a:lnR w="9525" cap="flat" cmpd="sng">
+                      <a:solidFill>
+                        <a:srgbClr val="0000FF"/>
+                      </a:solidFill>
+                      <a:prstDash val="solid"/>
+                      <a:round/>
+                      <a:headEnd type="none" w="sm" len="sm"/>
+                      <a:tailEnd type="none" w="sm" len="sm"/>
+                    </a:lnR>
+                    <a:lnT w="9525" cap="flat" cmpd="sng" algn="ctr">
+                      <a:solidFill>
+                        <a:srgbClr val="0000FF"/>
+                      </a:solidFill>
+                      <a:prstDash val="solid"/>
+                      <a:round/>
+                      <a:headEnd type="none" w="sm" len="sm"/>
+                      <a:tailEnd type="none" w="sm" len="sm"/>
+                    </a:lnT>
+                    <a:lnB w="9525" cap="flat" cmpd="sng" algn="ctr">
                       <a:solidFill>
                         <a:srgbClr val="0000FF"/>
                       </a:solidFill>
@@ -21807,7 +22617,7 @@
                   </a:ext>
                 </a:extLst>
               </a:tr>
-              <a:tr h="381000">
+              <a:tr h="522674">
                 <a:tc>
                   <a:txBody>
                     <a:bodyPr/>
@@ -21823,10 +22633,10 @@
                         <a:buNone/>
                       </a:pPr>
                       <a:r>
-                        <a:rPr lang="en"/>
+                        <a:rPr lang="en" sz="1200" dirty="0"/>
                         <a:t>Juan </a:t>
                       </a:r>
-                      <a:endParaRPr/>
+                      <a:endParaRPr sz="1200" dirty="0"/>
                     </a:p>
                     <a:p>
                       <a:pPr marL="0" lvl="0" indent="0" rtl="0">
@@ -21839,10 +22649,10 @@
                         <a:buNone/>
                       </a:pPr>
                       <a:r>
-                        <a:rPr lang="en"/>
+                        <a:rPr lang="en" sz="1200" dirty="0"/>
                         <a:t>Durán</a:t>
                       </a:r>
-                      <a:endParaRPr/>
+                      <a:endParaRPr sz="1200" dirty="0"/>
                     </a:p>
                   </a:txBody>
                   <a:tcPr marL="91425" marR="91425" marT="91425" marB="91425">
@@ -21873,7 +22683,7 @@
                       <a:headEnd type="none" w="sm" len="sm"/>
                       <a:tailEnd type="none" w="sm" len="sm"/>
                     </a:lnT>
-                    <a:lnB w="9525" cap="flat" cmpd="sng">
+                    <a:lnB w="9525" cap="flat" cmpd="sng" algn="ctr">
                       <a:solidFill>
                         <a:srgbClr val="0000FF"/>
                       </a:solidFill>
@@ -21907,14 +22717,14 @@
                         <a:buNone/>
                       </a:pPr>
                       <a:r>
-                        <a:rPr lang="en">
+                        <a:rPr lang="en" sz="1200" dirty="0">
                           <a:solidFill>
                             <a:schemeClr val="dk1"/>
                           </a:solidFill>
                         </a:rPr>
                         <a:t>%100</a:t>
                       </a:r>
-                      <a:endParaRPr/>
+                      <a:endParaRPr sz="1200" dirty="0"/>
                     </a:p>
                   </a:txBody>
                   <a:tcPr marL="91425" marR="91425" marT="91425" marB="91425">
@@ -21945,7 +22755,7 @@
                       <a:headEnd type="none" w="sm" len="sm"/>
                       <a:tailEnd type="none" w="sm" len="sm"/>
                     </a:lnT>
-                    <a:lnB w="9525" cap="flat" cmpd="sng">
+                    <a:lnB w="9525" cap="flat" cmpd="sng" algn="ctr">
                       <a:solidFill>
                         <a:srgbClr val="0000FF"/>
                       </a:solidFill>
@@ -21979,14 +22789,14 @@
                         <a:buNone/>
                       </a:pPr>
                       <a:r>
-                        <a:rPr lang="en">
+                        <a:rPr lang="en" sz="1200" dirty="0">
                           <a:solidFill>
                             <a:schemeClr val="dk1"/>
                           </a:solidFill>
                         </a:rPr>
-                        <a:t>%0</a:t>
+                        <a:t>%20</a:t>
                       </a:r>
-                      <a:endParaRPr/>
+                      <a:endParaRPr sz="1200" dirty="0"/>
                     </a:p>
                   </a:txBody>
                   <a:tcPr marL="91425" marR="91425" marT="91425" marB="91425">
@@ -22017,7 +22827,7 @@
                       <a:headEnd type="none" w="sm" len="sm"/>
                       <a:tailEnd type="none" w="sm" len="sm"/>
                     </a:lnT>
-                    <a:lnB w="9525" cap="flat" cmpd="sng">
+                    <a:lnB w="9525" cap="flat" cmpd="sng" algn="ctr">
                       <a:solidFill>
                         <a:srgbClr val="0000FF"/>
                       </a:solidFill>
@@ -22051,14 +22861,14 @@
                         <a:buNone/>
                       </a:pPr>
                       <a:r>
-                        <a:rPr lang="en">
+                        <a:rPr lang="en" sz="1200" dirty="0">
                           <a:solidFill>
                             <a:schemeClr val="dk1"/>
                           </a:solidFill>
                         </a:rPr>
-                        <a:t>%30</a:t>
+                        <a:t>%10</a:t>
                       </a:r>
-                      <a:endParaRPr/>
+                      <a:endParaRPr sz="1200" dirty="0"/>
                     </a:p>
                   </a:txBody>
                   <a:tcPr marL="91425" marR="91425" marT="91425" marB="91425">
@@ -22089,7 +22899,7 @@
                       <a:headEnd type="none" w="sm" len="sm"/>
                       <a:tailEnd type="none" w="sm" len="sm"/>
                     </a:lnT>
-                    <a:lnB w="9525" cap="flat" cmpd="sng">
+                    <a:lnB w="9525" cap="flat" cmpd="sng" algn="ctr">
                       <a:solidFill>
                         <a:srgbClr val="0000FF"/>
                       </a:solidFill>
@@ -22123,14 +22933,14 @@
                         <a:buNone/>
                       </a:pPr>
                       <a:r>
-                        <a:rPr lang="en">
+                        <a:rPr lang="en" sz="1200" dirty="0">
                           <a:solidFill>
                             <a:schemeClr val="dk1"/>
                           </a:solidFill>
                         </a:rPr>
                         <a:t>%0</a:t>
                       </a:r>
-                      <a:endParaRPr/>
+                      <a:endParaRPr sz="1200" dirty="0"/>
                     </a:p>
                   </a:txBody>
                   <a:tcPr marL="91425" marR="91425" marT="91425" marB="91425">
@@ -22161,7 +22971,7 @@
                       <a:headEnd type="none" w="sm" len="sm"/>
                       <a:tailEnd type="none" w="sm" len="sm"/>
                     </a:lnT>
-                    <a:lnB w="9525" cap="flat" cmpd="sng">
+                    <a:lnB w="9525" cap="flat" cmpd="sng" algn="ctr">
                       <a:solidFill>
                         <a:srgbClr val="0000FF"/>
                       </a:solidFill>
@@ -22195,14 +23005,14 @@
                         <a:buNone/>
                       </a:pPr>
                       <a:r>
-                        <a:rPr lang="en">
+                        <a:rPr lang="en" sz="1200" dirty="0">
                           <a:solidFill>
                             <a:schemeClr val="dk1"/>
                           </a:solidFill>
                         </a:rPr>
                         <a:t>%0</a:t>
                       </a:r>
-                      <a:endParaRPr/>
+                      <a:endParaRPr sz="1200" dirty="0"/>
                     </a:p>
                   </a:txBody>
                   <a:tcPr marL="91425" marR="91425" marT="91425" marB="91425">
@@ -22233,7 +23043,7 @@
                       <a:headEnd type="none" w="sm" len="sm"/>
                       <a:tailEnd type="none" w="sm" len="sm"/>
                     </a:lnT>
-                    <a:lnB w="9525" cap="flat" cmpd="sng">
+                    <a:lnB w="9525" cap="flat" cmpd="sng" algn="ctr">
                       <a:solidFill>
                         <a:srgbClr val="0000FF"/>
                       </a:solidFill>
@@ -22267,14 +23077,14 @@
                         <a:buNone/>
                       </a:pPr>
                       <a:r>
-                        <a:rPr lang="en">
+                        <a:rPr lang="en" sz="1200" dirty="0">
                           <a:solidFill>
                             <a:schemeClr val="dk1"/>
                           </a:solidFill>
                         </a:rPr>
                         <a:t>%0</a:t>
                       </a:r>
-                      <a:endParaRPr/>
+                      <a:endParaRPr sz="1200" dirty="0"/>
                     </a:p>
                   </a:txBody>
                   <a:tcPr marL="91425" marR="91425" marT="91425" marB="91425">
@@ -22305,7 +23115,7 @@
                       <a:headEnd type="none" w="sm" len="sm"/>
                       <a:tailEnd type="none" w="sm" len="sm"/>
                     </a:lnT>
-                    <a:lnB w="9525" cap="flat" cmpd="sng">
+                    <a:lnB w="9525" cap="flat" cmpd="sng" algn="ctr">
                       <a:solidFill>
                         <a:srgbClr val="0000FF"/>
                       </a:solidFill>
@@ -22339,14 +23149,14 @@
                         <a:buNone/>
                       </a:pPr>
                       <a:r>
-                        <a:rPr lang="en" dirty="0">
+                        <a:rPr lang="en" sz="1200" dirty="0">
                           <a:solidFill>
                             <a:schemeClr val="dk1"/>
                           </a:solidFill>
                         </a:rPr>
-                        <a:t>%30</a:t>
+                        <a:t>%10</a:t>
                       </a:r>
-                      <a:endParaRPr dirty="0"/>
+                      <a:endParaRPr sz="1200" dirty="0"/>
                     </a:p>
                   </a:txBody>
                   <a:tcPr marL="91425" marR="91425" marT="91425" marB="91425">
@@ -22359,7 +23169,7 @@
                       <a:headEnd type="none" w="sm" len="sm"/>
                       <a:tailEnd type="none" w="sm" len="sm"/>
                     </a:lnL>
-                    <a:lnR w="9525" cap="flat" cmpd="sng">
+                    <a:lnR w="9525" cap="flat" cmpd="sng" algn="ctr">
                       <a:solidFill>
                         <a:srgbClr val="0000FF"/>
                       </a:solidFill>
@@ -22377,7 +23187,143 @@
                       <a:headEnd type="none" w="sm" len="sm"/>
                       <a:tailEnd type="none" w="sm" len="sm"/>
                     </a:lnT>
-                    <a:lnB w="9525" cap="flat" cmpd="sng">
+                    <a:lnB w="9525" cap="flat" cmpd="sng" algn="ctr">
+                      <a:solidFill>
+                        <a:srgbClr val="0000FF"/>
+                      </a:solidFill>
+                      <a:prstDash val="solid"/>
+                      <a:round/>
+                      <a:headEnd type="none" w="sm" len="sm"/>
+                      <a:tailEnd type="none" w="sm" len="sm"/>
+                    </a:lnB>
+                    <a:solidFill>
+                      <a:srgbClr val="FFF2CC"/>
+                    </a:solidFill>
+                  </a:tcPr>
+                </a:tc>
+                <a:tc>
+                  <a:txBody>
+                    <a:bodyPr/>
+                    <a:lstStyle/>
+                    <a:p>
+                      <a:pPr marL="0" lvl="0" indent="0">
+                        <a:spcBef>
+                          <a:spcPts val="0"/>
+                        </a:spcBef>
+                        <a:spcAft>
+                          <a:spcPts val="0"/>
+                        </a:spcAft>
+                        <a:buClr>
+                          <a:schemeClr val="dk1"/>
+                        </a:buClr>
+                        <a:buSzPts val="1100"/>
+                        <a:buFont typeface="Arial"/>
+                        <a:buNone/>
+                      </a:pPr>
+                      <a:r>
+                        <a:rPr lang="es-MX" sz="1200" dirty="0"/>
+                        <a:t>%90</a:t>
+                      </a:r>
+                      <a:endParaRPr sz="1200" dirty="0"/>
+                    </a:p>
+                  </a:txBody>
+                  <a:tcPr marL="91425" marR="91425" marT="91425" marB="91425">
+                    <a:lnL w="9525" cap="flat" cmpd="sng" algn="ctr">
+                      <a:solidFill>
+                        <a:srgbClr val="0000FF"/>
+                      </a:solidFill>
+                      <a:prstDash val="solid"/>
+                      <a:round/>
+                      <a:headEnd type="none" w="sm" len="sm"/>
+                      <a:tailEnd type="none" w="sm" len="sm"/>
+                    </a:lnL>
+                    <a:lnR w="9525" cap="flat" cmpd="sng" algn="ctr">
+                      <a:solidFill>
+                        <a:srgbClr val="0000FF"/>
+                      </a:solidFill>
+                      <a:prstDash val="solid"/>
+                      <a:round/>
+                      <a:headEnd type="none" w="sm" len="sm"/>
+                      <a:tailEnd type="none" w="sm" len="sm"/>
+                    </a:lnR>
+                    <a:lnT w="9525" cap="flat" cmpd="sng" algn="ctr">
+                      <a:solidFill>
+                        <a:srgbClr val="0000FF"/>
+                      </a:solidFill>
+                      <a:prstDash val="solid"/>
+                      <a:round/>
+                      <a:headEnd type="none" w="sm" len="sm"/>
+                      <a:tailEnd type="none" w="sm" len="sm"/>
+                    </a:lnT>
+                    <a:lnB w="9525" cap="flat" cmpd="sng" algn="ctr">
+                      <a:solidFill>
+                        <a:srgbClr val="0000FF"/>
+                      </a:solidFill>
+                      <a:prstDash val="solid"/>
+                      <a:round/>
+                      <a:headEnd type="none" w="sm" len="sm"/>
+                      <a:tailEnd type="none" w="sm" len="sm"/>
+                    </a:lnB>
+                    <a:solidFill>
+                      <a:srgbClr val="FFF2CC"/>
+                    </a:solidFill>
+                  </a:tcPr>
+                </a:tc>
+                <a:tc>
+                  <a:txBody>
+                    <a:bodyPr/>
+                    <a:lstStyle/>
+                    <a:p>
+                      <a:pPr marL="0" lvl="0" indent="0">
+                        <a:spcBef>
+                          <a:spcPts val="0"/>
+                        </a:spcBef>
+                        <a:spcAft>
+                          <a:spcPts val="0"/>
+                        </a:spcAft>
+                        <a:buClr>
+                          <a:schemeClr val="dk1"/>
+                        </a:buClr>
+                        <a:buSzPts val="1100"/>
+                        <a:buFont typeface="Arial"/>
+                        <a:buNone/>
+                      </a:pPr>
+                      <a:r>
+                        <a:rPr lang="es-MX" sz="1200" dirty="0"/>
+                        <a:t>130 Excelente</a:t>
+                      </a:r>
+                      <a:endParaRPr sz="1200" dirty="0"/>
+                    </a:p>
+                  </a:txBody>
+                  <a:tcPr marL="91425" marR="91425" marT="91425" marB="91425">
+                    <a:lnL w="9525" cap="flat" cmpd="sng">
+                      <a:solidFill>
+                        <a:srgbClr val="0000FF"/>
+                      </a:solidFill>
+                      <a:prstDash val="solid"/>
+                      <a:round/>
+                      <a:headEnd type="none" w="sm" len="sm"/>
+                      <a:tailEnd type="none" w="sm" len="sm"/>
+                    </a:lnL>
+                    <a:lnR w="9525" cap="flat" cmpd="sng">
+                      <a:solidFill>
+                        <a:srgbClr val="0000FF"/>
+                      </a:solidFill>
+                      <a:prstDash val="solid"/>
+                      <a:round/>
+                      <a:headEnd type="none" w="sm" len="sm"/>
+                      <a:tailEnd type="none" w="sm" len="sm"/>
+                    </a:lnR>
+                    <a:lnT w="9525" cap="flat" cmpd="sng" algn="ctr">
+                      <a:solidFill>
+                        <a:srgbClr val="0000FF"/>
+                      </a:solidFill>
+                      <a:prstDash val="solid"/>
+                      <a:round/>
+                      <a:headEnd type="none" w="sm" len="sm"/>
+                      <a:tailEnd type="none" w="sm" len="sm"/>
+                    </a:lnT>
+                    <a:lnB w="9525" cap="flat" cmpd="sng" algn="ctr">
                       <a:solidFill>
                         <a:srgbClr val="0000FF"/>
                       </a:solidFill>
@@ -22397,10 +23343,779 @@
                   </a:ext>
                 </a:extLst>
               </a:tr>
+              <a:tr h="362988">
+                <a:tc>
+                  <a:txBody>
+                    <a:bodyPr/>
+                    <a:lstStyle/>
+                    <a:p>
+                      <a:pPr marL="0" lvl="0" indent="0" rtl="0">
+                        <a:spcBef>
+                          <a:spcPts val="0"/>
+                        </a:spcBef>
+                        <a:spcAft>
+                          <a:spcPts val="0"/>
+                        </a:spcAft>
+                        <a:buNone/>
+                      </a:pPr>
+                      <a:r>
+                        <a:rPr lang="es-MX" sz="1200" dirty="0"/>
+                        <a:t>TOTAL</a:t>
+                      </a:r>
+                      <a:endParaRPr sz="1200" dirty="0"/>
+                    </a:p>
+                  </a:txBody>
+                  <a:tcPr marL="91425" marR="91425" marT="91425" marB="91425">
+                    <a:lnL w="9525" cap="flat" cmpd="sng">
+                      <a:solidFill>
+                        <a:srgbClr val="0000FF"/>
+                      </a:solidFill>
+                      <a:prstDash val="solid"/>
+                      <a:round/>
+                      <a:headEnd type="none" w="sm" len="sm"/>
+                      <a:tailEnd type="none" w="sm" len="sm"/>
+                    </a:lnL>
+                    <a:lnR w="9525" cap="flat" cmpd="sng" algn="ctr">
+                      <a:solidFill>
+                        <a:srgbClr val="0000FF"/>
+                      </a:solidFill>
+                      <a:prstDash val="solid"/>
+                      <a:round/>
+                      <a:headEnd type="none" w="sm" len="sm"/>
+                      <a:tailEnd type="none" w="sm" len="sm"/>
+                    </a:lnR>
+                    <a:lnT w="9525" cap="flat" cmpd="sng">
+                      <a:solidFill>
+                        <a:srgbClr val="0000FF"/>
+                      </a:solidFill>
+                      <a:prstDash val="solid"/>
+                      <a:round/>
+                      <a:headEnd type="none" w="sm" len="sm"/>
+                      <a:tailEnd type="none" w="sm" len="sm"/>
+                    </a:lnT>
+                    <a:lnB w="9525" cap="flat" cmpd="sng">
+                      <a:solidFill>
+                        <a:srgbClr val="0000FF"/>
+                      </a:solidFill>
+                      <a:prstDash val="solid"/>
+                      <a:round/>
+                      <a:headEnd type="none" w="sm" len="sm"/>
+                      <a:tailEnd type="none" w="sm" len="sm"/>
+                    </a:lnB>
+                    <a:solidFill>
+                      <a:srgbClr val="DD7E6B"/>
+                    </a:solidFill>
+                  </a:tcPr>
+                </a:tc>
+                <a:tc>
+                  <a:txBody>
+                    <a:bodyPr/>
+                    <a:lstStyle/>
+                    <a:p>
+                      <a:pPr marL="0" lvl="0" indent="0">
+                        <a:spcBef>
+                          <a:spcPts val="0"/>
+                        </a:spcBef>
+                        <a:spcAft>
+                          <a:spcPts val="0"/>
+                        </a:spcAft>
+                        <a:buClr>
+                          <a:schemeClr val="dk1"/>
+                        </a:buClr>
+                        <a:buSzPts val="1100"/>
+                        <a:buFont typeface="Arial"/>
+                        <a:buNone/>
+                      </a:pPr>
+                      <a:endParaRPr sz="1200" dirty="0"/>
+                    </a:p>
+                  </a:txBody>
+                  <a:tcPr marL="91425" marR="91425" marT="91425" marB="91425">
+                    <a:lnL w="9525" cap="flat" cmpd="sng" algn="ctr">
+                      <a:solidFill>
+                        <a:srgbClr val="0000FF"/>
+                      </a:solidFill>
+                      <a:prstDash val="solid"/>
+                      <a:round/>
+                      <a:headEnd type="none" w="sm" len="sm"/>
+                      <a:tailEnd type="none" w="sm" len="sm"/>
+                    </a:lnL>
+                    <a:lnR w="9525" cap="flat" cmpd="sng" algn="ctr">
+                      <a:solidFill>
+                        <a:srgbClr val="0000FF"/>
+                      </a:solidFill>
+                      <a:prstDash val="solid"/>
+                      <a:round/>
+                      <a:headEnd type="none" w="sm" len="sm"/>
+                      <a:tailEnd type="none" w="sm" len="sm"/>
+                    </a:lnR>
+                    <a:lnT w="9525" cap="flat" cmpd="sng">
+                      <a:solidFill>
+                        <a:srgbClr val="0000FF"/>
+                      </a:solidFill>
+                      <a:prstDash val="solid"/>
+                      <a:round/>
+                      <a:headEnd type="none" w="sm" len="sm"/>
+                      <a:tailEnd type="none" w="sm" len="sm"/>
+                    </a:lnT>
+                    <a:lnB w="9525" cap="flat" cmpd="sng">
+                      <a:solidFill>
+                        <a:srgbClr val="0000FF"/>
+                      </a:solidFill>
+                      <a:prstDash val="solid"/>
+                      <a:round/>
+                      <a:headEnd type="none" w="sm" len="sm"/>
+                      <a:tailEnd type="none" w="sm" len="sm"/>
+                    </a:lnB>
+                    <a:solidFill>
+                      <a:srgbClr val="FFF2CC"/>
+                    </a:solidFill>
+                  </a:tcPr>
+                </a:tc>
+                <a:tc>
+                  <a:txBody>
+                    <a:bodyPr/>
+                    <a:lstStyle/>
+                    <a:p>
+                      <a:pPr marL="0" lvl="0" indent="0">
+                        <a:spcBef>
+                          <a:spcPts val="0"/>
+                        </a:spcBef>
+                        <a:spcAft>
+                          <a:spcPts val="0"/>
+                        </a:spcAft>
+                        <a:buClr>
+                          <a:schemeClr val="dk1"/>
+                        </a:buClr>
+                        <a:buSzPts val="1100"/>
+                        <a:buFont typeface="Arial"/>
+                        <a:buNone/>
+                      </a:pPr>
+                      <a:r>
+                        <a:rPr lang="es-MX" sz="1200" dirty="0"/>
+                        <a:t>100%</a:t>
+                      </a:r>
+                      <a:endParaRPr sz="1200" dirty="0"/>
+                    </a:p>
+                  </a:txBody>
+                  <a:tcPr marL="91425" marR="91425" marT="91425" marB="91425">
+                    <a:lnL w="9525" cap="flat" cmpd="sng" algn="ctr">
+                      <a:solidFill>
+                        <a:srgbClr val="0000FF"/>
+                      </a:solidFill>
+                      <a:prstDash val="solid"/>
+                      <a:round/>
+                      <a:headEnd type="none" w="sm" len="sm"/>
+                      <a:tailEnd type="none" w="sm" len="sm"/>
+                    </a:lnL>
+                    <a:lnR w="9525" cap="flat" cmpd="sng" algn="ctr">
+                      <a:solidFill>
+                        <a:srgbClr val="0000FF"/>
+                      </a:solidFill>
+                      <a:prstDash val="solid"/>
+                      <a:round/>
+                      <a:headEnd type="none" w="sm" len="sm"/>
+                      <a:tailEnd type="none" w="sm" len="sm"/>
+                    </a:lnR>
+                    <a:lnT w="9525" cap="flat" cmpd="sng">
+                      <a:solidFill>
+                        <a:srgbClr val="0000FF"/>
+                      </a:solidFill>
+                      <a:prstDash val="solid"/>
+                      <a:round/>
+                      <a:headEnd type="none" w="sm" len="sm"/>
+                      <a:tailEnd type="none" w="sm" len="sm"/>
+                    </a:lnT>
+                    <a:lnB w="9525" cap="flat" cmpd="sng">
+                      <a:solidFill>
+                        <a:srgbClr val="0000FF"/>
+                      </a:solidFill>
+                      <a:prstDash val="solid"/>
+                      <a:round/>
+                      <a:headEnd type="none" w="sm" len="sm"/>
+                      <a:tailEnd type="none" w="sm" len="sm"/>
+                    </a:lnB>
+                    <a:solidFill>
+                      <a:srgbClr val="FFF2CC"/>
+                    </a:solidFill>
+                  </a:tcPr>
+                </a:tc>
+                <a:tc>
+                  <a:txBody>
+                    <a:bodyPr/>
+                    <a:lstStyle/>
+                    <a:p>
+                      <a:pPr marL="0" lvl="0" indent="0">
+                        <a:spcBef>
+                          <a:spcPts val="0"/>
+                        </a:spcBef>
+                        <a:spcAft>
+                          <a:spcPts val="0"/>
+                        </a:spcAft>
+                        <a:buClr>
+                          <a:schemeClr val="dk1"/>
+                        </a:buClr>
+                        <a:buSzPts val="1100"/>
+                        <a:buFont typeface="Arial"/>
+                        <a:buNone/>
+                      </a:pPr>
+                      <a:r>
+                        <a:rPr lang="es-MX" sz="1200" dirty="0"/>
+                        <a:t>100%</a:t>
+                      </a:r>
+                      <a:endParaRPr sz="1200" dirty="0"/>
+                    </a:p>
+                  </a:txBody>
+                  <a:tcPr marL="91425" marR="91425" marT="91425" marB="91425">
+                    <a:lnL w="9525" cap="flat" cmpd="sng" algn="ctr">
+                      <a:solidFill>
+                        <a:srgbClr val="0000FF"/>
+                      </a:solidFill>
+                      <a:prstDash val="solid"/>
+                      <a:round/>
+                      <a:headEnd type="none" w="sm" len="sm"/>
+                      <a:tailEnd type="none" w="sm" len="sm"/>
+                    </a:lnL>
+                    <a:lnR w="9525" cap="flat" cmpd="sng" algn="ctr">
+                      <a:solidFill>
+                        <a:srgbClr val="0000FF"/>
+                      </a:solidFill>
+                      <a:prstDash val="solid"/>
+                      <a:round/>
+                      <a:headEnd type="none" w="sm" len="sm"/>
+                      <a:tailEnd type="none" w="sm" len="sm"/>
+                    </a:lnR>
+                    <a:lnT w="9525" cap="flat" cmpd="sng">
+                      <a:solidFill>
+                        <a:srgbClr val="0000FF"/>
+                      </a:solidFill>
+                      <a:prstDash val="solid"/>
+                      <a:round/>
+                      <a:headEnd type="none" w="sm" len="sm"/>
+                      <a:tailEnd type="none" w="sm" len="sm"/>
+                    </a:lnT>
+                    <a:lnB w="9525" cap="flat" cmpd="sng">
+                      <a:solidFill>
+                        <a:srgbClr val="0000FF"/>
+                      </a:solidFill>
+                      <a:prstDash val="solid"/>
+                      <a:round/>
+                      <a:headEnd type="none" w="sm" len="sm"/>
+                      <a:tailEnd type="none" w="sm" len="sm"/>
+                    </a:lnB>
+                    <a:solidFill>
+                      <a:srgbClr val="FFF2CC"/>
+                    </a:solidFill>
+                  </a:tcPr>
+                </a:tc>
+                <a:tc>
+                  <a:txBody>
+                    <a:bodyPr/>
+                    <a:lstStyle/>
+                    <a:p>
+                      <a:pPr marL="0" lvl="0" indent="0">
+                        <a:spcBef>
+                          <a:spcPts val="0"/>
+                        </a:spcBef>
+                        <a:spcAft>
+                          <a:spcPts val="0"/>
+                        </a:spcAft>
+                        <a:buClr>
+                          <a:schemeClr val="dk1"/>
+                        </a:buClr>
+                        <a:buSzPts val="1100"/>
+                        <a:buFont typeface="Arial"/>
+                        <a:buNone/>
+                      </a:pPr>
+                      <a:r>
+                        <a:rPr lang="es-MX" sz="1200" dirty="0"/>
+                        <a:t>100%</a:t>
+                      </a:r>
+                      <a:endParaRPr sz="1200" dirty="0"/>
+                    </a:p>
+                  </a:txBody>
+                  <a:tcPr marL="91425" marR="91425" marT="91425" marB="91425">
+                    <a:lnL w="9525" cap="flat" cmpd="sng" algn="ctr">
+                      <a:solidFill>
+                        <a:srgbClr val="0000FF"/>
+                      </a:solidFill>
+                      <a:prstDash val="solid"/>
+                      <a:round/>
+                      <a:headEnd type="none" w="sm" len="sm"/>
+                      <a:tailEnd type="none" w="sm" len="sm"/>
+                    </a:lnL>
+                    <a:lnR w="9525" cap="flat" cmpd="sng" algn="ctr">
+                      <a:solidFill>
+                        <a:srgbClr val="0000FF"/>
+                      </a:solidFill>
+                      <a:prstDash val="solid"/>
+                      <a:round/>
+                      <a:headEnd type="none" w="sm" len="sm"/>
+                      <a:tailEnd type="none" w="sm" len="sm"/>
+                    </a:lnR>
+                    <a:lnT w="9525" cap="flat" cmpd="sng">
+                      <a:solidFill>
+                        <a:srgbClr val="0000FF"/>
+                      </a:solidFill>
+                      <a:prstDash val="solid"/>
+                      <a:round/>
+                      <a:headEnd type="none" w="sm" len="sm"/>
+                      <a:tailEnd type="none" w="sm" len="sm"/>
+                    </a:lnT>
+                    <a:lnB w="9525" cap="flat" cmpd="sng">
+                      <a:solidFill>
+                        <a:srgbClr val="0000FF"/>
+                      </a:solidFill>
+                      <a:prstDash val="solid"/>
+                      <a:round/>
+                      <a:headEnd type="none" w="sm" len="sm"/>
+                      <a:tailEnd type="none" w="sm" len="sm"/>
+                    </a:lnB>
+                    <a:solidFill>
+                      <a:srgbClr val="FFF2CC"/>
+                    </a:solidFill>
+                  </a:tcPr>
+                </a:tc>
+                <a:tc>
+                  <a:txBody>
+                    <a:bodyPr/>
+                    <a:lstStyle/>
+                    <a:p>
+                      <a:pPr marL="0" lvl="0" indent="0">
+                        <a:spcBef>
+                          <a:spcPts val="0"/>
+                        </a:spcBef>
+                        <a:spcAft>
+                          <a:spcPts val="0"/>
+                        </a:spcAft>
+                        <a:buClr>
+                          <a:schemeClr val="dk1"/>
+                        </a:buClr>
+                        <a:buSzPts val="1100"/>
+                        <a:buFont typeface="Arial"/>
+                        <a:buNone/>
+                      </a:pPr>
+                      <a:r>
+                        <a:rPr lang="es-MX" sz="1200" dirty="0"/>
+                        <a:t>100%</a:t>
+                      </a:r>
+                      <a:endParaRPr sz="1200" dirty="0"/>
+                    </a:p>
+                  </a:txBody>
+                  <a:tcPr marL="91425" marR="91425" marT="91425" marB="91425">
+                    <a:lnL w="9525" cap="flat" cmpd="sng" algn="ctr">
+                      <a:solidFill>
+                        <a:srgbClr val="0000FF"/>
+                      </a:solidFill>
+                      <a:prstDash val="solid"/>
+                      <a:round/>
+                      <a:headEnd type="none" w="sm" len="sm"/>
+                      <a:tailEnd type="none" w="sm" len="sm"/>
+                    </a:lnL>
+                    <a:lnR w="9525" cap="flat" cmpd="sng" algn="ctr">
+                      <a:solidFill>
+                        <a:srgbClr val="0000FF"/>
+                      </a:solidFill>
+                      <a:prstDash val="solid"/>
+                      <a:round/>
+                      <a:headEnd type="none" w="sm" len="sm"/>
+                      <a:tailEnd type="none" w="sm" len="sm"/>
+                    </a:lnR>
+                    <a:lnT w="9525" cap="flat" cmpd="sng">
+                      <a:solidFill>
+                        <a:srgbClr val="0000FF"/>
+                      </a:solidFill>
+                      <a:prstDash val="solid"/>
+                      <a:round/>
+                      <a:headEnd type="none" w="sm" len="sm"/>
+                      <a:tailEnd type="none" w="sm" len="sm"/>
+                    </a:lnT>
+                    <a:lnB w="9525" cap="flat" cmpd="sng">
+                      <a:solidFill>
+                        <a:srgbClr val="0000FF"/>
+                      </a:solidFill>
+                      <a:prstDash val="solid"/>
+                      <a:round/>
+                      <a:headEnd type="none" w="sm" len="sm"/>
+                      <a:tailEnd type="none" w="sm" len="sm"/>
+                    </a:lnB>
+                    <a:solidFill>
+                      <a:srgbClr val="FFF2CC"/>
+                    </a:solidFill>
+                  </a:tcPr>
+                </a:tc>
+                <a:tc>
+                  <a:txBody>
+                    <a:bodyPr/>
+                    <a:lstStyle/>
+                    <a:p>
+                      <a:pPr marL="0" lvl="0" indent="0">
+                        <a:spcBef>
+                          <a:spcPts val="0"/>
+                        </a:spcBef>
+                        <a:spcAft>
+                          <a:spcPts val="0"/>
+                        </a:spcAft>
+                        <a:buClr>
+                          <a:schemeClr val="dk1"/>
+                        </a:buClr>
+                        <a:buSzPts val="1100"/>
+                        <a:buFont typeface="Arial"/>
+                        <a:buNone/>
+                      </a:pPr>
+                      <a:r>
+                        <a:rPr lang="es-MX" sz="1200" dirty="0"/>
+                        <a:t>100%</a:t>
+                      </a:r>
+                      <a:endParaRPr sz="1200" dirty="0"/>
+                    </a:p>
+                  </a:txBody>
+                  <a:tcPr marL="91425" marR="91425" marT="91425" marB="91425">
+                    <a:lnL w="9525" cap="flat" cmpd="sng" algn="ctr">
+                      <a:solidFill>
+                        <a:srgbClr val="0000FF"/>
+                      </a:solidFill>
+                      <a:prstDash val="solid"/>
+                      <a:round/>
+                      <a:headEnd type="none" w="sm" len="sm"/>
+                      <a:tailEnd type="none" w="sm" len="sm"/>
+                    </a:lnL>
+                    <a:lnR w="9525" cap="flat" cmpd="sng" algn="ctr">
+                      <a:solidFill>
+                        <a:srgbClr val="0000FF"/>
+                      </a:solidFill>
+                      <a:prstDash val="solid"/>
+                      <a:round/>
+                      <a:headEnd type="none" w="sm" len="sm"/>
+                      <a:tailEnd type="none" w="sm" len="sm"/>
+                    </a:lnR>
+                    <a:lnT w="9525" cap="flat" cmpd="sng">
+                      <a:solidFill>
+                        <a:srgbClr val="0000FF"/>
+                      </a:solidFill>
+                      <a:prstDash val="solid"/>
+                      <a:round/>
+                      <a:headEnd type="none" w="sm" len="sm"/>
+                      <a:tailEnd type="none" w="sm" len="sm"/>
+                    </a:lnT>
+                    <a:lnB w="9525" cap="flat" cmpd="sng">
+                      <a:solidFill>
+                        <a:srgbClr val="0000FF"/>
+                      </a:solidFill>
+                      <a:prstDash val="solid"/>
+                      <a:round/>
+                      <a:headEnd type="none" w="sm" len="sm"/>
+                      <a:tailEnd type="none" w="sm" len="sm"/>
+                    </a:lnB>
+                    <a:solidFill>
+                      <a:srgbClr val="FFF2CC"/>
+                    </a:solidFill>
+                  </a:tcPr>
+                </a:tc>
+                <a:tc>
+                  <a:txBody>
+                    <a:bodyPr/>
+                    <a:lstStyle/>
+                    <a:p>
+                      <a:pPr marL="0" lvl="0" indent="0">
+                        <a:spcBef>
+                          <a:spcPts val="0"/>
+                        </a:spcBef>
+                        <a:spcAft>
+                          <a:spcPts val="0"/>
+                        </a:spcAft>
+                        <a:buClr>
+                          <a:schemeClr val="dk1"/>
+                        </a:buClr>
+                        <a:buSzPts val="1100"/>
+                        <a:buFont typeface="Arial"/>
+                        <a:buNone/>
+                      </a:pPr>
+                      <a:r>
+                        <a:rPr lang="es-MX" sz="1200" dirty="0"/>
+                        <a:t>100%</a:t>
+                      </a:r>
+                      <a:endParaRPr sz="1200" dirty="0"/>
+                    </a:p>
+                  </a:txBody>
+                  <a:tcPr marL="91425" marR="91425" marT="91425" marB="91425">
+                    <a:lnL w="9525" cap="flat" cmpd="sng" algn="ctr">
+                      <a:solidFill>
+                        <a:srgbClr val="0000FF"/>
+                      </a:solidFill>
+                      <a:prstDash val="solid"/>
+                      <a:round/>
+                      <a:headEnd type="none" w="sm" len="sm"/>
+                      <a:tailEnd type="none" w="sm" len="sm"/>
+                    </a:lnL>
+                    <a:lnR w="9525" cap="flat" cmpd="sng" algn="ctr">
+                      <a:solidFill>
+                        <a:srgbClr val="0000FF"/>
+                      </a:solidFill>
+                      <a:prstDash val="solid"/>
+                      <a:round/>
+                      <a:headEnd type="none" w="sm" len="sm"/>
+                      <a:tailEnd type="none" w="sm" len="sm"/>
+                    </a:lnR>
+                    <a:lnT w="9525" cap="flat" cmpd="sng">
+                      <a:solidFill>
+                        <a:srgbClr val="0000FF"/>
+                      </a:solidFill>
+                      <a:prstDash val="solid"/>
+                      <a:round/>
+                      <a:headEnd type="none" w="sm" len="sm"/>
+                      <a:tailEnd type="none" w="sm" len="sm"/>
+                    </a:lnT>
+                    <a:lnB w="9525" cap="flat" cmpd="sng">
+                      <a:solidFill>
+                        <a:srgbClr val="0000FF"/>
+                      </a:solidFill>
+                      <a:prstDash val="solid"/>
+                      <a:round/>
+                      <a:headEnd type="none" w="sm" len="sm"/>
+                      <a:tailEnd type="none" w="sm" len="sm"/>
+                    </a:lnB>
+                    <a:solidFill>
+                      <a:srgbClr val="FFF2CC"/>
+                    </a:solidFill>
+                  </a:tcPr>
+                </a:tc>
+                <a:tc>
+                  <a:txBody>
+                    <a:bodyPr/>
+                    <a:lstStyle/>
+                    <a:p>
+                      <a:pPr marL="0" marR="0" lvl="0" indent="0" algn="l" defTabSz="914400" rtl="0" eaLnBrk="1" fontAlgn="auto" latinLnBrk="0" hangingPunct="1">
+                        <a:lnSpc>
+                          <a:spcPct val="100000"/>
+                        </a:lnSpc>
+                        <a:spcBef>
+                          <a:spcPts val="0"/>
+                        </a:spcBef>
+                        <a:spcAft>
+                          <a:spcPts val="0"/>
+                        </a:spcAft>
+                        <a:buClr>
+                          <a:schemeClr val="dk1"/>
+                        </a:buClr>
+                        <a:buSzPts val="1100"/>
+                        <a:buFont typeface="Arial"/>
+                        <a:buNone/>
+                        <a:tabLst/>
+                        <a:defRPr/>
+                      </a:pPr>
+                      <a:r>
+                        <a:rPr lang="es-MX" sz="1200" dirty="0"/>
+                        <a:t>%100</a:t>
+                      </a:r>
+                    </a:p>
+                  </a:txBody>
+                  <a:tcPr marL="91425" marR="91425" marT="91425" marB="91425">
+                    <a:lnL w="9525" cap="flat" cmpd="sng" algn="ctr">
+                      <a:solidFill>
+                        <a:srgbClr val="0000FF"/>
+                      </a:solidFill>
+                      <a:prstDash val="solid"/>
+                      <a:round/>
+                      <a:headEnd type="none" w="sm" len="sm"/>
+                      <a:tailEnd type="none" w="sm" len="sm"/>
+                    </a:lnL>
+                    <a:lnR w="9525" cap="flat" cmpd="sng" algn="ctr">
+                      <a:solidFill>
+                        <a:srgbClr val="0000FF"/>
+                      </a:solidFill>
+                      <a:prstDash val="solid"/>
+                      <a:round/>
+                      <a:headEnd type="none" w="sm" len="sm"/>
+                      <a:tailEnd type="none" w="sm" len="sm"/>
+                    </a:lnR>
+                    <a:lnT w="9525" cap="flat" cmpd="sng" algn="ctr">
+                      <a:solidFill>
+                        <a:srgbClr val="0000FF"/>
+                      </a:solidFill>
+                      <a:prstDash val="solid"/>
+                      <a:round/>
+                      <a:headEnd type="none" w="sm" len="sm"/>
+                      <a:tailEnd type="none" w="sm" len="sm"/>
+                    </a:lnT>
+                    <a:lnB w="9525" cap="flat" cmpd="sng">
+                      <a:solidFill>
+                        <a:srgbClr val="0000FF"/>
+                      </a:solidFill>
+                      <a:prstDash val="solid"/>
+                      <a:round/>
+                      <a:headEnd type="none" w="sm" len="sm"/>
+                      <a:tailEnd type="none" w="sm" len="sm"/>
+                    </a:lnB>
+                    <a:solidFill>
+                      <a:srgbClr val="FFF2CC"/>
+                    </a:solidFill>
+                  </a:tcPr>
+                </a:tc>
+                <a:tc>
+                  <a:txBody>
+                    <a:bodyPr/>
+                    <a:lstStyle/>
+                    <a:p>
+                      <a:pPr marL="0" lvl="0" indent="0">
+                        <a:spcBef>
+                          <a:spcPts val="0"/>
+                        </a:spcBef>
+                        <a:spcAft>
+                          <a:spcPts val="0"/>
+                        </a:spcAft>
+                        <a:buClr>
+                          <a:schemeClr val="dk1"/>
+                        </a:buClr>
+                        <a:buSzPts val="1100"/>
+                        <a:buFont typeface="Arial"/>
+                        <a:buNone/>
+                      </a:pPr>
+                      <a:endParaRPr sz="1200" dirty="0"/>
+                    </a:p>
+                  </a:txBody>
+                  <a:tcPr marL="91425" marR="91425" marT="91425" marB="91425">
+                    <a:lnL w="9525" cap="flat" cmpd="sng" algn="ctr">
+                      <a:solidFill>
+                        <a:srgbClr val="0000FF"/>
+                      </a:solidFill>
+                      <a:prstDash val="solid"/>
+                      <a:round/>
+                      <a:headEnd type="none" w="sm" len="sm"/>
+                      <a:tailEnd type="none" w="sm" len="sm"/>
+                    </a:lnL>
+                    <a:lnR w="9525" cap="flat" cmpd="sng">
+                      <a:solidFill>
+                        <a:srgbClr val="0000FF"/>
+                      </a:solidFill>
+                      <a:prstDash val="solid"/>
+                      <a:round/>
+                      <a:headEnd type="none" w="sm" len="sm"/>
+                      <a:tailEnd type="none" w="sm" len="sm"/>
+                    </a:lnR>
+                    <a:lnT w="9525" cap="flat" cmpd="sng" algn="ctr">
+                      <a:solidFill>
+                        <a:srgbClr val="0000FF"/>
+                      </a:solidFill>
+                      <a:prstDash val="solid"/>
+                      <a:round/>
+                      <a:headEnd type="none" w="sm" len="sm"/>
+                      <a:tailEnd type="none" w="sm" len="sm"/>
+                    </a:lnT>
+                    <a:lnB w="9525" cap="flat" cmpd="sng">
+                      <a:solidFill>
+                        <a:srgbClr val="0000FF"/>
+                      </a:solidFill>
+                      <a:prstDash val="solid"/>
+                      <a:round/>
+                      <a:headEnd type="none" w="sm" len="sm"/>
+                      <a:tailEnd type="none" w="sm" len="sm"/>
+                    </a:lnB>
+                    <a:solidFill>
+                      <a:srgbClr val="FFF2CC"/>
+                    </a:solidFill>
+                  </a:tcPr>
+                </a:tc>
+                <a:extLst>
+                  <a:ext uri="{0D108BD9-81ED-4DB2-BD59-A6C34878D82A}">
+                    <a16:rowId xmlns:a16="http://schemas.microsoft.com/office/drawing/2014/main" val="743044343"/>
+                  </a:ext>
+                </a:extLst>
+              </a:tr>
             </a:tbl>
           </a:graphicData>
         </a:graphic>
       </p:graphicFrame>
+      <p:sp>
+        <p:nvSpPr>
+          <p:cNvPr id="2" name="CuadroTexto 1">
+            <a:extLst>
+              <a:ext uri="{FF2B5EF4-FFF2-40B4-BE49-F238E27FC236}">
+                <a16:creationId xmlns:a16="http://schemas.microsoft.com/office/drawing/2014/main" id="{F9396969-C2B4-4025-A448-7C8C22AE0916}"/>
+              </a:ext>
+            </a:extLst>
+          </p:cNvPr>
+          <p:cNvSpPr txBox="1"/>
+          <p:nvPr/>
+        </p:nvSpPr>
+        <p:spPr>
+          <a:xfrm>
+            <a:off x="2889956" y="546718"/>
+            <a:ext cx="3635023" cy="307777"/>
+          </a:xfrm>
+          <a:prstGeom prst="rect">
+            <a:avLst/>
+          </a:prstGeom>
+          <a:noFill/>
+        </p:spPr>
+        <p:txBody>
+          <a:bodyPr wrap="square" rtlCol="0">
+            <a:spAutoFit/>
+          </a:bodyPr>
+          <a:lstStyle/>
+          <a:p>
+            <a:r>
+              <a:rPr lang="es-MX" dirty="0"/>
+              <a:t>Avances hasta la primera entrega</a:t>
+            </a:r>
+          </a:p>
+        </p:txBody>
+      </p:sp>
+      <p:sp>
+        <p:nvSpPr>
+          <p:cNvPr id="3" name="CuadroTexto 2">
+            <a:extLst>
+              <a:ext uri="{FF2B5EF4-FFF2-40B4-BE49-F238E27FC236}">
+                <a16:creationId xmlns:a16="http://schemas.microsoft.com/office/drawing/2014/main" id="{B7E4C45B-25D3-46B6-8626-C91735CB7DAE}"/>
+              </a:ext>
+            </a:extLst>
+          </p:cNvPr>
+          <p:cNvSpPr txBox="1"/>
+          <p:nvPr/>
+        </p:nvSpPr>
+        <p:spPr>
+          <a:xfrm>
+            <a:off x="6287911" y="231278"/>
+            <a:ext cx="2373560" cy="1169551"/>
+          </a:xfrm>
+          <a:prstGeom prst="rect">
+            <a:avLst/>
+          </a:prstGeom>
+          <a:noFill/>
+        </p:spPr>
+        <p:txBody>
+          <a:bodyPr wrap="square" rtlCol="0">
+            <a:spAutoFit/>
+          </a:bodyPr>
+          <a:lstStyle/>
+          <a:p>
+            <a:r>
+              <a:rPr lang="es-MX" dirty="0"/>
+              <a:t>140-170 - Excelente</a:t>
+            </a:r>
+          </a:p>
+          <a:p>
+            <a:r>
+              <a:rPr lang="es-MX" dirty="0"/>
+              <a:t>100-140 - Bueno</a:t>
+            </a:r>
+          </a:p>
+          <a:p>
+            <a:r>
+              <a:rPr lang="es-MX" dirty="0"/>
+              <a:t>80-100 - Medio</a:t>
+            </a:r>
+          </a:p>
+          <a:p>
+            <a:r>
+              <a:rPr lang="es-MX" dirty="0"/>
+              <a:t>Menos de 80-Deficiente</a:t>
+            </a:r>
+          </a:p>
+          <a:p>
+            <a:endParaRPr lang="es-MX" dirty="0"/>
+          </a:p>
+        </p:txBody>
+      </p:sp>
     </p:spTree>
   </p:cSld>
   <p:clrMapOvr>
@@ -22451,6 +24166,53 @@
               <a:rPr lang="es-MX" dirty="0"/>
               <a:t>Roles asignados</a:t>
             </a:r>
+            <a:br>
+              <a:rPr lang="es-MX" dirty="0"/>
+            </a:br>
+            <a:br>
+              <a:rPr lang="es-MX" dirty="0"/>
+            </a:br>
+            <a:r>
+              <a:rPr lang="es-MX" sz="1600" dirty="0"/>
+              <a:t>Ulises Ancona</a:t>
+            </a:r>
+            <a:br>
+              <a:rPr lang="es-MX" sz="1600" dirty="0"/>
+            </a:br>
+            <a:r>
+              <a:rPr lang="es-MX" sz="1600" dirty="0" err="1"/>
+              <a:t>Shaid</a:t>
+            </a:r>
+            <a:r>
+              <a:rPr lang="es-MX" sz="1600" dirty="0"/>
+              <a:t> </a:t>
+            </a:r>
+            <a:r>
+              <a:rPr lang="es-MX" sz="1600" dirty="0" err="1"/>
+              <a:t>Bojorquez</a:t>
+            </a:r>
+            <a:br>
+              <a:rPr lang="es-MX" sz="1600" dirty="0"/>
+            </a:br>
+            <a:r>
+              <a:rPr lang="es-MX" sz="1600" dirty="0"/>
+              <a:t>Martin Alpuche</a:t>
+            </a:r>
+            <a:br>
+              <a:rPr lang="es-MX" sz="1600" dirty="0"/>
+            </a:br>
+            <a:r>
+              <a:rPr lang="es-MX" sz="1600" dirty="0"/>
+              <a:t>Juan Duran</a:t>
+            </a:r>
+            <a:br>
+              <a:rPr lang="es-MX" sz="1600" dirty="0"/>
+            </a:br>
+            <a:r>
+              <a:rPr lang="es-MX" sz="1600" dirty="0"/>
+              <a:t>Emmanuel Azcorra</a:t>
+            </a:r>
+            <a:endParaRPr lang="es-MX" dirty="0"/>
           </a:p>
         </p:txBody>
       </p:sp>
@@ -22510,8 +24272,8 @@
         </p:nvSpPr>
         <p:spPr>
           <a:xfrm>
-            <a:off x="3011603" y="728275"/>
-            <a:ext cx="2727000" cy="2552100"/>
+            <a:off x="6176312" y="776880"/>
+            <a:ext cx="2610264" cy="2552100"/>
           </a:xfrm>
         </p:spPr>
         <p:txBody>
@@ -22522,12 +24284,17 @@
               <a:buNone/>
             </a:pPr>
             <a:r>
-              <a:rPr lang="es-MX" dirty="0" err="1"/>
-              <a:t>Administracion</a:t>
+              <a:rPr lang="es-MX" b="1" dirty="0"/>
+              <a:t>CODIFICACIÓN</a:t>
             </a:r>
+          </a:p>
+          <a:p>
+            <a:pPr marL="158750" indent="0">
+              <a:buNone/>
+            </a:pPr>
             <a:r>
               <a:rPr lang="es-MX" dirty="0"/>
-              <a:t> de Usuarios</a:t>
+              <a:t>Administración de Usuarios</a:t>
             </a:r>
           </a:p>
           <a:p>
@@ -22540,7 +24307,7 @@
             </a:r>
             <a:r>
               <a:rPr lang="es-MX" dirty="0"/>
-              <a:t>, </a:t>
+              <a:t>, Martin</a:t>
             </a:r>
           </a:p>
           <a:p>
@@ -22549,20 +24316,26 @@
             </a:pPr>
             <a:r>
               <a:rPr lang="es-MX" dirty="0"/>
-              <a:t>Martin</a:t>
+              <a:t>Acciones del administrador</a:t>
             </a:r>
           </a:p>
           <a:p>
             <a:pPr marL="158750" indent="0">
               <a:buNone/>
             </a:pPr>
-            <a:endParaRPr lang="es-MX" dirty="0"/>
+            <a:r>
+              <a:rPr lang="es-MX" dirty="0"/>
+              <a:t>Juan, Ulises</a:t>
+            </a:r>
           </a:p>
           <a:p>
             <a:pPr marL="158750" indent="0">
               <a:buNone/>
             </a:pPr>
-            <a:endParaRPr lang="es-MX" dirty="0"/>
+            <a:r>
+              <a:rPr lang="es-MX" dirty="0"/>
+              <a:t>Diseño de interfaz de usuario</a:t>
+            </a:r>
           </a:p>
           <a:p>
             <a:pPr marL="158750" indent="0">
@@ -22570,7 +24343,7 @@
             </a:pPr>
             <a:r>
               <a:rPr lang="es-MX" dirty="0"/>
-              <a:t>Acciones del administrador</a:t>
+              <a:t>Ulises, Emmanuel</a:t>
             </a:r>
           </a:p>
         </p:txBody>
@@ -22591,12 +24364,393 @@
             <p:ph type="body" idx="3"/>
           </p:nvPr>
         </p:nvSpPr>
-        <p:spPr/>
+        <p:spPr>
+          <a:xfrm>
+            <a:off x="2883980" y="2434608"/>
+            <a:ext cx="2308130" cy="2121891"/>
+          </a:xfrm>
+        </p:spPr>
         <p:txBody>
           <a:bodyPr/>
           <a:lstStyle/>
           <a:p>
-            <a:endParaRPr lang="es-MX"/>
+            <a:pPr marL="158750" indent="0">
+              <a:buNone/>
+            </a:pPr>
+            <a:r>
+              <a:rPr lang="es-MX" b="1" dirty="0"/>
+              <a:t>DISEÑO</a:t>
+            </a:r>
+          </a:p>
+          <a:p>
+            <a:pPr marL="158750" indent="0">
+              <a:buNone/>
+            </a:pPr>
+            <a:r>
+              <a:rPr lang="es-MX" dirty="0"/>
+              <a:t>Escenarios de Uso y Casos de Uso:</a:t>
+            </a:r>
+          </a:p>
+          <a:p>
+            <a:pPr marL="158750" indent="0">
+              <a:buNone/>
+            </a:pPr>
+            <a:r>
+              <a:rPr lang="es-MX" dirty="0" err="1"/>
+              <a:t>Shaid</a:t>
+            </a:r>
+            <a:r>
+              <a:rPr lang="es-MX" dirty="0"/>
+              <a:t> y Martin</a:t>
+            </a:r>
+          </a:p>
+          <a:p>
+            <a:pPr marL="158750" indent="0">
+              <a:buNone/>
+            </a:pPr>
+            <a:endParaRPr lang="es-MX" dirty="0"/>
+          </a:p>
+          <a:p>
+            <a:pPr marL="158750" indent="0">
+              <a:buNone/>
+            </a:pPr>
+            <a:r>
+              <a:rPr lang="es-MX" dirty="0"/>
+              <a:t>Diagrama de clases:</a:t>
+            </a:r>
+          </a:p>
+          <a:p>
+            <a:pPr marL="158750" indent="0">
+              <a:buNone/>
+            </a:pPr>
+            <a:r>
+              <a:rPr lang="es-MX" dirty="0"/>
+              <a:t>Ulises</a:t>
+            </a:r>
+          </a:p>
+          <a:p>
+            <a:pPr marL="158750" indent="0">
+              <a:buNone/>
+            </a:pPr>
+            <a:endParaRPr lang="es-MX" dirty="0"/>
+          </a:p>
+        </p:txBody>
+      </p:sp>
+      <p:sp>
+        <p:nvSpPr>
+          <p:cNvPr id="7" name="Marcador de texto 4">
+            <a:extLst>
+              <a:ext uri="{FF2B5EF4-FFF2-40B4-BE49-F238E27FC236}">
+                <a16:creationId xmlns:a16="http://schemas.microsoft.com/office/drawing/2014/main" id="{786949EB-A9BE-4272-9194-0B497AFD8170}"/>
+              </a:ext>
+            </a:extLst>
+          </p:cNvPr>
+          <p:cNvSpPr txBox="1">
+            <a:spLocks/>
+          </p:cNvSpPr>
+          <p:nvPr/>
+        </p:nvSpPr>
+        <p:spPr>
+          <a:xfrm>
+            <a:off x="2674545" y="346596"/>
+            <a:ext cx="2727000" cy="1561226"/>
+          </a:xfrm>
+          <a:prstGeom prst="rect">
+            <a:avLst/>
+          </a:prstGeom>
+          <a:noFill/>
+          <a:ln>
+            <a:noFill/>
+          </a:ln>
+        </p:spPr>
+        <p:txBody>
+          <a:bodyPr spcFirstLastPara="1" wrap="square" lIns="91425" tIns="91425" rIns="91425" bIns="91425" anchor="t" anchorCtr="0"/>
+          <a:lstStyle>
+            <a:defPPr marR="0" lvl="0" algn="l" rtl="0">
+              <a:lnSpc>
+                <a:spcPct val="100000"/>
+              </a:lnSpc>
+              <a:spcBef>
+                <a:spcPts val="0"/>
+              </a:spcBef>
+              <a:spcAft>
+                <a:spcPts val="0"/>
+              </a:spcAft>
+            </a:defPPr>
+            <a:lvl1pPr marL="457200" marR="0" lvl="0" indent="-298450" algn="l" rtl="0">
+              <a:lnSpc>
+                <a:spcPct val="115000"/>
+              </a:lnSpc>
+              <a:spcBef>
+                <a:spcPts val="600"/>
+              </a:spcBef>
+              <a:spcAft>
+                <a:spcPts val="0"/>
+              </a:spcAft>
+              <a:buClr>
+                <a:srgbClr val="CCCCCC"/>
+              </a:buClr>
+              <a:buSzPts val="1100"/>
+              <a:buFont typeface="Nunito Sans"/>
+              <a:buChar char="▪"/>
+              <a:defRPr sz="1100" b="0" i="0" u="none" strike="noStrike" cap="none">
+                <a:solidFill>
+                  <a:srgbClr val="666666"/>
+                </a:solidFill>
+                <a:latin typeface="Nunito Sans"/>
+                <a:ea typeface="Nunito Sans"/>
+                <a:cs typeface="Nunito Sans"/>
+                <a:sym typeface="Nunito Sans"/>
+              </a:defRPr>
+            </a:lvl1pPr>
+            <a:lvl2pPr marL="914400" marR="0" lvl="1" indent="-298450" algn="l" rtl="0">
+              <a:lnSpc>
+                <a:spcPct val="115000"/>
+              </a:lnSpc>
+              <a:spcBef>
+                <a:spcPts val="0"/>
+              </a:spcBef>
+              <a:spcAft>
+                <a:spcPts val="0"/>
+              </a:spcAft>
+              <a:buClr>
+                <a:srgbClr val="CCCCCC"/>
+              </a:buClr>
+              <a:buSzPts val="1100"/>
+              <a:buFont typeface="Nunito Sans"/>
+              <a:buChar char="-"/>
+              <a:defRPr sz="1100" b="0" i="0" u="none" strike="noStrike" cap="none">
+                <a:solidFill>
+                  <a:srgbClr val="666666"/>
+                </a:solidFill>
+                <a:latin typeface="Nunito Sans"/>
+                <a:ea typeface="Nunito Sans"/>
+                <a:cs typeface="Nunito Sans"/>
+                <a:sym typeface="Nunito Sans"/>
+              </a:defRPr>
+            </a:lvl2pPr>
+            <a:lvl3pPr marL="1371600" marR="0" lvl="2" indent="-298450" algn="l" rtl="0">
+              <a:lnSpc>
+                <a:spcPct val="115000"/>
+              </a:lnSpc>
+              <a:spcBef>
+                <a:spcPts val="0"/>
+              </a:spcBef>
+              <a:spcAft>
+                <a:spcPts val="0"/>
+              </a:spcAft>
+              <a:buClr>
+                <a:srgbClr val="CCCCCC"/>
+              </a:buClr>
+              <a:buSzPts val="1100"/>
+              <a:buFont typeface="Nunito Sans"/>
+              <a:buChar char="-"/>
+              <a:defRPr sz="1100" b="0" i="0" u="none" strike="noStrike" cap="none">
+                <a:solidFill>
+                  <a:srgbClr val="666666"/>
+                </a:solidFill>
+                <a:latin typeface="Nunito Sans"/>
+                <a:ea typeface="Nunito Sans"/>
+                <a:cs typeface="Nunito Sans"/>
+                <a:sym typeface="Nunito Sans"/>
+              </a:defRPr>
+            </a:lvl3pPr>
+            <a:lvl4pPr marL="1828800" marR="0" lvl="3" indent="-298450" algn="l" rtl="0">
+              <a:lnSpc>
+                <a:spcPct val="115000"/>
+              </a:lnSpc>
+              <a:spcBef>
+                <a:spcPts val="0"/>
+              </a:spcBef>
+              <a:spcAft>
+                <a:spcPts val="0"/>
+              </a:spcAft>
+              <a:buClr>
+                <a:srgbClr val="CCCCCC"/>
+              </a:buClr>
+              <a:buSzPts val="1100"/>
+              <a:buFont typeface="Nunito Sans"/>
+              <a:buChar char="-"/>
+              <a:defRPr sz="1100" b="0" i="0" u="none" strike="noStrike" cap="none">
+                <a:solidFill>
+                  <a:srgbClr val="666666"/>
+                </a:solidFill>
+                <a:latin typeface="Nunito Sans"/>
+                <a:ea typeface="Nunito Sans"/>
+                <a:cs typeface="Nunito Sans"/>
+                <a:sym typeface="Nunito Sans"/>
+              </a:defRPr>
+            </a:lvl4pPr>
+            <a:lvl5pPr marL="2286000" marR="0" lvl="4" indent="-298450" algn="l" rtl="0">
+              <a:lnSpc>
+                <a:spcPct val="115000"/>
+              </a:lnSpc>
+              <a:spcBef>
+                <a:spcPts val="0"/>
+              </a:spcBef>
+              <a:spcAft>
+                <a:spcPts val="0"/>
+              </a:spcAft>
+              <a:buClr>
+                <a:srgbClr val="CCCCCC"/>
+              </a:buClr>
+              <a:buSzPts val="1100"/>
+              <a:buFont typeface="Nunito Sans"/>
+              <a:buChar char="-"/>
+              <a:defRPr sz="1100" b="0" i="0" u="none" strike="noStrike" cap="none">
+                <a:solidFill>
+                  <a:srgbClr val="666666"/>
+                </a:solidFill>
+                <a:latin typeface="Nunito Sans"/>
+                <a:ea typeface="Nunito Sans"/>
+                <a:cs typeface="Nunito Sans"/>
+                <a:sym typeface="Nunito Sans"/>
+              </a:defRPr>
+            </a:lvl5pPr>
+            <a:lvl6pPr marL="2743200" marR="0" lvl="5" indent="-298450" algn="l" rtl="0">
+              <a:lnSpc>
+                <a:spcPct val="115000"/>
+              </a:lnSpc>
+              <a:spcBef>
+                <a:spcPts val="0"/>
+              </a:spcBef>
+              <a:spcAft>
+                <a:spcPts val="0"/>
+              </a:spcAft>
+              <a:buClr>
+                <a:srgbClr val="CCCCCC"/>
+              </a:buClr>
+              <a:buSzPts val="1100"/>
+              <a:buFont typeface="Nunito Sans"/>
+              <a:buChar char="-"/>
+              <a:defRPr sz="1100" b="0" i="0" u="none" strike="noStrike" cap="none">
+                <a:solidFill>
+                  <a:srgbClr val="666666"/>
+                </a:solidFill>
+                <a:latin typeface="Nunito Sans"/>
+                <a:ea typeface="Nunito Sans"/>
+                <a:cs typeface="Nunito Sans"/>
+                <a:sym typeface="Nunito Sans"/>
+              </a:defRPr>
+            </a:lvl6pPr>
+            <a:lvl7pPr marL="3200400" marR="0" lvl="6" indent="-298450" algn="l" rtl="0">
+              <a:lnSpc>
+                <a:spcPct val="115000"/>
+              </a:lnSpc>
+              <a:spcBef>
+                <a:spcPts val="0"/>
+              </a:spcBef>
+              <a:spcAft>
+                <a:spcPts val="0"/>
+              </a:spcAft>
+              <a:buClr>
+                <a:srgbClr val="CCCCCC"/>
+              </a:buClr>
+              <a:buSzPts val="1100"/>
+              <a:buFont typeface="Nunito Sans"/>
+              <a:buChar char="-"/>
+              <a:defRPr sz="1100" b="0" i="0" u="none" strike="noStrike" cap="none">
+                <a:solidFill>
+                  <a:srgbClr val="666666"/>
+                </a:solidFill>
+                <a:latin typeface="Nunito Sans"/>
+                <a:ea typeface="Nunito Sans"/>
+                <a:cs typeface="Nunito Sans"/>
+                <a:sym typeface="Nunito Sans"/>
+              </a:defRPr>
+            </a:lvl7pPr>
+            <a:lvl8pPr marL="3657600" marR="0" lvl="7" indent="-298450" algn="l" rtl="0">
+              <a:lnSpc>
+                <a:spcPct val="115000"/>
+              </a:lnSpc>
+              <a:spcBef>
+                <a:spcPts val="0"/>
+              </a:spcBef>
+              <a:spcAft>
+                <a:spcPts val="0"/>
+              </a:spcAft>
+              <a:buClr>
+                <a:srgbClr val="CCCCCC"/>
+              </a:buClr>
+              <a:buSzPts val="1100"/>
+              <a:buFont typeface="Nunito Sans"/>
+              <a:buChar char="-"/>
+              <a:defRPr sz="1100" b="0" i="0" u="none" strike="noStrike" cap="none">
+                <a:solidFill>
+                  <a:srgbClr val="666666"/>
+                </a:solidFill>
+                <a:latin typeface="Nunito Sans"/>
+                <a:ea typeface="Nunito Sans"/>
+                <a:cs typeface="Nunito Sans"/>
+                <a:sym typeface="Nunito Sans"/>
+              </a:defRPr>
+            </a:lvl8pPr>
+            <a:lvl9pPr marL="4114800" marR="0" lvl="8" indent="-298450" algn="l" rtl="0">
+              <a:lnSpc>
+                <a:spcPct val="115000"/>
+              </a:lnSpc>
+              <a:spcBef>
+                <a:spcPts val="0"/>
+              </a:spcBef>
+              <a:spcAft>
+                <a:spcPts val="0"/>
+              </a:spcAft>
+              <a:buClr>
+                <a:srgbClr val="CCCCCC"/>
+              </a:buClr>
+              <a:buSzPts val="1100"/>
+              <a:buFont typeface="Nunito Sans"/>
+              <a:buChar char="-"/>
+              <a:defRPr sz="1100" b="0" i="0" u="none" strike="noStrike" cap="none">
+                <a:solidFill>
+                  <a:srgbClr val="666666"/>
+                </a:solidFill>
+                <a:latin typeface="Nunito Sans"/>
+                <a:ea typeface="Nunito Sans"/>
+                <a:cs typeface="Nunito Sans"/>
+                <a:sym typeface="Nunito Sans"/>
+              </a:defRPr>
+            </a:lvl9pPr>
+          </a:lstStyle>
+          <a:p>
+            <a:pPr marL="158750" indent="0">
+              <a:buFont typeface="Nunito Sans"/>
+              <a:buNone/>
+            </a:pPr>
+            <a:r>
+              <a:rPr lang="es-MX" b="1" dirty="0"/>
+              <a:t>DEFINICION DEL PROYECTO</a:t>
+            </a:r>
+          </a:p>
+          <a:p>
+            <a:pPr marL="158750" indent="0">
+              <a:buFont typeface="Nunito Sans"/>
+              <a:buNone/>
+            </a:pPr>
+            <a:r>
+              <a:rPr lang="es-MX" dirty="0"/>
+              <a:t>Requerimientos funcionales:</a:t>
+            </a:r>
+          </a:p>
+          <a:p>
+            <a:pPr marL="158750" indent="0">
+              <a:buFont typeface="Nunito Sans"/>
+              <a:buNone/>
+            </a:pPr>
+            <a:r>
+              <a:rPr lang="es-MX" dirty="0"/>
+              <a:t>Ulises</a:t>
+            </a:r>
+          </a:p>
+          <a:p>
+            <a:pPr marL="158750" indent="0">
+              <a:buFont typeface="Nunito Sans"/>
+              <a:buNone/>
+            </a:pPr>
+            <a:r>
+              <a:rPr lang="es-MX" dirty="0"/>
+              <a:t>Requerimientos no funcionales: Juan Duran</a:t>
+            </a:r>
           </a:p>
         </p:txBody>
       </p:sp>

--- a/Plan_de_Trabajo/Presentacion.pptx
+++ b/Plan_de_Trabajo/Presentacion.pptx
@@ -5,7 +5,7 @@
     <p:sldMasterId id="2147483661" r:id="rId1"/>
   </p:sldMasterIdLst>
   <p:notesMasterIdLst>
-    <p:notesMasterId r:id="rId10"/>
+    <p:notesMasterId r:id="rId9"/>
   </p:notesMasterIdLst>
   <p:sldIdLst>
     <p:sldId id="256" r:id="rId2"/>
@@ -13,33 +13,32 @@
     <p:sldId id="258" r:id="rId4"/>
     <p:sldId id="259" r:id="rId5"/>
     <p:sldId id="260" r:id="rId6"/>
-    <p:sldId id="261" r:id="rId7"/>
-    <p:sldId id="263" r:id="rId8"/>
-    <p:sldId id="262" r:id="rId9"/>
+    <p:sldId id="263" r:id="rId7"/>
+    <p:sldId id="262" r:id="rId8"/>
   </p:sldIdLst>
   <p:sldSz cx="9144000" cy="5143500" type="screen16x9"/>
   <p:notesSz cx="6858000" cy="9144000"/>
   <p:embeddedFontLst>
     <p:embeddedFont>
       <p:font typeface="Calibri" panose="020F0502020204030204" pitchFamily="34" charset="0"/>
-      <p:regular r:id="rId11"/>
-      <p:bold r:id="rId12"/>
-      <p:italic r:id="rId13"/>
-      <p:boldItalic r:id="rId14"/>
+      <p:regular r:id="rId10"/>
+      <p:bold r:id="rId11"/>
+      <p:italic r:id="rId12"/>
+      <p:boldItalic r:id="rId13"/>
     </p:embeddedFont>
     <p:embeddedFont>
       <p:font typeface="Georgia" panose="02040502050405020303" pitchFamily="18" charset="0"/>
-      <p:regular r:id="rId15"/>
-      <p:bold r:id="rId16"/>
-      <p:italic r:id="rId17"/>
-      <p:boldItalic r:id="rId18"/>
+      <p:regular r:id="rId14"/>
+      <p:bold r:id="rId15"/>
+      <p:italic r:id="rId16"/>
+      <p:boldItalic r:id="rId17"/>
     </p:embeddedFont>
     <p:embeddedFont>
       <p:font typeface="Nunito Sans" panose="020B0604020202020204" charset="0"/>
-      <p:regular r:id="rId19"/>
-      <p:bold r:id="rId20"/>
-      <p:italic r:id="rId21"/>
-      <p:boldItalic r:id="rId22"/>
+      <p:regular r:id="rId18"/>
+      <p:bold r:id="rId19"/>
+      <p:italic r:id="rId20"/>
+      <p:boldItalic r:id="rId21"/>
     </p:embeddedFont>
   </p:embeddedFontLst>
   <p:defaultTextStyle>
@@ -1527,140 +1526,6 @@
 </file>
 
 <file path=ppt/notesSlides/notesSlide6.xml><?xml version="1.0" encoding="utf-8"?>
-<p:notes xmlns:a="http://schemas.openxmlformats.org/drawingml/2006/main" xmlns:r="http://schemas.openxmlformats.org/officeDocument/2006/relationships" xmlns:p="http://schemas.openxmlformats.org/presentationml/2006/main" showMasterSp="0" showMasterPhAnim="0">
-  <p:cSld>
-    <p:spTree>
-      <p:nvGrpSpPr>
-        <p:cNvPr id="1" name="Shape 144"/>
-        <p:cNvGrpSpPr/>
-        <p:nvPr/>
-      </p:nvGrpSpPr>
-      <p:grpSpPr>
-        <a:xfrm>
-          <a:off x="0" y="0"/>
-          <a:ext cx="0" cy="0"/>
-          <a:chOff x="0" y="0"/>
-          <a:chExt cx="0" cy="0"/>
-        </a:xfrm>
-      </p:grpSpPr>
-      <p:sp>
-        <p:nvSpPr>
-          <p:cNvPr id="145" name="Shape 145"/>
-          <p:cNvSpPr>
-            <a:spLocks noGrp="1" noRot="1" noChangeAspect="1"/>
-          </p:cNvSpPr>
-          <p:nvPr>
-            <p:ph type="sldImg" idx="2"/>
-          </p:nvPr>
-        </p:nvSpPr>
-        <p:spPr>
-          <a:xfrm>
-            <a:off x="381000" y="685800"/>
-            <a:ext cx="6096000" cy="3429000"/>
-          </a:xfrm>
-          <a:custGeom>
-            <a:avLst/>
-            <a:gdLst/>
-            <a:ahLst/>
-            <a:cxnLst/>
-            <a:rect l="0" t="0" r="0" b="0"/>
-            <a:pathLst>
-              <a:path w="120000" h="120000" extrusionOk="0">
-                <a:moveTo>
-                  <a:pt x="0" y="0"/>
-                </a:moveTo>
-                <a:lnTo>
-                  <a:pt x="120000" y="0"/>
-                </a:lnTo>
-                <a:lnTo>
-                  <a:pt x="120000" y="120000"/>
-                </a:lnTo>
-                <a:lnTo>
-                  <a:pt x="0" y="120000"/>
-                </a:lnTo>
-                <a:close/>
-              </a:path>
-            </a:pathLst>
-          </a:custGeom>
-          <a:noFill/>
-          <a:ln w="9525" cap="flat" cmpd="sng">
-            <a:solidFill>
-              <a:srgbClr val="000000"/>
-            </a:solidFill>
-            <a:prstDash val="solid"/>
-            <a:round/>
-            <a:headEnd type="none" w="sm" len="sm"/>
-            <a:tailEnd type="none" w="sm" len="sm"/>
-          </a:ln>
-        </p:spPr>
-      </p:sp>
-      <p:sp>
-        <p:nvSpPr>
-          <p:cNvPr id="146" name="Shape 146"/>
-          <p:cNvSpPr txBox="1">
-            <a:spLocks noGrp="1"/>
-          </p:cNvSpPr>
-          <p:nvPr>
-            <p:ph type="body" idx="1"/>
-          </p:nvPr>
-        </p:nvSpPr>
-        <p:spPr>
-          <a:xfrm>
-            <a:off x="685800" y="4343400"/>
-            <a:ext cx="5486400" cy="4114800"/>
-          </a:xfrm>
-          <a:prstGeom prst="rect">
-            <a:avLst/>
-          </a:prstGeom>
-          <a:noFill/>
-          <a:ln>
-            <a:noFill/>
-          </a:ln>
-        </p:spPr>
-        <p:txBody>
-          <a:bodyPr spcFirstLastPara="1" wrap="square" lIns="91425" tIns="91425" rIns="91425" bIns="91425" anchor="t" anchorCtr="0">
-            <a:noAutofit/>
-          </a:bodyPr>
-          <a:lstStyle/>
-          <a:p>
-            <a:pPr marL="0" marR="0" lvl="0" indent="0" algn="l" rtl="0">
-              <a:lnSpc>
-                <a:spcPct val="100000"/>
-              </a:lnSpc>
-              <a:spcBef>
-                <a:spcPts val="0"/>
-              </a:spcBef>
-              <a:spcAft>
-                <a:spcPts val="0"/>
-              </a:spcAft>
-              <a:buClr>
-                <a:srgbClr val="000000"/>
-              </a:buClr>
-              <a:buSzPts val="1400"/>
-              <a:buFont typeface="Arial"/>
-              <a:buNone/>
-            </a:pPr>
-            <a:endParaRPr sz="1100" b="0" i="0" u="none" strike="noStrike" cap="none">
-              <a:solidFill>
-                <a:srgbClr val="000000"/>
-              </a:solidFill>
-              <a:latin typeface="Arial"/>
-              <a:ea typeface="Arial"/>
-              <a:cs typeface="Arial"/>
-              <a:sym typeface="Arial"/>
-            </a:endParaRPr>
-          </a:p>
-        </p:txBody>
-      </p:sp>
-    </p:spTree>
-  </p:cSld>
-  <p:clrMapOvr>
-    <a:masterClrMapping/>
-  </p:clrMapOvr>
-</p:notes>
-</file>
-
-<file path=ppt/notesSlides/notesSlide7.xml><?xml version="1.0" encoding="utf-8"?>
 <p:notes xmlns:a="http://schemas.openxmlformats.org/drawingml/2006/main" xmlns:r="http://schemas.openxmlformats.org/officeDocument/2006/relationships" xmlns:p="http://schemas.openxmlformats.org/presentationml/2006/main" showMasterSp="0" showMasterPhAnim="0">
   <p:cSld>
     <p:spTree>
@@ -18776,5359 +18641,6 @@
   <p:cSld>
     <p:spTree>
       <p:nvGrpSpPr>
-        <p:cNvPr id="1" name="Shape 147"/>
-        <p:cNvGrpSpPr/>
-        <p:nvPr/>
-      </p:nvGrpSpPr>
-      <p:grpSpPr>
-        <a:xfrm>
-          <a:off x="0" y="0"/>
-          <a:ext cx="0" cy="0"/>
-          <a:chOff x="0" y="0"/>
-          <a:chExt cx="0" cy="0"/>
-        </a:xfrm>
-      </p:grpSpPr>
-      <p:sp>
-        <p:nvSpPr>
-          <p:cNvPr id="148" name="Shape 148"/>
-          <p:cNvSpPr txBox="1">
-            <a:spLocks noGrp="1"/>
-          </p:cNvSpPr>
-          <p:nvPr>
-            <p:ph type="title"/>
-          </p:nvPr>
-        </p:nvSpPr>
-        <p:spPr>
-          <a:xfrm>
-            <a:off x="270814" y="329751"/>
-            <a:ext cx="2046300" cy="3981000"/>
-          </a:xfrm>
-          <a:prstGeom prst="rect">
-            <a:avLst/>
-          </a:prstGeom>
-          <a:noFill/>
-          <a:ln>
-            <a:noFill/>
-          </a:ln>
-        </p:spPr>
-        <p:txBody>
-          <a:bodyPr spcFirstLastPara="1" wrap="square" lIns="91425" tIns="91425" rIns="91425" bIns="91425" anchor="t" anchorCtr="0">
-            <a:noAutofit/>
-          </a:bodyPr>
-          <a:lstStyle/>
-          <a:p>
-            <a:pPr marL="0" marR="0" lvl="0" indent="0" algn="l" rtl="0">
-              <a:lnSpc>
-                <a:spcPct val="100000"/>
-              </a:lnSpc>
-              <a:spcBef>
-                <a:spcPts val="0"/>
-              </a:spcBef>
-              <a:spcAft>
-                <a:spcPts val="0"/>
-              </a:spcAft>
-              <a:buClr>
-                <a:srgbClr val="FFFFFF"/>
-              </a:buClr>
-              <a:buSzPts val="2400"/>
-              <a:buFont typeface="Nunito Sans"/>
-              <a:buNone/>
-            </a:pPr>
-            <a:r>
-              <a:rPr lang="en" sz="2400" b="0" i="0" u="none" strike="noStrike" cap="none" dirty="0">
-                <a:solidFill>
-                  <a:srgbClr val="FFFFFF"/>
-                </a:solidFill>
-                <a:latin typeface="Nunito Sans"/>
-                <a:ea typeface="Nunito Sans"/>
-                <a:cs typeface="Nunito Sans"/>
-                <a:sym typeface="Nunito Sans"/>
-              </a:rPr>
-              <a:t>Definición del proyecto</a:t>
-            </a:r>
-            <a:endParaRPr sz="2400" b="0" i="0" u="none" strike="noStrike" cap="none" dirty="0">
-              <a:solidFill>
-                <a:srgbClr val="FFFFFF"/>
-              </a:solidFill>
-              <a:latin typeface="Nunito Sans"/>
-              <a:ea typeface="Nunito Sans"/>
-              <a:cs typeface="Nunito Sans"/>
-              <a:sym typeface="Nunito Sans"/>
-            </a:endParaRPr>
-          </a:p>
-        </p:txBody>
-      </p:sp>
-      <p:sp>
-        <p:nvSpPr>
-          <p:cNvPr id="149" name="Shape 149"/>
-          <p:cNvSpPr txBox="1">
-            <a:spLocks noGrp="1"/>
-          </p:cNvSpPr>
-          <p:nvPr>
-            <p:ph type="sldNum" idx="12"/>
-          </p:nvPr>
-        </p:nvSpPr>
-        <p:spPr>
-          <a:xfrm>
-            <a:off x="8556784" y="4749851"/>
-            <a:ext cx="548700" cy="393600"/>
-          </a:xfrm>
-          <a:prstGeom prst="rect">
-            <a:avLst/>
-          </a:prstGeom>
-          <a:noFill/>
-          <a:ln>
-            <a:noFill/>
-          </a:ln>
-        </p:spPr>
-        <p:txBody>
-          <a:bodyPr spcFirstLastPara="1" wrap="square" lIns="91425" tIns="91425" rIns="91425" bIns="91425" anchor="ctr" anchorCtr="0">
-            <a:noAutofit/>
-          </a:bodyPr>
-          <a:lstStyle/>
-          <a:p>
-            <a:pPr marL="0" marR="0" lvl="0" indent="0" algn="r" rtl="0">
-              <a:lnSpc>
-                <a:spcPct val="100000"/>
-              </a:lnSpc>
-              <a:spcBef>
-                <a:spcPts val="0"/>
-              </a:spcBef>
-              <a:spcAft>
-                <a:spcPts val="0"/>
-              </a:spcAft>
-              <a:buClr>
-                <a:srgbClr val="000000"/>
-              </a:buClr>
-              <a:buSzPts val="1000"/>
-              <a:buFont typeface="Arial"/>
-              <a:buNone/>
-            </a:pPr>
-            <a:fld id="{00000000-1234-1234-1234-123412341234}" type="slidenum">
-              <a:rPr lang="en" sz="1000" b="0" i="0" u="none" strike="noStrike" cap="none">
-                <a:solidFill>
-                  <a:srgbClr val="CCCCCC"/>
-                </a:solidFill>
-                <a:latin typeface="Nunito Sans"/>
-                <a:ea typeface="Nunito Sans"/>
-                <a:cs typeface="Nunito Sans"/>
-                <a:sym typeface="Nunito Sans"/>
-              </a:rPr>
-              <a:t>6</a:t>
-            </a:fld>
-            <a:endParaRPr sz="1000" b="0" i="0" u="none" strike="noStrike" cap="none">
-              <a:solidFill>
-                <a:srgbClr val="CCCCCC"/>
-              </a:solidFill>
-              <a:latin typeface="Nunito Sans"/>
-              <a:ea typeface="Nunito Sans"/>
-              <a:cs typeface="Nunito Sans"/>
-              <a:sym typeface="Nunito Sans"/>
-            </a:endParaRPr>
-          </a:p>
-        </p:txBody>
-      </p:sp>
-      <p:graphicFrame>
-        <p:nvGraphicFramePr>
-          <p:cNvPr id="150" name="Shape 150"/>
-          <p:cNvGraphicFramePr/>
-          <p:nvPr>
-            <p:extLst>
-              <p:ext uri="{D42A27DB-BD31-4B8C-83A1-F6EECF244321}">
-                <p14:modId xmlns:p14="http://schemas.microsoft.com/office/powerpoint/2010/main" val="2628238768"/>
-              </p:ext>
-            </p:extLst>
-          </p:nvPr>
-        </p:nvGraphicFramePr>
-        <p:xfrm>
-          <a:off x="270814" y="1210239"/>
-          <a:ext cx="8503545" cy="3840270"/>
-        </p:xfrm>
-        <a:graphic>
-          <a:graphicData uri="http://schemas.openxmlformats.org/drawingml/2006/table">
-            <a:tbl>
-              <a:tblPr>
-                <a:noFill/>
-                <a:tableStyleId>{156260C5-6E2C-4F4D-9C32-4016F1577A28}</a:tableStyleId>
-              </a:tblPr>
-              <a:tblGrid>
-                <a:gridCol w="959846">
-                  <a:extLst>
-                    <a:ext uri="{9D8B030D-6E8A-4147-A177-3AD203B41FA5}">
-                      <a16:colId xmlns:a16="http://schemas.microsoft.com/office/drawing/2014/main" val="20000"/>
-                    </a:ext>
-                  </a:extLst>
-                </a:gridCol>
-                <a:gridCol w="783847">
-                  <a:extLst>
-                    <a:ext uri="{9D8B030D-6E8A-4147-A177-3AD203B41FA5}">
-                      <a16:colId xmlns:a16="http://schemas.microsoft.com/office/drawing/2014/main" val="20001"/>
-                    </a:ext>
-                  </a:extLst>
-                </a:gridCol>
-                <a:gridCol w="744922">
-                  <a:extLst>
-                    <a:ext uri="{9D8B030D-6E8A-4147-A177-3AD203B41FA5}">
-                      <a16:colId xmlns:a16="http://schemas.microsoft.com/office/drawing/2014/main" val="20002"/>
-                    </a:ext>
-                  </a:extLst>
-                </a:gridCol>
-                <a:gridCol w="830596">
-                  <a:extLst>
-                    <a:ext uri="{9D8B030D-6E8A-4147-A177-3AD203B41FA5}">
-                      <a16:colId xmlns:a16="http://schemas.microsoft.com/office/drawing/2014/main" val="20003"/>
-                    </a:ext>
-                  </a:extLst>
-                </a:gridCol>
-                <a:gridCol w="829797">
-                  <a:extLst>
-                    <a:ext uri="{9D8B030D-6E8A-4147-A177-3AD203B41FA5}">
-                      <a16:colId xmlns:a16="http://schemas.microsoft.com/office/drawing/2014/main" val="20004"/>
-                    </a:ext>
-                  </a:extLst>
-                </a:gridCol>
-                <a:gridCol w="829797">
-                  <a:extLst>
-                    <a:ext uri="{9D8B030D-6E8A-4147-A177-3AD203B41FA5}">
-                      <a16:colId xmlns:a16="http://schemas.microsoft.com/office/drawing/2014/main" val="20005"/>
-                    </a:ext>
-                  </a:extLst>
-                </a:gridCol>
-                <a:gridCol w="727024">
-                  <a:extLst>
-                    <a:ext uri="{9D8B030D-6E8A-4147-A177-3AD203B41FA5}">
-                      <a16:colId xmlns:a16="http://schemas.microsoft.com/office/drawing/2014/main" val="20006"/>
-                    </a:ext>
-                  </a:extLst>
-                </a:gridCol>
-                <a:gridCol w="932572">
-                  <a:extLst>
-                    <a:ext uri="{9D8B030D-6E8A-4147-A177-3AD203B41FA5}">
-                      <a16:colId xmlns:a16="http://schemas.microsoft.com/office/drawing/2014/main" val="20007"/>
-                    </a:ext>
-                  </a:extLst>
-                </a:gridCol>
-                <a:gridCol w="932572">
-                  <a:extLst>
-                    <a:ext uri="{9D8B030D-6E8A-4147-A177-3AD203B41FA5}">
-                      <a16:colId xmlns:a16="http://schemas.microsoft.com/office/drawing/2014/main" val="3062427264"/>
-                    </a:ext>
-                  </a:extLst>
-                </a:gridCol>
-                <a:gridCol w="932572">
-                  <a:extLst>
-                    <a:ext uri="{9D8B030D-6E8A-4147-A177-3AD203B41FA5}">
-                      <a16:colId xmlns:a16="http://schemas.microsoft.com/office/drawing/2014/main" val="2440906652"/>
-                    </a:ext>
-                  </a:extLst>
-                </a:gridCol>
-              </a:tblGrid>
-              <a:tr h="696908">
-                <a:tc>
-                  <a:txBody>
-                    <a:bodyPr/>
-                    <a:lstStyle/>
-                    <a:p>
-                      <a:pPr marL="0" lvl="0" indent="0" rtl="0">
-                        <a:spcBef>
-                          <a:spcPts val="0"/>
-                        </a:spcBef>
-                        <a:spcAft>
-                          <a:spcPts val="0"/>
-                        </a:spcAft>
-                        <a:buNone/>
-                      </a:pPr>
-                      <a:r>
-                        <a:rPr lang="en" sz="1200" b="1"/>
-                        <a:t>Integrante:</a:t>
-                      </a:r>
-                      <a:endParaRPr sz="1200" b="1"/>
-                    </a:p>
-                  </a:txBody>
-                  <a:tcPr marL="91425" marR="91425" marT="91425" marB="91425">
-                    <a:lnL w="9525" cap="flat" cmpd="sng">
-                      <a:solidFill>
-                        <a:srgbClr val="0000FF"/>
-                      </a:solidFill>
-                      <a:prstDash val="solid"/>
-                      <a:round/>
-                      <a:headEnd type="none" w="sm" len="sm"/>
-                      <a:tailEnd type="none" w="sm" len="sm"/>
-                    </a:lnL>
-                    <a:lnR w="9525" cap="flat" cmpd="sng">
-                      <a:solidFill>
-                        <a:srgbClr val="0000FF"/>
-                      </a:solidFill>
-                      <a:prstDash val="solid"/>
-                      <a:round/>
-                      <a:headEnd type="none" w="sm" len="sm"/>
-                      <a:tailEnd type="none" w="sm" len="sm"/>
-                    </a:lnR>
-                    <a:lnT w="9525" cap="flat" cmpd="sng">
-                      <a:solidFill>
-                        <a:srgbClr val="0000FF"/>
-                      </a:solidFill>
-                      <a:prstDash val="solid"/>
-                      <a:round/>
-                      <a:headEnd type="none" w="sm" len="sm"/>
-                      <a:tailEnd type="none" w="sm" len="sm"/>
-                    </a:lnT>
-                    <a:lnB w="9525" cap="flat" cmpd="sng">
-                      <a:solidFill>
-                        <a:srgbClr val="0000FF"/>
-                      </a:solidFill>
-                      <a:prstDash val="solid"/>
-                      <a:round/>
-                      <a:headEnd type="none" w="sm" len="sm"/>
-                      <a:tailEnd type="none" w="sm" len="sm"/>
-                    </a:lnB>
-                    <a:solidFill>
-                      <a:srgbClr val="4A86E8"/>
-                    </a:solidFill>
-                  </a:tcPr>
-                </a:tc>
-                <a:tc>
-                  <a:txBody>
-                    <a:bodyPr/>
-                    <a:lstStyle/>
-                    <a:p>
-                      <a:pPr marL="0" lvl="0" indent="0" rtl="0">
-                        <a:spcBef>
-                          <a:spcPts val="0"/>
-                        </a:spcBef>
-                        <a:spcAft>
-                          <a:spcPts val="0"/>
-                        </a:spcAft>
-                        <a:buNone/>
-                      </a:pPr>
-                      <a:r>
-                        <a:rPr lang="en" sz="1200" b="1" dirty="0"/>
-                        <a:t>Asistencia (1)</a:t>
-                      </a:r>
-                      <a:endParaRPr sz="1200" b="1" dirty="0"/>
-                    </a:p>
-                  </a:txBody>
-                  <a:tcPr marL="91425" marR="91425" marT="91425" marB="91425">
-                    <a:lnL w="9525" cap="flat" cmpd="sng">
-                      <a:solidFill>
-                        <a:srgbClr val="0000FF"/>
-                      </a:solidFill>
-                      <a:prstDash val="solid"/>
-                      <a:round/>
-                      <a:headEnd type="none" w="sm" len="sm"/>
-                      <a:tailEnd type="none" w="sm" len="sm"/>
-                    </a:lnL>
-                    <a:lnR w="9525" cap="flat" cmpd="sng">
-                      <a:solidFill>
-                        <a:srgbClr val="0000FF"/>
-                      </a:solidFill>
-                      <a:prstDash val="solid"/>
-                      <a:round/>
-                      <a:headEnd type="none" w="sm" len="sm"/>
-                      <a:tailEnd type="none" w="sm" len="sm"/>
-                    </a:lnR>
-                    <a:lnT w="9525" cap="flat" cmpd="sng">
-                      <a:solidFill>
-                        <a:srgbClr val="0000FF"/>
-                      </a:solidFill>
-                      <a:prstDash val="solid"/>
-                      <a:round/>
-                      <a:headEnd type="none" w="sm" len="sm"/>
-                      <a:tailEnd type="none" w="sm" len="sm"/>
-                    </a:lnT>
-                    <a:lnB w="9525" cap="flat" cmpd="sng">
-                      <a:solidFill>
-                        <a:srgbClr val="0000FF"/>
-                      </a:solidFill>
-                      <a:prstDash val="solid"/>
-                      <a:round/>
-                      <a:headEnd type="none" w="sm" len="sm"/>
-                      <a:tailEnd type="none" w="sm" len="sm"/>
-                    </a:lnB>
-                    <a:solidFill>
-                      <a:srgbClr val="4A86E8"/>
-                    </a:solidFill>
-                  </a:tcPr>
-                </a:tc>
-                <a:tc>
-                  <a:txBody>
-                    <a:bodyPr/>
-                    <a:lstStyle/>
-                    <a:p>
-                      <a:pPr marL="0" lvl="0" indent="0">
-                        <a:spcBef>
-                          <a:spcPts val="0"/>
-                        </a:spcBef>
-                        <a:spcAft>
-                          <a:spcPts val="0"/>
-                        </a:spcAft>
-                        <a:buNone/>
-                      </a:pPr>
-                      <a:r>
-                        <a:rPr lang="en" sz="1200" b="1" dirty="0"/>
-                        <a:t>D. </a:t>
-                      </a:r>
-                      <a:r>
-                        <a:rPr lang="es-MX" sz="1200" b="1" dirty="0"/>
-                        <a:t>U</a:t>
-                      </a:r>
-                      <a:r>
-                        <a:rPr lang="en" sz="1200" b="1" dirty="0"/>
-                        <a:t>sos</a:t>
-                      </a:r>
-                    </a:p>
-                    <a:p>
-                      <a:pPr marL="0" lvl="0" indent="0">
-                        <a:spcBef>
-                          <a:spcPts val="0"/>
-                        </a:spcBef>
-                        <a:spcAft>
-                          <a:spcPts val="0"/>
-                        </a:spcAft>
-                        <a:buNone/>
-                      </a:pPr>
-                      <a:r>
-                        <a:rPr lang="en" sz="1200" b="1" dirty="0"/>
-                        <a:t>(1)</a:t>
-                      </a:r>
-                      <a:endParaRPr sz="1200" b="1" dirty="0"/>
-                    </a:p>
-                  </a:txBody>
-                  <a:tcPr marL="91425" marR="91425" marT="91425" marB="91425">
-                    <a:lnL w="9525" cap="flat" cmpd="sng">
-                      <a:solidFill>
-                        <a:srgbClr val="0000FF"/>
-                      </a:solidFill>
-                      <a:prstDash val="solid"/>
-                      <a:round/>
-                      <a:headEnd type="none" w="sm" len="sm"/>
-                      <a:tailEnd type="none" w="sm" len="sm"/>
-                    </a:lnL>
-                    <a:lnR w="9525" cap="flat" cmpd="sng">
-                      <a:solidFill>
-                        <a:srgbClr val="0000FF"/>
-                      </a:solidFill>
-                      <a:prstDash val="solid"/>
-                      <a:round/>
-                      <a:headEnd type="none" w="sm" len="sm"/>
-                      <a:tailEnd type="none" w="sm" len="sm"/>
-                    </a:lnR>
-                    <a:lnT w="9525" cap="flat" cmpd="sng">
-                      <a:solidFill>
-                        <a:srgbClr val="0000FF"/>
-                      </a:solidFill>
-                      <a:prstDash val="solid"/>
-                      <a:round/>
-                      <a:headEnd type="none" w="sm" len="sm"/>
-                      <a:tailEnd type="none" w="sm" len="sm"/>
-                    </a:lnT>
-                    <a:lnB w="9525" cap="flat" cmpd="sng">
-                      <a:solidFill>
-                        <a:srgbClr val="0000FF"/>
-                      </a:solidFill>
-                      <a:prstDash val="solid"/>
-                      <a:round/>
-                      <a:headEnd type="none" w="sm" len="sm"/>
-                      <a:tailEnd type="none" w="sm" len="sm"/>
-                    </a:lnB>
-                    <a:solidFill>
-                      <a:srgbClr val="4A86E8"/>
-                    </a:solidFill>
-                  </a:tcPr>
-                </a:tc>
-                <a:tc>
-                  <a:txBody>
-                    <a:bodyPr/>
-                    <a:lstStyle/>
-                    <a:p>
-                      <a:pPr marL="0" lvl="0" indent="0">
-                        <a:spcBef>
-                          <a:spcPts val="0"/>
-                        </a:spcBef>
-                        <a:spcAft>
-                          <a:spcPts val="0"/>
-                        </a:spcAft>
-                        <a:buNone/>
-                      </a:pPr>
-                      <a:r>
-                        <a:rPr lang="en" sz="1200" b="1" dirty="0"/>
-                        <a:t>D. </a:t>
-                      </a:r>
-                      <a:r>
-                        <a:rPr lang="es-MX" sz="1200" b="1" dirty="0"/>
-                        <a:t>C</a:t>
-                      </a:r>
-                      <a:r>
-                        <a:rPr lang="en" sz="1200" b="1" dirty="0"/>
-                        <a:t>lases</a:t>
-                      </a:r>
-                    </a:p>
-                    <a:p>
-                      <a:pPr marL="0" lvl="0" indent="0">
-                        <a:spcBef>
-                          <a:spcPts val="0"/>
-                        </a:spcBef>
-                        <a:spcAft>
-                          <a:spcPts val="0"/>
-                        </a:spcAft>
-                        <a:buNone/>
-                      </a:pPr>
-                      <a:r>
-                        <a:rPr lang="en" sz="1200" b="1" dirty="0"/>
-                        <a:t>(1)</a:t>
-                      </a:r>
-                      <a:endParaRPr sz="1200" b="1" dirty="0"/>
-                    </a:p>
-                  </a:txBody>
-                  <a:tcPr marL="91425" marR="91425" marT="91425" marB="91425">
-                    <a:lnL w="9525" cap="flat" cmpd="sng">
-                      <a:solidFill>
-                        <a:srgbClr val="0000FF"/>
-                      </a:solidFill>
-                      <a:prstDash val="solid"/>
-                      <a:round/>
-                      <a:headEnd type="none" w="sm" len="sm"/>
-                      <a:tailEnd type="none" w="sm" len="sm"/>
-                    </a:lnL>
-                    <a:lnR w="9525" cap="flat" cmpd="sng">
-                      <a:solidFill>
-                        <a:srgbClr val="0000FF"/>
-                      </a:solidFill>
-                      <a:prstDash val="solid"/>
-                      <a:round/>
-                      <a:headEnd type="none" w="sm" len="sm"/>
-                      <a:tailEnd type="none" w="sm" len="sm"/>
-                    </a:lnR>
-                    <a:lnT w="9525" cap="flat" cmpd="sng">
-                      <a:solidFill>
-                        <a:srgbClr val="0000FF"/>
-                      </a:solidFill>
-                      <a:prstDash val="solid"/>
-                      <a:round/>
-                      <a:headEnd type="none" w="sm" len="sm"/>
-                      <a:tailEnd type="none" w="sm" len="sm"/>
-                    </a:lnT>
-                    <a:lnB w="9525" cap="flat" cmpd="sng">
-                      <a:solidFill>
-                        <a:srgbClr val="0000FF"/>
-                      </a:solidFill>
-                      <a:prstDash val="solid"/>
-                      <a:round/>
-                      <a:headEnd type="none" w="sm" len="sm"/>
-                      <a:tailEnd type="none" w="sm" len="sm"/>
-                    </a:lnB>
-                    <a:solidFill>
-                      <a:srgbClr val="4A86E8"/>
-                    </a:solidFill>
-                  </a:tcPr>
-                </a:tc>
-                <a:tc>
-                  <a:txBody>
-                    <a:bodyPr/>
-                    <a:lstStyle/>
-                    <a:p>
-                      <a:pPr marL="0" lvl="0" indent="0">
-                        <a:spcBef>
-                          <a:spcPts val="0"/>
-                        </a:spcBef>
-                        <a:spcAft>
-                          <a:spcPts val="0"/>
-                        </a:spcAft>
-                        <a:buNone/>
-                      </a:pPr>
-                      <a:r>
-                        <a:rPr lang="en" sz="1200" b="1" dirty="0"/>
-                        <a:t>Escenarios (1)</a:t>
-                      </a:r>
-                      <a:endParaRPr sz="1200" b="1" dirty="0"/>
-                    </a:p>
-                  </a:txBody>
-                  <a:tcPr marL="91425" marR="91425" marT="91425" marB="91425">
-                    <a:lnL w="9525" cap="flat" cmpd="sng">
-                      <a:solidFill>
-                        <a:srgbClr val="0000FF"/>
-                      </a:solidFill>
-                      <a:prstDash val="solid"/>
-                      <a:round/>
-                      <a:headEnd type="none" w="sm" len="sm"/>
-                      <a:tailEnd type="none" w="sm" len="sm"/>
-                    </a:lnL>
-                    <a:lnR w="9525" cap="flat" cmpd="sng">
-                      <a:solidFill>
-                        <a:srgbClr val="0000FF"/>
-                      </a:solidFill>
-                      <a:prstDash val="solid"/>
-                      <a:round/>
-                      <a:headEnd type="none" w="sm" len="sm"/>
-                      <a:tailEnd type="none" w="sm" len="sm"/>
-                    </a:lnR>
-                    <a:lnT w="9525" cap="flat" cmpd="sng">
-                      <a:solidFill>
-                        <a:srgbClr val="0000FF"/>
-                      </a:solidFill>
-                      <a:prstDash val="solid"/>
-                      <a:round/>
-                      <a:headEnd type="none" w="sm" len="sm"/>
-                      <a:tailEnd type="none" w="sm" len="sm"/>
-                    </a:lnT>
-                    <a:lnB w="9525" cap="flat" cmpd="sng">
-                      <a:solidFill>
-                        <a:srgbClr val="0000FF"/>
-                      </a:solidFill>
-                      <a:prstDash val="solid"/>
-                      <a:round/>
-                      <a:headEnd type="none" w="sm" len="sm"/>
-                      <a:tailEnd type="none" w="sm" len="sm"/>
-                    </a:lnB>
-                    <a:solidFill>
-                      <a:srgbClr val="4A86E8"/>
-                    </a:solidFill>
-                  </a:tcPr>
-                </a:tc>
-                <a:tc>
-                  <a:txBody>
-                    <a:bodyPr/>
-                    <a:lstStyle/>
-                    <a:p>
-                      <a:pPr marL="0" lvl="0" indent="0">
-                        <a:spcBef>
-                          <a:spcPts val="0"/>
-                        </a:spcBef>
-                        <a:spcAft>
-                          <a:spcPts val="0"/>
-                        </a:spcAft>
-                        <a:buNone/>
-                      </a:pPr>
-                      <a:r>
-                        <a:rPr lang="en" sz="1200" b="1" dirty="0"/>
-                        <a:t>Minutas</a:t>
-                      </a:r>
-                    </a:p>
-                    <a:p>
-                      <a:pPr marL="0" lvl="0" indent="0">
-                        <a:spcBef>
-                          <a:spcPts val="0"/>
-                        </a:spcBef>
-                        <a:spcAft>
-                          <a:spcPts val="0"/>
-                        </a:spcAft>
-                        <a:buNone/>
-                      </a:pPr>
-                      <a:r>
-                        <a:rPr lang="en" sz="1200" b="1" dirty="0"/>
-                        <a:t>(1)</a:t>
-                      </a:r>
-                      <a:endParaRPr sz="1200" b="1" dirty="0"/>
-                    </a:p>
-                  </a:txBody>
-                  <a:tcPr marL="91425" marR="91425" marT="91425" marB="91425">
-                    <a:lnL w="9525" cap="flat" cmpd="sng">
-                      <a:solidFill>
-                        <a:srgbClr val="0000FF"/>
-                      </a:solidFill>
-                      <a:prstDash val="solid"/>
-                      <a:round/>
-                      <a:headEnd type="none" w="sm" len="sm"/>
-                      <a:tailEnd type="none" w="sm" len="sm"/>
-                    </a:lnL>
-                    <a:lnR w="9525" cap="flat" cmpd="sng">
-                      <a:solidFill>
-                        <a:srgbClr val="0000FF"/>
-                      </a:solidFill>
-                      <a:prstDash val="solid"/>
-                      <a:round/>
-                      <a:headEnd type="none" w="sm" len="sm"/>
-                      <a:tailEnd type="none" w="sm" len="sm"/>
-                    </a:lnR>
-                    <a:lnT w="9525" cap="flat" cmpd="sng">
-                      <a:solidFill>
-                        <a:srgbClr val="0000FF"/>
-                      </a:solidFill>
-                      <a:prstDash val="solid"/>
-                      <a:round/>
-                      <a:headEnd type="none" w="sm" len="sm"/>
-                      <a:tailEnd type="none" w="sm" len="sm"/>
-                    </a:lnT>
-                    <a:lnB w="9525" cap="flat" cmpd="sng">
-                      <a:solidFill>
-                        <a:srgbClr val="0000FF"/>
-                      </a:solidFill>
-                      <a:prstDash val="solid"/>
-                      <a:round/>
-                      <a:headEnd type="none" w="sm" len="sm"/>
-                      <a:tailEnd type="none" w="sm" len="sm"/>
-                    </a:lnB>
-                    <a:solidFill>
-                      <a:srgbClr val="4A86E8"/>
-                    </a:solidFill>
-                  </a:tcPr>
-                </a:tc>
-                <a:tc>
-                  <a:txBody>
-                    <a:bodyPr/>
-                    <a:lstStyle/>
-                    <a:p>
-                      <a:pPr marL="0" lvl="0" indent="0">
-                        <a:spcBef>
-                          <a:spcPts val="0"/>
-                        </a:spcBef>
-                        <a:spcAft>
-                          <a:spcPts val="0"/>
-                        </a:spcAft>
-                        <a:buNone/>
-                      </a:pPr>
-                      <a:r>
-                        <a:rPr lang="en" sz="1200" b="1" dirty="0"/>
-                        <a:t>D. </a:t>
-                      </a:r>
-                      <a:r>
-                        <a:rPr lang="es-MX" sz="1200" b="1" dirty="0"/>
-                        <a:t>G</a:t>
-                      </a:r>
-                      <a:r>
-                        <a:rPr lang="en" sz="1200" b="1" dirty="0"/>
-                        <a:t>antt</a:t>
-                      </a:r>
-                    </a:p>
-                    <a:p>
-                      <a:pPr marL="0" lvl="0" indent="0">
-                        <a:spcBef>
-                          <a:spcPts val="0"/>
-                        </a:spcBef>
-                        <a:spcAft>
-                          <a:spcPts val="0"/>
-                        </a:spcAft>
-                        <a:buNone/>
-                      </a:pPr>
-                      <a:r>
-                        <a:rPr lang="en" sz="1200" b="1" dirty="0"/>
-                        <a:t>(1)</a:t>
-                      </a:r>
-                      <a:endParaRPr sz="1200" b="1" dirty="0"/>
-                    </a:p>
-                  </a:txBody>
-                  <a:tcPr marL="91425" marR="91425" marT="91425" marB="91425">
-                    <a:lnL w="9525" cap="flat" cmpd="sng">
-                      <a:solidFill>
-                        <a:srgbClr val="0000FF"/>
-                      </a:solidFill>
-                      <a:prstDash val="solid"/>
-                      <a:round/>
-                      <a:headEnd type="none" w="sm" len="sm"/>
-                      <a:tailEnd type="none" w="sm" len="sm"/>
-                    </a:lnL>
-                    <a:lnR w="9525" cap="flat" cmpd="sng">
-                      <a:solidFill>
-                        <a:srgbClr val="0000FF"/>
-                      </a:solidFill>
-                      <a:prstDash val="solid"/>
-                      <a:round/>
-                      <a:headEnd type="none" w="sm" len="sm"/>
-                      <a:tailEnd type="none" w="sm" len="sm"/>
-                    </a:lnR>
-                    <a:lnT w="9525" cap="flat" cmpd="sng">
-                      <a:solidFill>
-                        <a:srgbClr val="0000FF"/>
-                      </a:solidFill>
-                      <a:prstDash val="solid"/>
-                      <a:round/>
-                      <a:headEnd type="none" w="sm" len="sm"/>
-                      <a:tailEnd type="none" w="sm" len="sm"/>
-                    </a:lnT>
-                    <a:lnB w="9525" cap="flat" cmpd="sng">
-                      <a:solidFill>
-                        <a:srgbClr val="0000FF"/>
-                      </a:solidFill>
-                      <a:prstDash val="solid"/>
-                      <a:round/>
-                      <a:headEnd type="none" w="sm" len="sm"/>
-                      <a:tailEnd type="none" w="sm" len="sm"/>
-                    </a:lnB>
-                    <a:solidFill>
-                      <a:srgbClr val="4A86E8"/>
-                    </a:solidFill>
-                  </a:tcPr>
-                </a:tc>
-                <a:tc>
-                  <a:txBody>
-                    <a:bodyPr/>
-                    <a:lstStyle/>
-                    <a:p>
-                      <a:pPr marL="0" lvl="0" indent="0">
-                        <a:spcBef>
-                          <a:spcPts val="0"/>
-                        </a:spcBef>
-                        <a:spcAft>
-                          <a:spcPts val="0"/>
-                        </a:spcAft>
-                        <a:buNone/>
-                      </a:pPr>
-                      <a:r>
-                        <a:rPr lang="en" sz="1200" b="1" dirty="0"/>
-                        <a:t>Presentación (1)</a:t>
-                      </a:r>
-                      <a:endParaRPr sz="1200" b="1" dirty="0"/>
-                    </a:p>
-                  </a:txBody>
-                  <a:tcPr marL="91425" marR="91425" marT="91425" marB="91425">
-                    <a:lnL w="9525" cap="flat" cmpd="sng">
-                      <a:solidFill>
-                        <a:srgbClr val="0000FF"/>
-                      </a:solidFill>
-                      <a:prstDash val="solid"/>
-                      <a:round/>
-                      <a:headEnd type="none" w="sm" len="sm"/>
-                      <a:tailEnd type="none" w="sm" len="sm"/>
-                    </a:lnL>
-                    <a:lnR w="9525" cap="flat" cmpd="sng" algn="ctr">
-                      <a:solidFill>
-                        <a:srgbClr val="0000FF"/>
-                      </a:solidFill>
-                      <a:prstDash val="solid"/>
-                      <a:round/>
-                      <a:headEnd type="none" w="sm" len="sm"/>
-                      <a:tailEnd type="none" w="sm" len="sm"/>
-                    </a:lnR>
-                    <a:lnT w="9525" cap="flat" cmpd="sng">
-                      <a:solidFill>
-                        <a:srgbClr val="0000FF"/>
-                      </a:solidFill>
-                      <a:prstDash val="solid"/>
-                      <a:round/>
-                      <a:headEnd type="none" w="sm" len="sm"/>
-                      <a:tailEnd type="none" w="sm" len="sm"/>
-                    </a:lnT>
-                    <a:lnB w="9525" cap="flat" cmpd="sng">
-                      <a:solidFill>
-                        <a:srgbClr val="0000FF"/>
-                      </a:solidFill>
-                      <a:prstDash val="solid"/>
-                      <a:round/>
-                      <a:headEnd type="none" w="sm" len="sm"/>
-                      <a:tailEnd type="none" w="sm" len="sm"/>
-                    </a:lnB>
-                    <a:solidFill>
-                      <a:srgbClr val="4A86E8"/>
-                    </a:solidFill>
-                  </a:tcPr>
-                </a:tc>
-                <a:tc>
-                  <a:txBody>
-                    <a:bodyPr/>
-                    <a:lstStyle/>
-                    <a:p>
-                      <a:pPr marL="0" lvl="0" indent="0">
-                        <a:spcBef>
-                          <a:spcPts val="0"/>
-                        </a:spcBef>
-                        <a:spcAft>
-                          <a:spcPts val="0"/>
-                        </a:spcAft>
-                        <a:buNone/>
-                      </a:pPr>
-                      <a:r>
-                        <a:rPr lang="es-MX" sz="1200" b="1" dirty="0"/>
-                        <a:t>Codificación(1)</a:t>
-                      </a:r>
-                      <a:endParaRPr sz="1200" b="1" dirty="0"/>
-                    </a:p>
-                  </a:txBody>
-                  <a:tcPr marL="91425" marR="91425" marT="91425" marB="91425">
-                    <a:lnL w="9525" cap="flat" cmpd="sng" algn="ctr">
-                      <a:solidFill>
-                        <a:srgbClr val="0000FF"/>
-                      </a:solidFill>
-                      <a:prstDash val="solid"/>
-                      <a:round/>
-                      <a:headEnd type="none" w="sm" len="sm"/>
-                      <a:tailEnd type="none" w="sm" len="sm"/>
-                    </a:lnL>
-                    <a:lnR w="9525" cap="flat" cmpd="sng" algn="ctr">
-                      <a:solidFill>
-                        <a:srgbClr val="0000FF"/>
-                      </a:solidFill>
-                      <a:prstDash val="solid"/>
-                      <a:round/>
-                      <a:headEnd type="none" w="sm" len="sm"/>
-                      <a:tailEnd type="none" w="sm" len="sm"/>
-                    </a:lnR>
-                    <a:lnT w="9525" cap="flat" cmpd="sng">
-                      <a:solidFill>
-                        <a:srgbClr val="0000FF"/>
-                      </a:solidFill>
-                      <a:prstDash val="solid"/>
-                      <a:round/>
-                      <a:headEnd type="none" w="sm" len="sm"/>
-                      <a:tailEnd type="none" w="sm" len="sm"/>
-                    </a:lnT>
-                    <a:lnB w="9525" cap="flat" cmpd="sng" algn="ctr">
-                      <a:solidFill>
-                        <a:srgbClr val="0000FF"/>
-                      </a:solidFill>
-                      <a:prstDash val="solid"/>
-                      <a:round/>
-                      <a:headEnd type="none" w="sm" len="sm"/>
-                      <a:tailEnd type="none" w="sm" len="sm"/>
-                    </a:lnB>
-                    <a:solidFill>
-                      <a:srgbClr val="4A86E8"/>
-                    </a:solidFill>
-                  </a:tcPr>
-                </a:tc>
-                <a:tc>
-                  <a:txBody>
-                    <a:bodyPr/>
-                    <a:lstStyle/>
-                    <a:p>
-                      <a:pPr marL="0" lvl="0" indent="0">
-                        <a:spcBef>
-                          <a:spcPts val="0"/>
-                        </a:spcBef>
-                        <a:spcAft>
-                          <a:spcPts val="0"/>
-                        </a:spcAft>
-                        <a:buNone/>
-                      </a:pPr>
-                      <a:r>
-                        <a:rPr lang="es-MX" sz="1200" b="1" dirty="0"/>
-                        <a:t>Desempeño</a:t>
-                      </a:r>
-                      <a:endParaRPr sz="1200" b="1" dirty="0"/>
-                    </a:p>
-                  </a:txBody>
-                  <a:tcPr marL="91425" marR="91425" marT="91425" marB="91425">
-                    <a:lnL w="9525" cap="flat" cmpd="sng">
-                      <a:solidFill>
-                        <a:srgbClr val="0000FF"/>
-                      </a:solidFill>
-                      <a:prstDash val="solid"/>
-                      <a:round/>
-                      <a:headEnd type="none" w="sm" len="sm"/>
-                      <a:tailEnd type="none" w="sm" len="sm"/>
-                    </a:lnL>
-                    <a:lnR w="9525" cap="flat" cmpd="sng">
-                      <a:solidFill>
-                        <a:srgbClr val="0000FF"/>
-                      </a:solidFill>
-                      <a:prstDash val="solid"/>
-                      <a:round/>
-                      <a:headEnd type="none" w="sm" len="sm"/>
-                      <a:tailEnd type="none" w="sm" len="sm"/>
-                    </a:lnR>
-                    <a:lnT w="9525" cap="flat" cmpd="sng">
-                      <a:solidFill>
-                        <a:srgbClr val="0000FF"/>
-                      </a:solidFill>
-                      <a:prstDash val="solid"/>
-                      <a:round/>
-                      <a:headEnd type="none" w="sm" len="sm"/>
-                      <a:tailEnd type="none" w="sm" len="sm"/>
-                    </a:lnT>
-                    <a:lnB w="9525" cap="flat" cmpd="sng" algn="ctr">
-                      <a:solidFill>
-                        <a:srgbClr val="0000FF"/>
-                      </a:solidFill>
-                      <a:prstDash val="solid"/>
-                      <a:round/>
-                      <a:headEnd type="none" w="sm" len="sm"/>
-                      <a:tailEnd type="none" w="sm" len="sm"/>
-                    </a:lnB>
-                    <a:solidFill>
-                      <a:srgbClr val="4A86E8"/>
-                    </a:solidFill>
-                  </a:tcPr>
-                </a:tc>
-                <a:extLst>
-                  <a:ext uri="{0D108BD9-81ED-4DB2-BD59-A6C34878D82A}">
-                    <a16:rowId xmlns:a16="http://schemas.microsoft.com/office/drawing/2014/main" val="10000"/>
-                  </a:ext>
-                </a:extLst>
-              </a:tr>
-              <a:tr h="522674">
-                <a:tc>
-                  <a:txBody>
-                    <a:bodyPr/>
-                    <a:lstStyle/>
-                    <a:p>
-                      <a:pPr marL="0" lvl="0" indent="0" rtl="0">
-                        <a:spcBef>
-                          <a:spcPts val="0"/>
-                        </a:spcBef>
-                        <a:spcAft>
-                          <a:spcPts val="0"/>
-                        </a:spcAft>
-                        <a:buNone/>
-                      </a:pPr>
-                      <a:r>
-                        <a:rPr lang="en" sz="1200"/>
-                        <a:t>Martin Alpuche</a:t>
-                      </a:r>
-                      <a:endParaRPr sz="1200"/>
-                    </a:p>
-                  </a:txBody>
-                  <a:tcPr marL="91425" marR="91425" marT="91425" marB="91425">
-                    <a:lnL w="9525" cap="flat" cmpd="sng">
-                      <a:solidFill>
-                        <a:srgbClr val="0000FF"/>
-                      </a:solidFill>
-                      <a:prstDash val="solid"/>
-                      <a:round/>
-                      <a:headEnd type="none" w="sm" len="sm"/>
-                      <a:tailEnd type="none" w="sm" len="sm"/>
-                    </a:lnL>
-                    <a:lnR w="9525" cap="flat" cmpd="sng">
-                      <a:solidFill>
-                        <a:srgbClr val="0000FF"/>
-                      </a:solidFill>
-                      <a:prstDash val="solid"/>
-                      <a:round/>
-                      <a:headEnd type="none" w="sm" len="sm"/>
-                      <a:tailEnd type="none" w="sm" len="sm"/>
-                    </a:lnR>
-                    <a:lnT w="9525" cap="flat" cmpd="sng">
-                      <a:solidFill>
-                        <a:srgbClr val="0000FF"/>
-                      </a:solidFill>
-                      <a:prstDash val="solid"/>
-                      <a:round/>
-                      <a:headEnd type="none" w="sm" len="sm"/>
-                      <a:tailEnd type="none" w="sm" len="sm"/>
-                    </a:lnT>
-                    <a:lnB w="9525" cap="flat" cmpd="sng">
-                      <a:solidFill>
-                        <a:srgbClr val="0000FF"/>
-                      </a:solidFill>
-                      <a:prstDash val="solid"/>
-                      <a:round/>
-                      <a:headEnd type="none" w="sm" len="sm"/>
-                      <a:tailEnd type="none" w="sm" len="sm"/>
-                    </a:lnB>
-                    <a:solidFill>
-                      <a:srgbClr val="DD7E6B"/>
-                    </a:solidFill>
-                  </a:tcPr>
-                </a:tc>
-                <a:tc>
-                  <a:txBody>
-                    <a:bodyPr/>
-                    <a:lstStyle/>
-                    <a:p>
-                      <a:pPr marL="0" lvl="0" indent="0">
-                        <a:spcBef>
-                          <a:spcPts val="0"/>
-                        </a:spcBef>
-                        <a:spcAft>
-                          <a:spcPts val="0"/>
-                        </a:spcAft>
-                        <a:buNone/>
-                      </a:pPr>
-                      <a:r>
-                        <a:rPr lang="en" sz="1200"/>
-                        <a:t>%100</a:t>
-                      </a:r>
-                      <a:endParaRPr sz="1200"/>
-                    </a:p>
-                  </a:txBody>
-                  <a:tcPr marL="91425" marR="91425" marT="91425" marB="91425">
-                    <a:lnL w="9525" cap="flat" cmpd="sng">
-                      <a:solidFill>
-                        <a:srgbClr val="0000FF"/>
-                      </a:solidFill>
-                      <a:prstDash val="solid"/>
-                      <a:round/>
-                      <a:headEnd type="none" w="sm" len="sm"/>
-                      <a:tailEnd type="none" w="sm" len="sm"/>
-                    </a:lnL>
-                    <a:lnR w="9525" cap="flat" cmpd="sng">
-                      <a:solidFill>
-                        <a:srgbClr val="0000FF"/>
-                      </a:solidFill>
-                      <a:prstDash val="solid"/>
-                      <a:round/>
-                      <a:headEnd type="none" w="sm" len="sm"/>
-                      <a:tailEnd type="none" w="sm" len="sm"/>
-                    </a:lnR>
-                    <a:lnT w="9525" cap="flat" cmpd="sng">
-                      <a:solidFill>
-                        <a:srgbClr val="0000FF"/>
-                      </a:solidFill>
-                      <a:prstDash val="solid"/>
-                      <a:round/>
-                      <a:headEnd type="none" w="sm" len="sm"/>
-                      <a:tailEnd type="none" w="sm" len="sm"/>
-                    </a:lnT>
-                    <a:lnB w="9525" cap="flat" cmpd="sng">
-                      <a:solidFill>
-                        <a:srgbClr val="0000FF"/>
-                      </a:solidFill>
-                      <a:prstDash val="solid"/>
-                      <a:round/>
-                      <a:headEnd type="none" w="sm" len="sm"/>
-                      <a:tailEnd type="none" w="sm" len="sm"/>
-                    </a:lnB>
-                    <a:solidFill>
-                      <a:srgbClr val="FFF2CC"/>
-                    </a:solidFill>
-                  </a:tcPr>
-                </a:tc>
-                <a:tc>
-                  <a:txBody>
-                    <a:bodyPr/>
-                    <a:lstStyle/>
-                    <a:p>
-                      <a:pPr marL="0" lvl="0" indent="0">
-                        <a:spcBef>
-                          <a:spcPts val="0"/>
-                        </a:spcBef>
-                        <a:spcAft>
-                          <a:spcPts val="0"/>
-                        </a:spcAft>
-                        <a:buClr>
-                          <a:schemeClr val="dk1"/>
-                        </a:buClr>
-                        <a:buSzPts val="1100"/>
-                        <a:buFont typeface="Arial"/>
-                        <a:buNone/>
-                      </a:pPr>
-                      <a:r>
-                        <a:rPr lang="en" sz="1200" dirty="0">
-                          <a:solidFill>
-                            <a:schemeClr val="dk1"/>
-                          </a:solidFill>
-                        </a:rPr>
-                        <a:t>%30</a:t>
-                      </a:r>
-                      <a:endParaRPr sz="1200" dirty="0"/>
-                    </a:p>
-                  </a:txBody>
-                  <a:tcPr marL="91425" marR="91425" marT="91425" marB="91425">
-                    <a:lnL w="9525" cap="flat" cmpd="sng">
-                      <a:solidFill>
-                        <a:srgbClr val="0000FF"/>
-                      </a:solidFill>
-                      <a:prstDash val="solid"/>
-                      <a:round/>
-                      <a:headEnd type="none" w="sm" len="sm"/>
-                      <a:tailEnd type="none" w="sm" len="sm"/>
-                    </a:lnL>
-                    <a:lnR w="9525" cap="flat" cmpd="sng">
-                      <a:solidFill>
-                        <a:srgbClr val="0000FF"/>
-                      </a:solidFill>
-                      <a:prstDash val="solid"/>
-                      <a:round/>
-                      <a:headEnd type="none" w="sm" len="sm"/>
-                      <a:tailEnd type="none" w="sm" len="sm"/>
-                    </a:lnR>
-                    <a:lnT w="9525" cap="flat" cmpd="sng">
-                      <a:solidFill>
-                        <a:srgbClr val="0000FF"/>
-                      </a:solidFill>
-                      <a:prstDash val="solid"/>
-                      <a:round/>
-                      <a:headEnd type="none" w="sm" len="sm"/>
-                      <a:tailEnd type="none" w="sm" len="sm"/>
-                    </a:lnT>
-                    <a:lnB w="9525" cap="flat" cmpd="sng">
-                      <a:solidFill>
-                        <a:srgbClr val="0000FF"/>
-                      </a:solidFill>
-                      <a:prstDash val="solid"/>
-                      <a:round/>
-                      <a:headEnd type="none" w="sm" len="sm"/>
-                      <a:tailEnd type="none" w="sm" len="sm"/>
-                    </a:lnB>
-                    <a:solidFill>
-                      <a:srgbClr val="FFF2CC"/>
-                    </a:solidFill>
-                  </a:tcPr>
-                </a:tc>
-                <a:tc>
-                  <a:txBody>
-                    <a:bodyPr/>
-                    <a:lstStyle/>
-                    <a:p>
-                      <a:pPr marL="0" lvl="0" indent="0" rtl="0">
-                        <a:spcBef>
-                          <a:spcPts val="0"/>
-                        </a:spcBef>
-                        <a:spcAft>
-                          <a:spcPts val="0"/>
-                        </a:spcAft>
-                        <a:buClr>
-                          <a:schemeClr val="dk1"/>
-                        </a:buClr>
-                        <a:buSzPts val="1100"/>
-                        <a:buFont typeface="Arial"/>
-                        <a:buNone/>
-                      </a:pPr>
-                      <a:r>
-                        <a:rPr lang="en" sz="1200" dirty="0">
-                          <a:solidFill>
-                            <a:schemeClr val="dk1"/>
-                          </a:solidFill>
-                        </a:rPr>
-                        <a:t>%15</a:t>
-                      </a:r>
-                      <a:endParaRPr sz="1200" dirty="0"/>
-                    </a:p>
-                  </a:txBody>
-                  <a:tcPr marL="91425" marR="91425" marT="91425" marB="91425">
-                    <a:lnL w="9525" cap="flat" cmpd="sng">
-                      <a:solidFill>
-                        <a:srgbClr val="0000FF"/>
-                      </a:solidFill>
-                      <a:prstDash val="solid"/>
-                      <a:round/>
-                      <a:headEnd type="none" w="sm" len="sm"/>
-                      <a:tailEnd type="none" w="sm" len="sm"/>
-                    </a:lnL>
-                    <a:lnR w="9525" cap="flat" cmpd="sng">
-                      <a:solidFill>
-                        <a:srgbClr val="0000FF"/>
-                      </a:solidFill>
-                      <a:prstDash val="solid"/>
-                      <a:round/>
-                      <a:headEnd type="none" w="sm" len="sm"/>
-                      <a:tailEnd type="none" w="sm" len="sm"/>
-                    </a:lnR>
-                    <a:lnT w="9525" cap="flat" cmpd="sng">
-                      <a:solidFill>
-                        <a:srgbClr val="0000FF"/>
-                      </a:solidFill>
-                      <a:prstDash val="solid"/>
-                      <a:round/>
-                      <a:headEnd type="none" w="sm" len="sm"/>
-                      <a:tailEnd type="none" w="sm" len="sm"/>
-                    </a:lnT>
-                    <a:lnB w="9525" cap="flat" cmpd="sng">
-                      <a:solidFill>
-                        <a:srgbClr val="0000FF"/>
-                      </a:solidFill>
-                      <a:prstDash val="solid"/>
-                      <a:round/>
-                      <a:headEnd type="none" w="sm" len="sm"/>
-                      <a:tailEnd type="none" w="sm" len="sm"/>
-                    </a:lnB>
-                    <a:solidFill>
-                      <a:srgbClr val="FFF2CC"/>
-                    </a:solidFill>
-                  </a:tcPr>
-                </a:tc>
-                <a:tc>
-                  <a:txBody>
-                    <a:bodyPr/>
-                    <a:lstStyle/>
-                    <a:p>
-                      <a:pPr marL="0" lvl="0" indent="0">
-                        <a:spcBef>
-                          <a:spcPts val="0"/>
-                        </a:spcBef>
-                        <a:spcAft>
-                          <a:spcPts val="0"/>
-                        </a:spcAft>
-                        <a:buClr>
-                          <a:schemeClr val="dk1"/>
-                        </a:buClr>
-                        <a:buSzPts val="1100"/>
-                        <a:buFont typeface="Arial"/>
-                        <a:buNone/>
-                      </a:pPr>
-                      <a:r>
-                        <a:rPr lang="en" sz="1200" dirty="0">
-                          <a:solidFill>
-                            <a:schemeClr val="dk1"/>
-                          </a:solidFill>
-                        </a:rPr>
-                        <a:t>%10</a:t>
-                      </a:r>
-                      <a:endParaRPr sz="1200" dirty="0"/>
-                    </a:p>
-                  </a:txBody>
-                  <a:tcPr marL="91425" marR="91425" marT="91425" marB="91425">
-                    <a:lnL w="9525" cap="flat" cmpd="sng">
-                      <a:solidFill>
-                        <a:srgbClr val="0000FF"/>
-                      </a:solidFill>
-                      <a:prstDash val="solid"/>
-                      <a:round/>
-                      <a:headEnd type="none" w="sm" len="sm"/>
-                      <a:tailEnd type="none" w="sm" len="sm"/>
-                    </a:lnL>
-                    <a:lnR w="9525" cap="flat" cmpd="sng">
-                      <a:solidFill>
-                        <a:srgbClr val="0000FF"/>
-                      </a:solidFill>
-                      <a:prstDash val="solid"/>
-                      <a:round/>
-                      <a:headEnd type="none" w="sm" len="sm"/>
-                      <a:tailEnd type="none" w="sm" len="sm"/>
-                    </a:lnR>
-                    <a:lnT w="9525" cap="flat" cmpd="sng">
-                      <a:solidFill>
-                        <a:srgbClr val="0000FF"/>
-                      </a:solidFill>
-                      <a:prstDash val="solid"/>
-                      <a:round/>
-                      <a:headEnd type="none" w="sm" len="sm"/>
-                      <a:tailEnd type="none" w="sm" len="sm"/>
-                    </a:lnT>
-                    <a:lnB w="9525" cap="flat" cmpd="sng">
-                      <a:solidFill>
-                        <a:srgbClr val="0000FF"/>
-                      </a:solidFill>
-                      <a:prstDash val="solid"/>
-                      <a:round/>
-                      <a:headEnd type="none" w="sm" len="sm"/>
-                      <a:tailEnd type="none" w="sm" len="sm"/>
-                    </a:lnB>
-                    <a:solidFill>
-                      <a:srgbClr val="FFF2CC"/>
-                    </a:solidFill>
-                  </a:tcPr>
-                </a:tc>
-                <a:tc>
-                  <a:txBody>
-                    <a:bodyPr/>
-                    <a:lstStyle/>
-                    <a:p>
-                      <a:pPr marL="0" lvl="0" indent="0">
-                        <a:spcBef>
-                          <a:spcPts val="0"/>
-                        </a:spcBef>
-                        <a:spcAft>
-                          <a:spcPts val="0"/>
-                        </a:spcAft>
-                        <a:buClr>
-                          <a:schemeClr val="dk1"/>
-                        </a:buClr>
-                        <a:buSzPts val="1100"/>
-                        <a:buFont typeface="Arial"/>
-                        <a:buNone/>
-                      </a:pPr>
-                      <a:r>
-                        <a:rPr lang="en" sz="1200" dirty="0">
-                          <a:solidFill>
-                            <a:schemeClr val="dk1"/>
-                          </a:solidFill>
-                        </a:rPr>
-                        <a:t>%0</a:t>
-                      </a:r>
-                      <a:endParaRPr sz="1200" dirty="0"/>
-                    </a:p>
-                  </a:txBody>
-                  <a:tcPr marL="91425" marR="91425" marT="91425" marB="91425">
-                    <a:lnL w="9525" cap="flat" cmpd="sng">
-                      <a:solidFill>
-                        <a:srgbClr val="0000FF"/>
-                      </a:solidFill>
-                      <a:prstDash val="solid"/>
-                      <a:round/>
-                      <a:headEnd type="none" w="sm" len="sm"/>
-                      <a:tailEnd type="none" w="sm" len="sm"/>
-                    </a:lnL>
-                    <a:lnR w="9525" cap="flat" cmpd="sng">
-                      <a:solidFill>
-                        <a:srgbClr val="0000FF"/>
-                      </a:solidFill>
-                      <a:prstDash val="solid"/>
-                      <a:round/>
-                      <a:headEnd type="none" w="sm" len="sm"/>
-                      <a:tailEnd type="none" w="sm" len="sm"/>
-                    </a:lnR>
-                    <a:lnT w="9525" cap="flat" cmpd="sng">
-                      <a:solidFill>
-                        <a:srgbClr val="0000FF"/>
-                      </a:solidFill>
-                      <a:prstDash val="solid"/>
-                      <a:round/>
-                      <a:headEnd type="none" w="sm" len="sm"/>
-                      <a:tailEnd type="none" w="sm" len="sm"/>
-                    </a:lnT>
-                    <a:lnB w="9525" cap="flat" cmpd="sng">
-                      <a:solidFill>
-                        <a:srgbClr val="0000FF"/>
-                      </a:solidFill>
-                      <a:prstDash val="solid"/>
-                      <a:round/>
-                      <a:headEnd type="none" w="sm" len="sm"/>
-                      <a:tailEnd type="none" w="sm" len="sm"/>
-                    </a:lnB>
-                    <a:solidFill>
-                      <a:srgbClr val="FFF2CC"/>
-                    </a:solidFill>
-                  </a:tcPr>
-                </a:tc>
-                <a:tc>
-                  <a:txBody>
-                    <a:bodyPr/>
-                    <a:lstStyle/>
-                    <a:p>
-                      <a:pPr marL="0" lvl="0" indent="0">
-                        <a:spcBef>
-                          <a:spcPts val="0"/>
-                        </a:spcBef>
-                        <a:spcAft>
-                          <a:spcPts val="0"/>
-                        </a:spcAft>
-                        <a:buClr>
-                          <a:schemeClr val="dk1"/>
-                        </a:buClr>
-                        <a:buSzPts val="1100"/>
-                        <a:buFont typeface="Arial"/>
-                        <a:buNone/>
-                      </a:pPr>
-                      <a:r>
-                        <a:rPr lang="en" sz="1200" dirty="0">
-                          <a:solidFill>
-                            <a:schemeClr val="dk1"/>
-                          </a:solidFill>
-                        </a:rPr>
-                        <a:t>%0</a:t>
-                      </a:r>
-                      <a:endParaRPr sz="1200" dirty="0"/>
-                    </a:p>
-                  </a:txBody>
-                  <a:tcPr marL="91425" marR="91425" marT="91425" marB="91425">
-                    <a:lnL w="9525" cap="flat" cmpd="sng">
-                      <a:solidFill>
-                        <a:srgbClr val="0000FF"/>
-                      </a:solidFill>
-                      <a:prstDash val="solid"/>
-                      <a:round/>
-                      <a:headEnd type="none" w="sm" len="sm"/>
-                      <a:tailEnd type="none" w="sm" len="sm"/>
-                    </a:lnL>
-                    <a:lnR w="9525" cap="flat" cmpd="sng">
-                      <a:solidFill>
-                        <a:srgbClr val="0000FF"/>
-                      </a:solidFill>
-                      <a:prstDash val="solid"/>
-                      <a:round/>
-                      <a:headEnd type="none" w="sm" len="sm"/>
-                      <a:tailEnd type="none" w="sm" len="sm"/>
-                    </a:lnR>
-                    <a:lnT w="9525" cap="flat" cmpd="sng">
-                      <a:solidFill>
-                        <a:srgbClr val="0000FF"/>
-                      </a:solidFill>
-                      <a:prstDash val="solid"/>
-                      <a:round/>
-                      <a:headEnd type="none" w="sm" len="sm"/>
-                      <a:tailEnd type="none" w="sm" len="sm"/>
-                    </a:lnT>
-                    <a:lnB w="9525" cap="flat" cmpd="sng">
-                      <a:solidFill>
-                        <a:srgbClr val="0000FF"/>
-                      </a:solidFill>
-                      <a:prstDash val="solid"/>
-                      <a:round/>
-                      <a:headEnd type="none" w="sm" len="sm"/>
-                      <a:tailEnd type="none" w="sm" len="sm"/>
-                    </a:lnB>
-                    <a:solidFill>
-                      <a:srgbClr val="FFF2CC"/>
-                    </a:solidFill>
-                  </a:tcPr>
-                </a:tc>
-                <a:tc>
-                  <a:txBody>
-                    <a:bodyPr/>
-                    <a:lstStyle/>
-                    <a:p>
-                      <a:pPr marL="0" lvl="0" indent="0">
-                        <a:spcBef>
-                          <a:spcPts val="0"/>
-                        </a:spcBef>
-                        <a:spcAft>
-                          <a:spcPts val="0"/>
-                        </a:spcAft>
-                        <a:buClr>
-                          <a:schemeClr val="dk1"/>
-                        </a:buClr>
-                        <a:buSzPts val="1100"/>
-                        <a:buFont typeface="Arial"/>
-                        <a:buNone/>
-                      </a:pPr>
-                      <a:r>
-                        <a:rPr lang="en" sz="1200" dirty="0">
-                          <a:solidFill>
-                            <a:schemeClr val="dk1"/>
-                          </a:solidFill>
-                        </a:rPr>
-                        <a:t>%50</a:t>
-                      </a:r>
-                      <a:endParaRPr sz="1200" dirty="0"/>
-                    </a:p>
-                  </a:txBody>
-                  <a:tcPr marL="91425" marR="91425" marT="91425" marB="91425">
-                    <a:lnL w="9525" cap="flat" cmpd="sng">
-                      <a:solidFill>
-                        <a:srgbClr val="0000FF"/>
-                      </a:solidFill>
-                      <a:prstDash val="solid"/>
-                      <a:round/>
-                      <a:headEnd type="none" w="sm" len="sm"/>
-                      <a:tailEnd type="none" w="sm" len="sm"/>
-                    </a:lnL>
-                    <a:lnR w="9525" cap="flat" cmpd="sng" algn="ctr">
-                      <a:solidFill>
-                        <a:srgbClr val="0000FF"/>
-                      </a:solidFill>
-                      <a:prstDash val="solid"/>
-                      <a:round/>
-                      <a:headEnd type="none" w="sm" len="sm"/>
-                      <a:tailEnd type="none" w="sm" len="sm"/>
-                    </a:lnR>
-                    <a:lnT w="9525" cap="flat" cmpd="sng">
-                      <a:solidFill>
-                        <a:srgbClr val="0000FF"/>
-                      </a:solidFill>
-                      <a:prstDash val="solid"/>
-                      <a:round/>
-                      <a:headEnd type="none" w="sm" len="sm"/>
-                      <a:tailEnd type="none" w="sm" len="sm"/>
-                    </a:lnT>
-                    <a:lnB w="9525" cap="flat" cmpd="sng">
-                      <a:solidFill>
-                        <a:srgbClr val="0000FF"/>
-                      </a:solidFill>
-                      <a:prstDash val="solid"/>
-                      <a:round/>
-                      <a:headEnd type="none" w="sm" len="sm"/>
-                      <a:tailEnd type="none" w="sm" len="sm"/>
-                    </a:lnB>
-                    <a:solidFill>
-                      <a:srgbClr val="FFF2CC"/>
-                    </a:solidFill>
-                  </a:tcPr>
-                </a:tc>
-                <a:tc>
-                  <a:txBody>
-                    <a:bodyPr/>
-                    <a:lstStyle/>
-                    <a:p>
-                      <a:pPr marL="0" marR="0" lvl="0" indent="0" algn="l" defTabSz="914400" rtl="0" eaLnBrk="1" fontAlgn="auto" latinLnBrk="0" hangingPunct="1">
-                        <a:lnSpc>
-                          <a:spcPct val="100000"/>
-                        </a:lnSpc>
-                        <a:spcBef>
-                          <a:spcPts val="0"/>
-                        </a:spcBef>
-                        <a:spcAft>
-                          <a:spcPts val="0"/>
-                        </a:spcAft>
-                        <a:buClr>
-                          <a:schemeClr val="dk1"/>
-                        </a:buClr>
-                        <a:buSzPts val="1100"/>
-                        <a:buFont typeface="Arial"/>
-                        <a:buNone/>
-                        <a:tabLst/>
-                        <a:defRPr/>
-                      </a:pPr>
-                      <a:r>
-                        <a:rPr lang="es-MX" sz="1200" dirty="0"/>
-                        <a:t>%0</a:t>
-                      </a:r>
-                    </a:p>
-                    <a:p>
-                      <a:pPr marL="0" lvl="0" indent="0">
-                        <a:spcBef>
-                          <a:spcPts val="0"/>
-                        </a:spcBef>
-                        <a:spcAft>
-                          <a:spcPts val="0"/>
-                        </a:spcAft>
-                        <a:buClr>
-                          <a:schemeClr val="dk1"/>
-                        </a:buClr>
-                        <a:buSzPts val="1100"/>
-                        <a:buFont typeface="Arial"/>
-                        <a:buNone/>
-                      </a:pPr>
-                      <a:endParaRPr sz="1200" dirty="0"/>
-                    </a:p>
-                  </a:txBody>
-                  <a:tcPr marL="91425" marR="91425" marT="91425" marB="91425">
-                    <a:lnL w="9525" cap="flat" cmpd="sng" algn="ctr">
-                      <a:solidFill>
-                        <a:srgbClr val="0000FF"/>
-                      </a:solidFill>
-                      <a:prstDash val="solid"/>
-                      <a:round/>
-                      <a:headEnd type="none" w="sm" len="sm"/>
-                      <a:tailEnd type="none" w="sm" len="sm"/>
-                    </a:lnL>
-                    <a:lnR w="9525" cap="flat" cmpd="sng" algn="ctr">
-                      <a:solidFill>
-                        <a:srgbClr val="0000FF"/>
-                      </a:solidFill>
-                      <a:prstDash val="solid"/>
-                      <a:round/>
-                      <a:headEnd type="none" w="sm" len="sm"/>
-                      <a:tailEnd type="none" w="sm" len="sm"/>
-                    </a:lnR>
-                    <a:lnT w="9525" cap="flat" cmpd="sng" algn="ctr">
-                      <a:solidFill>
-                        <a:srgbClr val="0000FF"/>
-                      </a:solidFill>
-                      <a:prstDash val="solid"/>
-                      <a:round/>
-                      <a:headEnd type="none" w="sm" len="sm"/>
-                      <a:tailEnd type="none" w="sm" len="sm"/>
-                    </a:lnT>
-                    <a:lnB w="9525" cap="flat" cmpd="sng" algn="ctr">
-                      <a:solidFill>
-                        <a:srgbClr val="0000FF"/>
-                      </a:solidFill>
-                      <a:prstDash val="solid"/>
-                      <a:round/>
-                      <a:headEnd type="none" w="sm" len="sm"/>
-                      <a:tailEnd type="none" w="sm" len="sm"/>
-                    </a:lnB>
-                    <a:solidFill>
-                      <a:srgbClr val="FFF2CC"/>
-                    </a:solidFill>
-                  </a:tcPr>
-                </a:tc>
-                <a:tc>
-                  <a:txBody>
-                    <a:bodyPr/>
-                    <a:lstStyle/>
-                    <a:p>
-                      <a:pPr marL="0" lvl="0" indent="0">
-                        <a:spcBef>
-                          <a:spcPts val="0"/>
-                        </a:spcBef>
-                        <a:spcAft>
-                          <a:spcPts val="0"/>
-                        </a:spcAft>
-                        <a:buClr>
-                          <a:schemeClr val="dk1"/>
-                        </a:buClr>
-                        <a:buSzPts val="1100"/>
-                        <a:buFont typeface="Arial"/>
-                        <a:buNone/>
-                      </a:pPr>
-                      <a:r>
-                        <a:rPr lang="es-MX" sz="1200" dirty="0"/>
-                        <a:t>105 Bueno</a:t>
-                      </a:r>
-                      <a:endParaRPr sz="1200" dirty="0"/>
-                    </a:p>
-                  </a:txBody>
-                  <a:tcPr marL="91425" marR="91425" marT="91425" marB="91425">
-                    <a:lnL w="9525" cap="flat" cmpd="sng">
-                      <a:solidFill>
-                        <a:srgbClr val="0000FF"/>
-                      </a:solidFill>
-                      <a:prstDash val="solid"/>
-                      <a:round/>
-                      <a:headEnd type="none" w="sm" len="sm"/>
-                      <a:tailEnd type="none" w="sm" len="sm"/>
-                    </a:lnL>
-                    <a:lnR w="9525" cap="flat" cmpd="sng">
-                      <a:solidFill>
-                        <a:srgbClr val="0000FF"/>
-                      </a:solidFill>
-                      <a:prstDash val="solid"/>
-                      <a:round/>
-                      <a:headEnd type="none" w="sm" len="sm"/>
-                      <a:tailEnd type="none" w="sm" len="sm"/>
-                    </a:lnR>
-                    <a:lnT w="9525" cap="flat" cmpd="sng" algn="ctr">
-                      <a:solidFill>
-                        <a:srgbClr val="0000FF"/>
-                      </a:solidFill>
-                      <a:prstDash val="solid"/>
-                      <a:round/>
-                      <a:headEnd type="none" w="sm" len="sm"/>
-                      <a:tailEnd type="none" w="sm" len="sm"/>
-                    </a:lnT>
-                    <a:lnB w="9525" cap="flat" cmpd="sng" algn="ctr">
-                      <a:solidFill>
-                        <a:srgbClr val="0000FF"/>
-                      </a:solidFill>
-                      <a:prstDash val="solid"/>
-                      <a:round/>
-                      <a:headEnd type="none" w="sm" len="sm"/>
-                      <a:tailEnd type="none" w="sm" len="sm"/>
-                    </a:lnB>
-                    <a:solidFill>
-                      <a:srgbClr val="FFF2CC"/>
-                    </a:solidFill>
-                  </a:tcPr>
-                </a:tc>
-                <a:extLst>
-                  <a:ext uri="{0D108BD9-81ED-4DB2-BD59-A6C34878D82A}">
-                    <a16:rowId xmlns:a16="http://schemas.microsoft.com/office/drawing/2014/main" val="10001"/>
-                  </a:ext>
-                </a:extLst>
-              </a:tr>
-              <a:tr h="522674">
-                <a:tc>
-                  <a:txBody>
-                    <a:bodyPr/>
-                    <a:lstStyle/>
-                    <a:p>
-                      <a:pPr marL="0" lvl="0" indent="0" rtl="0">
-                        <a:spcBef>
-                          <a:spcPts val="0"/>
-                        </a:spcBef>
-                        <a:spcAft>
-                          <a:spcPts val="0"/>
-                        </a:spcAft>
-                        <a:buNone/>
-                      </a:pPr>
-                      <a:r>
-                        <a:rPr lang="en" sz="1200"/>
-                        <a:t>Ulises Ancona</a:t>
-                      </a:r>
-                      <a:endParaRPr sz="1200"/>
-                    </a:p>
-                  </a:txBody>
-                  <a:tcPr marL="91425" marR="91425" marT="91425" marB="91425">
-                    <a:lnL w="9525" cap="flat" cmpd="sng">
-                      <a:solidFill>
-                        <a:srgbClr val="0000FF"/>
-                      </a:solidFill>
-                      <a:prstDash val="solid"/>
-                      <a:round/>
-                      <a:headEnd type="none" w="sm" len="sm"/>
-                      <a:tailEnd type="none" w="sm" len="sm"/>
-                    </a:lnL>
-                    <a:lnR w="9525" cap="flat" cmpd="sng">
-                      <a:solidFill>
-                        <a:srgbClr val="0000FF"/>
-                      </a:solidFill>
-                      <a:prstDash val="solid"/>
-                      <a:round/>
-                      <a:headEnd type="none" w="sm" len="sm"/>
-                      <a:tailEnd type="none" w="sm" len="sm"/>
-                    </a:lnR>
-                    <a:lnT w="9525" cap="flat" cmpd="sng">
-                      <a:solidFill>
-                        <a:srgbClr val="0000FF"/>
-                      </a:solidFill>
-                      <a:prstDash val="solid"/>
-                      <a:round/>
-                      <a:headEnd type="none" w="sm" len="sm"/>
-                      <a:tailEnd type="none" w="sm" len="sm"/>
-                    </a:lnT>
-                    <a:lnB w="9525" cap="flat" cmpd="sng">
-                      <a:solidFill>
-                        <a:srgbClr val="0000FF"/>
-                      </a:solidFill>
-                      <a:prstDash val="solid"/>
-                      <a:round/>
-                      <a:headEnd type="none" w="sm" len="sm"/>
-                      <a:tailEnd type="none" w="sm" len="sm"/>
-                    </a:lnB>
-                    <a:solidFill>
-                      <a:srgbClr val="DD7E6B"/>
-                    </a:solidFill>
-                  </a:tcPr>
-                </a:tc>
-                <a:tc>
-                  <a:txBody>
-                    <a:bodyPr/>
-                    <a:lstStyle/>
-                    <a:p>
-                      <a:pPr marL="0" lvl="0" indent="0">
-                        <a:spcBef>
-                          <a:spcPts val="0"/>
-                        </a:spcBef>
-                        <a:spcAft>
-                          <a:spcPts val="0"/>
-                        </a:spcAft>
-                        <a:buClr>
-                          <a:schemeClr val="dk1"/>
-                        </a:buClr>
-                        <a:buSzPts val="1100"/>
-                        <a:buFont typeface="Arial"/>
-                        <a:buNone/>
-                      </a:pPr>
-                      <a:r>
-                        <a:rPr lang="en" sz="1200" dirty="0">
-                          <a:solidFill>
-                            <a:schemeClr val="dk1"/>
-                          </a:solidFill>
-                        </a:rPr>
-                        <a:t>%100</a:t>
-                      </a:r>
-                      <a:endParaRPr sz="1200" dirty="0"/>
-                    </a:p>
-                  </a:txBody>
-                  <a:tcPr marL="91425" marR="91425" marT="91425" marB="91425">
-                    <a:lnL w="9525" cap="flat" cmpd="sng">
-                      <a:solidFill>
-                        <a:srgbClr val="0000FF"/>
-                      </a:solidFill>
-                      <a:prstDash val="solid"/>
-                      <a:round/>
-                      <a:headEnd type="none" w="sm" len="sm"/>
-                      <a:tailEnd type="none" w="sm" len="sm"/>
-                    </a:lnL>
-                    <a:lnR w="9525" cap="flat" cmpd="sng">
-                      <a:solidFill>
-                        <a:srgbClr val="0000FF"/>
-                      </a:solidFill>
-                      <a:prstDash val="solid"/>
-                      <a:round/>
-                      <a:headEnd type="none" w="sm" len="sm"/>
-                      <a:tailEnd type="none" w="sm" len="sm"/>
-                    </a:lnR>
-                    <a:lnT w="9525" cap="flat" cmpd="sng">
-                      <a:solidFill>
-                        <a:srgbClr val="0000FF"/>
-                      </a:solidFill>
-                      <a:prstDash val="solid"/>
-                      <a:round/>
-                      <a:headEnd type="none" w="sm" len="sm"/>
-                      <a:tailEnd type="none" w="sm" len="sm"/>
-                    </a:lnT>
-                    <a:lnB w="9525" cap="flat" cmpd="sng">
-                      <a:solidFill>
-                        <a:srgbClr val="0000FF"/>
-                      </a:solidFill>
-                      <a:prstDash val="solid"/>
-                      <a:round/>
-                      <a:headEnd type="none" w="sm" len="sm"/>
-                      <a:tailEnd type="none" w="sm" len="sm"/>
-                    </a:lnB>
-                    <a:solidFill>
-                      <a:srgbClr val="FFF2CC"/>
-                    </a:solidFill>
-                  </a:tcPr>
-                </a:tc>
-                <a:tc>
-                  <a:txBody>
-                    <a:bodyPr/>
-                    <a:lstStyle/>
-                    <a:p>
-                      <a:pPr marL="0" lvl="0" indent="0">
-                        <a:spcBef>
-                          <a:spcPts val="0"/>
-                        </a:spcBef>
-                        <a:spcAft>
-                          <a:spcPts val="0"/>
-                        </a:spcAft>
-                        <a:buClr>
-                          <a:schemeClr val="dk1"/>
-                        </a:buClr>
-                        <a:buSzPts val="1100"/>
-                        <a:buFont typeface="Arial"/>
-                        <a:buNone/>
-                      </a:pPr>
-                      <a:r>
-                        <a:rPr lang="en" sz="1200" dirty="0">
-                          <a:solidFill>
-                            <a:schemeClr val="dk1"/>
-                          </a:solidFill>
-                        </a:rPr>
-                        <a:t>%15</a:t>
-                      </a:r>
-                      <a:endParaRPr sz="1200" dirty="0"/>
-                    </a:p>
-                  </a:txBody>
-                  <a:tcPr marL="91425" marR="91425" marT="91425" marB="91425">
-                    <a:lnL w="9525" cap="flat" cmpd="sng">
-                      <a:solidFill>
-                        <a:srgbClr val="0000FF"/>
-                      </a:solidFill>
-                      <a:prstDash val="solid"/>
-                      <a:round/>
-                      <a:headEnd type="none" w="sm" len="sm"/>
-                      <a:tailEnd type="none" w="sm" len="sm"/>
-                    </a:lnL>
-                    <a:lnR w="9525" cap="flat" cmpd="sng">
-                      <a:solidFill>
-                        <a:srgbClr val="0000FF"/>
-                      </a:solidFill>
-                      <a:prstDash val="solid"/>
-                      <a:round/>
-                      <a:headEnd type="none" w="sm" len="sm"/>
-                      <a:tailEnd type="none" w="sm" len="sm"/>
-                    </a:lnR>
-                    <a:lnT w="9525" cap="flat" cmpd="sng">
-                      <a:solidFill>
-                        <a:srgbClr val="0000FF"/>
-                      </a:solidFill>
-                      <a:prstDash val="solid"/>
-                      <a:round/>
-                      <a:headEnd type="none" w="sm" len="sm"/>
-                      <a:tailEnd type="none" w="sm" len="sm"/>
-                    </a:lnT>
-                    <a:lnB w="9525" cap="flat" cmpd="sng">
-                      <a:solidFill>
-                        <a:srgbClr val="0000FF"/>
-                      </a:solidFill>
-                      <a:prstDash val="solid"/>
-                      <a:round/>
-                      <a:headEnd type="none" w="sm" len="sm"/>
-                      <a:tailEnd type="none" w="sm" len="sm"/>
-                    </a:lnB>
-                    <a:solidFill>
-                      <a:srgbClr val="FFF2CC"/>
-                    </a:solidFill>
-                  </a:tcPr>
-                </a:tc>
-                <a:tc>
-                  <a:txBody>
-                    <a:bodyPr/>
-                    <a:lstStyle/>
-                    <a:p>
-                      <a:pPr marL="0" lvl="0" indent="0">
-                        <a:spcBef>
-                          <a:spcPts val="0"/>
-                        </a:spcBef>
-                        <a:spcAft>
-                          <a:spcPts val="0"/>
-                        </a:spcAft>
-                        <a:buClr>
-                          <a:schemeClr val="dk1"/>
-                        </a:buClr>
-                        <a:buSzPts val="1100"/>
-                        <a:buFont typeface="Arial"/>
-                        <a:buNone/>
-                      </a:pPr>
-                      <a:r>
-                        <a:rPr lang="en" sz="1200" dirty="0">
-                          <a:solidFill>
-                            <a:schemeClr val="dk1"/>
-                          </a:solidFill>
-                        </a:rPr>
-                        <a:t>%50</a:t>
-                      </a:r>
-                      <a:endParaRPr sz="1200" dirty="0"/>
-                    </a:p>
-                  </a:txBody>
-                  <a:tcPr marL="91425" marR="91425" marT="91425" marB="91425">
-                    <a:lnL w="9525" cap="flat" cmpd="sng">
-                      <a:solidFill>
-                        <a:srgbClr val="0000FF"/>
-                      </a:solidFill>
-                      <a:prstDash val="solid"/>
-                      <a:round/>
-                      <a:headEnd type="none" w="sm" len="sm"/>
-                      <a:tailEnd type="none" w="sm" len="sm"/>
-                    </a:lnL>
-                    <a:lnR w="9525" cap="flat" cmpd="sng">
-                      <a:solidFill>
-                        <a:srgbClr val="0000FF"/>
-                      </a:solidFill>
-                      <a:prstDash val="solid"/>
-                      <a:round/>
-                      <a:headEnd type="none" w="sm" len="sm"/>
-                      <a:tailEnd type="none" w="sm" len="sm"/>
-                    </a:lnR>
-                    <a:lnT w="9525" cap="flat" cmpd="sng">
-                      <a:solidFill>
-                        <a:srgbClr val="0000FF"/>
-                      </a:solidFill>
-                      <a:prstDash val="solid"/>
-                      <a:round/>
-                      <a:headEnd type="none" w="sm" len="sm"/>
-                      <a:tailEnd type="none" w="sm" len="sm"/>
-                    </a:lnT>
-                    <a:lnB w="9525" cap="flat" cmpd="sng">
-                      <a:solidFill>
-                        <a:srgbClr val="0000FF"/>
-                      </a:solidFill>
-                      <a:prstDash val="solid"/>
-                      <a:round/>
-                      <a:headEnd type="none" w="sm" len="sm"/>
-                      <a:tailEnd type="none" w="sm" len="sm"/>
-                    </a:lnB>
-                    <a:solidFill>
-                      <a:srgbClr val="FFF2CC"/>
-                    </a:solidFill>
-                  </a:tcPr>
-                </a:tc>
-                <a:tc>
-                  <a:txBody>
-                    <a:bodyPr/>
-                    <a:lstStyle/>
-                    <a:p>
-                      <a:pPr marL="0" lvl="0" indent="0" rtl="0">
-                        <a:spcBef>
-                          <a:spcPts val="0"/>
-                        </a:spcBef>
-                        <a:spcAft>
-                          <a:spcPts val="0"/>
-                        </a:spcAft>
-                        <a:buClr>
-                          <a:schemeClr val="dk1"/>
-                        </a:buClr>
-                        <a:buSzPts val="1100"/>
-                        <a:buFont typeface="Arial"/>
-                        <a:buNone/>
-                      </a:pPr>
-                      <a:r>
-                        <a:rPr lang="en" sz="1200" dirty="0">
-                          <a:solidFill>
-                            <a:schemeClr val="dk1"/>
-                          </a:solidFill>
-                        </a:rPr>
-                        <a:t>%0</a:t>
-                      </a:r>
-                      <a:endParaRPr sz="1200" dirty="0"/>
-                    </a:p>
-                  </a:txBody>
-                  <a:tcPr marL="91425" marR="91425" marT="91425" marB="91425">
-                    <a:lnL w="9525" cap="flat" cmpd="sng">
-                      <a:solidFill>
-                        <a:srgbClr val="0000FF"/>
-                      </a:solidFill>
-                      <a:prstDash val="solid"/>
-                      <a:round/>
-                      <a:headEnd type="none" w="sm" len="sm"/>
-                      <a:tailEnd type="none" w="sm" len="sm"/>
-                    </a:lnL>
-                    <a:lnR w="9525" cap="flat" cmpd="sng">
-                      <a:solidFill>
-                        <a:srgbClr val="0000FF"/>
-                      </a:solidFill>
-                      <a:prstDash val="solid"/>
-                      <a:round/>
-                      <a:headEnd type="none" w="sm" len="sm"/>
-                      <a:tailEnd type="none" w="sm" len="sm"/>
-                    </a:lnR>
-                    <a:lnT w="9525" cap="flat" cmpd="sng">
-                      <a:solidFill>
-                        <a:srgbClr val="0000FF"/>
-                      </a:solidFill>
-                      <a:prstDash val="solid"/>
-                      <a:round/>
-                      <a:headEnd type="none" w="sm" len="sm"/>
-                      <a:tailEnd type="none" w="sm" len="sm"/>
-                    </a:lnT>
-                    <a:lnB w="9525" cap="flat" cmpd="sng">
-                      <a:solidFill>
-                        <a:srgbClr val="0000FF"/>
-                      </a:solidFill>
-                      <a:prstDash val="solid"/>
-                      <a:round/>
-                      <a:headEnd type="none" w="sm" len="sm"/>
-                      <a:tailEnd type="none" w="sm" len="sm"/>
-                    </a:lnB>
-                    <a:solidFill>
-                      <a:srgbClr val="FFF2CC"/>
-                    </a:solidFill>
-                  </a:tcPr>
-                </a:tc>
-                <a:tc>
-                  <a:txBody>
-                    <a:bodyPr/>
-                    <a:lstStyle/>
-                    <a:p>
-                      <a:pPr marL="0" lvl="0" indent="0">
-                        <a:spcBef>
-                          <a:spcPts val="0"/>
-                        </a:spcBef>
-                        <a:spcAft>
-                          <a:spcPts val="0"/>
-                        </a:spcAft>
-                        <a:buClr>
-                          <a:schemeClr val="dk1"/>
-                        </a:buClr>
-                        <a:buSzPts val="1100"/>
-                        <a:buFont typeface="Arial"/>
-                        <a:buNone/>
-                      </a:pPr>
-                      <a:r>
-                        <a:rPr lang="en" sz="1200" dirty="0">
-                          <a:solidFill>
-                            <a:schemeClr val="dk1"/>
-                          </a:solidFill>
-                        </a:rPr>
-                        <a:t>%10</a:t>
-                      </a:r>
-                      <a:endParaRPr sz="1200" dirty="0"/>
-                    </a:p>
-                  </a:txBody>
-                  <a:tcPr marL="91425" marR="91425" marT="91425" marB="91425">
-                    <a:lnL w="9525" cap="flat" cmpd="sng">
-                      <a:solidFill>
-                        <a:srgbClr val="0000FF"/>
-                      </a:solidFill>
-                      <a:prstDash val="solid"/>
-                      <a:round/>
-                      <a:headEnd type="none" w="sm" len="sm"/>
-                      <a:tailEnd type="none" w="sm" len="sm"/>
-                    </a:lnL>
-                    <a:lnR w="9525" cap="flat" cmpd="sng">
-                      <a:solidFill>
-                        <a:srgbClr val="0000FF"/>
-                      </a:solidFill>
-                      <a:prstDash val="solid"/>
-                      <a:round/>
-                      <a:headEnd type="none" w="sm" len="sm"/>
-                      <a:tailEnd type="none" w="sm" len="sm"/>
-                    </a:lnR>
-                    <a:lnT w="9525" cap="flat" cmpd="sng">
-                      <a:solidFill>
-                        <a:srgbClr val="0000FF"/>
-                      </a:solidFill>
-                      <a:prstDash val="solid"/>
-                      <a:round/>
-                      <a:headEnd type="none" w="sm" len="sm"/>
-                      <a:tailEnd type="none" w="sm" len="sm"/>
-                    </a:lnT>
-                    <a:lnB w="9525" cap="flat" cmpd="sng">
-                      <a:solidFill>
-                        <a:srgbClr val="0000FF"/>
-                      </a:solidFill>
-                      <a:prstDash val="solid"/>
-                      <a:round/>
-                      <a:headEnd type="none" w="sm" len="sm"/>
-                      <a:tailEnd type="none" w="sm" len="sm"/>
-                    </a:lnB>
-                    <a:solidFill>
-                      <a:srgbClr val="FFF2CC"/>
-                    </a:solidFill>
-                  </a:tcPr>
-                </a:tc>
-                <a:tc>
-                  <a:txBody>
-                    <a:bodyPr/>
-                    <a:lstStyle/>
-                    <a:p>
-                      <a:pPr marL="0" lvl="0" indent="0">
-                        <a:spcBef>
-                          <a:spcPts val="0"/>
-                        </a:spcBef>
-                        <a:spcAft>
-                          <a:spcPts val="0"/>
-                        </a:spcAft>
-                        <a:buClr>
-                          <a:schemeClr val="dk1"/>
-                        </a:buClr>
-                        <a:buSzPts val="1100"/>
-                        <a:buFont typeface="Arial"/>
-                        <a:buNone/>
-                      </a:pPr>
-                      <a:r>
-                        <a:rPr lang="en" sz="1200" dirty="0">
-                          <a:solidFill>
-                            <a:schemeClr val="dk1"/>
-                          </a:solidFill>
-                        </a:rPr>
-                        <a:t>%40</a:t>
-                      </a:r>
-                      <a:endParaRPr sz="1200" dirty="0"/>
-                    </a:p>
-                  </a:txBody>
-                  <a:tcPr marL="91425" marR="91425" marT="91425" marB="91425">
-                    <a:lnL w="9525" cap="flat" cmpd="sng">
-                      <a:solidFill>
-                        <a:srgbClr val="0000FF"/>
-                      </a:solidFill>
-                      <a:prstDash val="solid"/>
-                      <a:round/>
-                      <a:headEnd type="none" w="sm" len="sm"/>
-                      <a:tailEnd type="none" w="sm" len="sm"/>
-                    </a:lnL>
-                    <a:lnR w="9525" cap="flat" cmpd="sng">
-                      <a:solidFill>
-                        <a:srgbClr val="0000FF"/>
-                      </a:solidFill>
-                      <a:prstDash val="solid"/>
-                      <a:round/>
-                      <a:headEnd type="none" w="sm" len="sm"/>
-                      <a:tailEnd type="none" w="sm" len="sm"/>
-                    </a:lnR>
-                    <a:lnT w="9525" cap="flat" cmpd="sng">
-                      <a:solidFill>
-                        <a:srgbClr val="0000FF"/>
-                      </a:solidFill>
-                      <a:prstDash val="solid"/>
-                      <a:round/>
-                      <a:headEnd type="none" w="sm" len="sm"/>
-                      <a:tailEnd type="none" w="sm" len="sm"/>
-                    </a:lnT>
-                    <a:lnB w="9525" cap="flat" cmpd="sng">
-                      <a:solidFill>
-                        <a:srgbClr val="0000FF"/>
-                      </a:solidFill>
-                      <a:prstDash val="solid"/>
-                      <a:round/>
-                      <a:headEnd type="none" w="sm" len="sm"/>
-                      <a:tailEnd type="none" w="sm" len="sm"/>
-                    </a:lnB>
-                    <a:solidFill>
-                      <a:srgbClr val="FFF2CC"/>
-                    </a:solidFill>
-                  </a:tcPr>
-                </a:tc>
-                <a:tc>
-                  <a:txBody>
-                    <a:bodyPr/>
-                    <a:lstStyle/>
-                    <a:p>
-                      <a:pPr marL="0" lvl="0" indent="0">
-                        <a:spcBef>
-                          <a:spcPts val="0"/>
-                        </a:spcBef>
-                        <a:spcAft>
-                          <a:spcPts val="0"/>
-                        </a:spcAft>
-                        <a:buClr>
-                          <a:schemeClr val="dk1"/>
-                        </a:buClr>
-                        <a:buSzPts val="1100"/>
-                        <a:buFont typeface="Arial"/>
-                        <a:buNone/>
-                      </a:pPr>
-                      <a:r>
-                        <a:rPr lang="en" sz="1200" dirty="0">
-                          <a:solidFill>
-                            <a:schemeClr val="dk1"/>
-                          </a:solidFill>
-                        </a:rPr>
-                        <a:t>%40</a:t>
-                      </a:r>
-                      <a:endParaRPr sz="1200" dirty="0"/>
-                    </a:p>
-                  </a:txBody>
-                  <a:tcPr marL="91425" marR="91425" marT="91425" marB="91425">
-                    <a:lnL w="9525" cap="flat" cmpd="sng">
-                      <a:solidFill>
-                        <a:srgbClr val="0000FF"/>
-                      </a:solidFill>
-                      <a:prstDash val="solid"/>
-                      <a:round/>
-                      <a:headEnd type="none" w="sm" len="sm"/>
-                      <a:tailEnd type="none" w="sm" len="sm"/>
-                    </a:lnL>
-                    <a:lnR w="9525" cap="flat" cmpd="sng" algn="ctr">
-                      <a:solidFill>
-                        <a:srgbClr val="0000FF"/>
-                      </a:solidFill>
-                      <a:prstDash val="solid"/>
-                      <a:round/>
-                      <a:headEnd type="none" w="sm" len="sm"/>
-                      <a:tailEnd type="none" w="sm" len="sm"/>
-                    </a:lnR>
-                    <a:lnT w="9525" cap="flat" cmpd="sng">
-                      <a:solidFill>
-                        <a:srgbClr val="0000FF"/>
-                      </a:solidFill>
-                      <a:prstDash val="solid"/>
-                      <a:round/>
-                      <a:headEnd type="none" w="sm" len="sm"/>
-                      <a:tailEnd type="none" w="sm" len="sm"/>
-                    </a:lnT>
-                    <a:lnB w="9525" cap="flat" cmpd="sng">
-                      <a:solidFill>
-                        <a:srgbClr val="0000FF"/>
-                      </a:solidFill>
-                      <a:prstDash val="solid"/>
-                      <a:round/>
-                      <a:headEnd type="none" w="sm" len="sm"/>
-                      <a:tailEnd type="none" w="sm" len="sm"/>
-                    </a:lnB>
-                    <a:solidFill>
-                      <a:srgbClr val="FFF2CC"/>
-                    </a:solidFill>
-                  </a:tcPr>
-                </a:tc>
-                <a:tc>
-                  <a:txBody>
-                    <a:bodyPr/>
-                    <a:lstStyle/>
-                    <a:p>
-                      <a:pPr marL="0" lvl="0" indent="0">
-                        <a:spcBef>
-                          <a:spcPts val="0"/>
-                        </a:spcBef>
-                        <a:spcAft>
-                          <a:spcPts val="0"/>
-                        </a:spcAft>
-                        <a:buClr>
-                          <a:schemeClr val="dk1"/>
-                        </a:buClr>
-                        <a:buSzPts val="1100"/>
-                        <a:buFont typeface="Arial"/>
-                        <a:buNone/>
-                      </a:pPr>
-                      <a:r>
-                        <a:rPr lang="es-MX" sz="1200" dirty="0"/>
-                        <a:t>%10</a:t>
-                      </a:r>
-                      <a:endParaRPr sz="1200" dirty="0"/>
-                    </a:p>
-                  </a:txBody>
-                  <a:tcPr marL="91425" marR="91425" marT="91425" marB="91425">
-                    <a:lnL w="9525" cap="flat" cmpd="sng" algn="ctr">
-                      <a:solidFill>
-                        <a:srgbClr val="0000FF"/>
-                      </a:solidFill>
-                      <a:prstDash val="solid"/>
-                      <a:round/>
-                      <a:headEnd type="none" w="sm" len="sm"/>
-                      <a:tailEnd type="none" w="sm" len="sm"/>
-                    </a:lnL>
-                    <a:lnR w="9525" cap="flat" cmpd="sng" algn="ctr">
-                      <a:solidFill>
-                        <a:srgbClr val="0000FF"/>
-                      </a:solidFill>
-                      <a:prstDash val="solid"/>
-                      <a:round/>
-                      <a:headEnd type="none" w="sm" len="sm"/>
-                      <a:tailEnd type="none" w="sm" len="sm"/>
-                    </a:lnR>
-                    <a:lnT w="9525" cap="flat" cmpd="sng" algn="ctr">
-                      <a:solidFill>
-                        <a:srgbClr val="0000FF"/>
-                      </a:solidFill>
-                      <a:prstDash val="solid"/>
-                      <a:round/>
-                      <a:headEnd type="none" w="sm" len="sm"/>
-                      <a:tailEnd type="none" w="sm" len="sm"/>
-                    </a:lnT>
-                    <a:lnB w="9525" cap="flat" cmpd="sng" algn="ctr">
-                      <a:solidFill>
-                        <a:srgbClr val="0000FF"/>
-                      </a:solidFill>
-                      <a:prstDash val="solid"/>
-                      <a:round/>
-                      <a:headEnd type="none" w="sm" len="sm"/>
-                      <a:tailEnd type="none" w="sm" len="sm"/>
-                    </a:lnB>
-                    <a:solidFill>
-                      <a:srgbClr val="FFF2CC"/>
-                    </a:solidFill>
-                  </a:tcPr>
-                </a:tc>
-                <a:tc>
-                  <a:txBody>
-                    <a:bodyPr/>
-                    <a:lstStyle/>
-                    <a:p>
-                      <a:pPr marL="0" lvl="0" indent="0">
-                        <a:spcBef>
-                          <a:spcPts val="0"/>
-                        </a:spcBef>
-                        <a:spcAft>
-                          <a:spcPts val="0"/>
-                        </a:spcAft>
-                        <a:buClr>
-                          <a:schemeClr val="dk1"/>
-                        </a:buClr>
-                        <a:buSzPts val="1100"/>
-                        <a:buFont typeface="Arial"/>
-                        <a:buNone/>
-                      </a:pPr>
-                      <a:r>
-                        <a:rPr lang="es-MX" sz="1200" dirty="0"/>
-                        <a:t>165 Excelente</a:t>
-                      </a:r>
-                      <a:endParaRPr sz="1200" dirty="0"/>
-                    </a:p>
-                  </a:txBody>
-                  <a:tcPr marL="91425" marR="91425" marT="91425" marB="91425">
-                    <a:lnL w="9525" cap="flat" cmpd="sng">
-                      <a:solidFill>
-                        <a:srgbClr val="0000FF"/>
-                      </a:solidFill>
-                      <a:prstDash val="solid"/>
-                      <a:round/>
-                      <a:headEnd type="none" w="sm" len="sm"/>
-                      <a:tailEnd type="none" w="sm" len="sm"/>
-                    </a:lnL>
-                    <a:lnR w="9525" cap="flat" cmpd="sng">
-                      <a:solidFill>
-                        <a:srgbClr val="0000FF"/>
-                      </a:solidFill>
-                      <a:prstDash val="solid"/>
-                      <a:round/>
-                      <a:headEnd type="none" w="sm" len="sm"/>
-                      <a:tailEnd type="none" w="sm" len="sm"/>
-                    </a:lnR>
-                    <a:lnT w="9525" cap="flat" cmpd="sng" algn="ctr">
-                      <a:solidFill>
-                        <a:srgbClr val="0000FF"/>
-                      </a:solidFill>
-                      <a:prstDash val="solid"/>
-                      <a:round/>
-                      <a:headEnd type="none" w="sm" len="sm"/>
-                      <a:tailEnd type="none" w="sm" len="sm"/>
-                    </a:lnT>
-                    <a:lnB w="9525" cap="flat" cmpd="sng" algn="ctr">
-                      <a:solidFill>
-                        <a:srgbClr val="0000FF"/>
-                      </a:solidFill>
-                      <a:prstDash val="solid"/>
-                      <a:round/>
-                      <a:headEnd type="none" w="sm" len="sm"/>
-                      <a:tailEnd type="none" w="sm" len="sm"/>
-                    </a:lnB>
-                    <a:solidFill>
-                      <a:srgbClr val="FFF2CC"/>
-                    </a:solidFill>
-                  </a:tcPr>
-                </a:tc>
-                <a:extLst>
-                  <a:ext uri="{0D108BD9-81ED-4DB2-BD59-A6C34878D82A}">
-                    <a16:rowId xmlns:a16="http://schemas.microsoft.com/office/drawing/2014/main" val="10002"/>
-                  </a:ext>
-                </a:extLst>
-              </a:tr>
-              <a:tr h="522674">
-                <a:tc>
-                  <a:txBody>
-                    <a:bodyPr/>
-                    <a:lstStyle/>
-                    <a:p>
-                      <a:pPr marL="0" lvl="0" indent="0" rtl="0">
-                        <a:spcBef>
-                          <a:spcPts val="0"/>
-                        </a:spcBef>
-                        <a:spcAft>
-                          <a:spcPts val="0"/>
-                        </a:spcAft>
-                        <a:buNone/>
-                      </a:pPr>
-                      <a:r>
-                        <a:rPr lang="en" sz="1200"/>
-                        <a:t>Emmanuel Azcorra</a:t>
-                      </a:r>
-                      <a:endParaRPr sz="1200"/>
-                    </a:p>
-                  </a:txBody>
-                  <a:tcPr marL="91425" marR="91425" marT="91425" marB="91425">
-                    <a:lnL w="9525" cap="flat" cmpd="sng">
-                      <a:solidFill>
-                        <a:srgbClr val="0000FF"/>
-                      </a:solidFill>
-                      <a:prstDash val="solid"/>
-                      <a:round/>
-                      <a:headEnd type="none" w="sm" len="sm"/>
-                      <a:tailEnd type="none" w="sm" len="sm"/>
-                    </a:lnL>
-                    <a:lnR w="9525" cap="flat" cmpd="sng">
-                      <a:solidFill>
-                        <a:srgbClr val="0000FF"/>
-                      </a:solidFill>
-                      <a:prstDash val="solid"/>
-                      <a:round/>
-                      <a:headEnd type="none" w="sm" len="sm"/>
-                      <a:tailEnd type="none" w="sm" len="sm"/>
-                    </a:lnR>
-                    <a:lnT w="9525" cap="flat" cmpd="sng">
-                      <a:solidFill>
-                        <a:srgbClr val="0000FF"/>
-                      </a:solidFill>
-                      <a:prstDash val="solid"/>
-                      <a:round/>
-                      <a:headEnd type="none" w="sm" len="sm"/>
-                      <a:tailEnd type="none" w="sm" len="sm"/>
-                    </a:lnT>
-                    <a:lnB w="9525" cap="flat" cmpd="sng">
-                      <a:solidFill>
-                        <a:srgbClr val="0000FF"/>
-                      </a:solidFill>
-                      <a:prstDash val="solid"/>
-                      <a:round/>
-                      <a:headEnd type="none" w="sm" len="sm"/>
-                      <a:tailEnd type="none" w="sm" len="sm"/>
-                    </a:lnB>
-                    <a:solidFill>
-                      <a:srgbClr val="DD7E6B"/>
-                    </a:solidFill>
-                  </a:tcPr>
-                </a:tc>
-                <a:tc>
-                  <a:txBody>
-                    <a:bodyPr/>
-                    <a:lstStyle/>
-                    <a:p>
-                      <a:pPr marL="0" lvl="0" indent="0">
-                        <a:spcBef>
-                          <a:spcPts val="0"/>
-                        </a:spcBef>
-                        <a:spcAft>
-                          <a:spcPts val="0"/>
-                        </a:spcAft>
-                        <a:buClr>
-                          <a:schemeClr val="dk1"/>
-                        </a:buClr>
-                        <a:buSzPts val="1100"/>
-                        <a:buFont typeface="Arial"/>
-                        <a:buNone/>
-                      </a:pPr>
-                      <a:r>
-                        <a:rPr lang="en" sz="1200" dirty="0">
-                          <a:solidFill>
-                            <a:schemeClr val="dk1"/>
-                          </a:solidFill>
-                        </a:rPr>
-                        <a:t>%100</a:t>
-                      </a:r>
-                      <a:endParaRPr sz="1200" dirty="0"/>
-                    </a:p>
-                  </a:txBody>
-                  <a:tcPr marL="91425" marR="91425" marT="91425" marB="91425">
-                    <a:lnL w="9525" cap="flat" cmpd="sng">
-                      <a:solidFill>
-                        <a:srgbClr val="0000FF"/>
-                      </a:solidFill>
-                      <a:prstDash val="solid"/>
-                      <a:round/>
-                      <a:headEnd type="none" w="sm" len="sm"/>
-                      <a:tailEnd type="none" w="sm" len="sm"/>
-                    </a:lnL>
-                    <a:lnR w="9525" cap="flat" cmpd="sng">
-                      <a:solidFill>
-                        <a:srgbClr val="0000FF"/>
-                      </a:solidFill>
-                      <a:prstDash val="solid"/>
-                      <a:round/>
-                      <a:headEnd type="none" w="sm" len="sm"/>
-                      <a:tailEnd type="none" w="sm" len="sm"/>
-                    </a:lnR>
-                    <a:lnT w="9525" cap="flat" cmpd="sng">
-                      <a:solidFill>
-                        <a:srgbClr val="0000FF"/>
-                      </a:solidFill>
-                      <a:prstDash val="solid"/>
-                      <a:round/>
-                      <a:headEnd type="none" w="sm" len="sm"/>
-                      <a:tailEnd type="none" w="sm" len="sm"/>
-                    </a:lnT>
-                    <a:lnB w="9525" cap="flat" cmpd="sng">
-                      <a:solidFill>
-                        <a:srgbClr val="0000FF"/>
-                      </a:solidFill>
-                      <a:prstDash val="solid"/>
-                      <a:round/>
-                      <a:headEnd type="none" w="sm" len="sm"/>
-                      <a:tailEnd type="none" w="sm" len="sm"/>
-                    </a:lnB>
-                    <a:solidFill>
-                      <a:srgbClr val="FFF2CC"/>
-                    </a:solidFill>
-                  </a:tcPr>
-                </a:tc>
-                <a:tc>
-                  <a:txBody>
-                    <a:bodyPr/>
-                    <a:lstStyle/>
-                    <a:p>
-                      <a:pPr marL="0" lvl="0" indent="0">
-                        <a:spcBef>
-                          <a:spcPts val="0"/>
-                        </a:spcBef>
-                        <a:spcAft>
-                          <a:spcPts val="0"/>
-                        </a:spcAft>
-                        <a:buClr>
-                          <a:schemeClr val="dk1"/>
-                        </a:buClr>
-                        <a:buSzPts val="1100"/>
-                        <a:buFont typeface="Arial"/>
-                        <a:buNone/>
-                      </a:pPr>
-                      <a:r>
-                        <a:rPr lang="en" sz="1200" dirty="0">
-                          <a:solidFill>
-                            <a:schemeClr val="dk1"/>
-                          </a:solidFill>
-                        </a:rPr>
-                        <a:t>%0</a:t>
-                      </a:r>
-                      <a:endParaRPr sz="1200" dirty="0"/>
-                    </a:p>
-                  </a:txBody>
-                  <a:tcPr marL="91425" marR="91425" marT="91425" marB="91425">
-                    <a:lnL w="9525" cap="flat" cmpd="sng">
-                      <a:solidFill>
-                        <a:srgbClr val="0000FF"/>
-                      </a:solidFill>
-                      <a:prstDash val="solid"/>
-                      <a:round/>
-                      <a:headEnd type="none" w="sm" len="sm"/>
-                      <a:tailEnd type="none" w="sm" len="sm"/>
-                    </a:lnL>
-                    <a:lnR w="9525" cap="flat" cmpd="sng">
-                      <a:solidFill>
-                        <a:srgbClr val="0000FF"/>
-                      </a:solidFill>
-                      <a:prstDash val="solid"/>
-                      <a:round/>
-                      <a:headEnd type="none" w="sm" len="sm"/>
-                      <a:tailEnd type="none" w="sm" len="sm"/>
-                    </a:lnR>
-                    <a:lnT w="9525" cap="flat" cmpd="sng">
-                      <a:solidFill>
-                        <a:srgbClr val="0000FF"/>
-                      </a:solidFill>
-                      <a:prstDash val="solid"/>
-                      <a:round/>
-                      <a:headEnd type="none" w="sm" len="sm"/>
-                      <a:tailEnd type="none" w="sm" len="sm"/>
-                    </a:lnT>
-                    <a:lnB w="9525" cap="flat" cmpd="sng">
-                      <a:solidFill>
-                        <a:srgbClr val="0000FF"/>
-                      </a:solidFill>
-                      <a:prstDash val="solid"/>
-                      <a:round/>
-                      <a:headEnd type="none" w="sm" len="sm"/>
-                      <a:tailEnd type="none" w="sm" len="sm"/>
-                    </a:lnB>
-                    <a:solidFill>
-                      <a:srgbClr val="FFF2CC"/>
-                    </a:solidFill>
-                  </a:tcPr>
-                </a:tc>
-                <a:tc>
-                  <a:txBody>
-                    <a:bodyPr/>
-                    <a:lstStyle/>
-                    <a:p>
-                      <a:pPr marL="0" lvl="0" indent="0" rtl="0">
-                        <a:spcBef>
-                          <a:spcPts val="0"/>
-                        </a:spcBef>
-                        <a:spcAft>
-                          <a:spcPts val="0"/>
-                        </a:spcAft>
-                        <a:buClr>
-                          <a:schemeClr val="dk1"/>
-                        </a:buClr>
-                        <a:buSzPts val="1100"/>
-                        <a:buFont typeface="Arial"/>
-                        <a:buNone/>
-                      </a:pPr>
-                      <a:r>
-                        <a:rPr lang="en" sz="1200" dirty="0">
-                          <a:solidFill>
-                            <a:schemeClr val="dk1"/>
-                          </a:solidFill>
-                        </a:rPr>
-                        <a:t>%0</a:t>
-                      </a:r>
-                      <a:endParaRPr sz="1200" dirty="0"/>
-                    </a:p>
-                  </a:txBody>
-                  <a:tcPr marL="91425" marR="91425" marT="91425" marB="91425">
-                    <a:lnL w="9525" cap="flat" cmpd="sng">
-                      <a:solidFill>
-                        <a:srgbClr val="0000FF"/>
-                      </a:solidFill>
-                      <a:prstDash val="solid"/>
-                      <a:round/>
-                      <a:headEnd type="none" w="sm" len="sm"/>
-                      <a:tailEnd type="none" w="sm" len="sm"/>
-                    </a:lnL>
-                    <a:lnR w="9525" cap="flat" cmpd="sng">
-                      <a:solidFill>
-                        <a:srgbClr val="0000FF"/>
-                      </a:solidFill>
-                      <a:prstDash val="solid"/>
-                      <a:round/>
-                      <a:headEnd type="none" w="sm" len="sm"/>
-                      <a:tailEnd type="none" w="sm" len="sm"/>
-                    </a:lnR>
-                    <a:lnT w="9525" cap="flat" cmpd="sng">
-                      <a:solidFill>
-                        <a:srgbClr val="0000FF"/>
-                      </a:solidFill>
-                      <a:prstDash val="solid"/>
-                      <a:round/>
-                      <a:headEnd type="none" w="sm" len="sm"/>
-                      <a:tailEnd type="none" w="sm" len="sm"/>
-                    </a:lnT>
-                    <a:lnB w="9525" cap="flat" cmpd="sng">
-                      <a:solidFill>
-                        <a:srgbClr val="0000FF"/>
-                      </a:solidFill>
-                      <a:prstDash val="solid"/>
-                      <a:round/>
-                      <a:headEnd type="none" w="sm" len="sm"/>
-                      <a:tailEnd type="none" w="sm" len="sm"/>
-                    </a:lnB>
-                    <a:solidFill>
-                      <a:srgbClr val="FFF2CC"/>
-                    </a:solidFill>
-                  </a:tcPr>
-                </a:tc>
-                <a:tc>
-                  <a:txBody>
-                    <a:bodyPr/>
-                    <a:lstStyle/>
-                    <a:p>
-                      <a:pPr marL="0" lvl="0" indent="0">
-                        <a:spcBef>
-                          <a:spcPts val="0"/>
-                        </a:spcBef>
-                        <a:spcAft>
-                          <a:spcPts val="0"/>
-                        </a:spcAft>
-                        <a:buClr>
-                          <a:schemeClr val="dk1"/>
-                        </a:buClr>
-                        <a:buSzPts val="1100"/>
-                        <a:buFont typeface="Arial"/>
-                        <a:buNone/>
-                      </a:pPr>
-                      <a:r>
-                        <a:rPr lang="en" sz="1200" dirty="0">
-                          <a:solidFill>
-                            <a:schemeClr val="dk1"/>
-                          </a:solidFill>
-                        </a:rPr>
-                        <a:t>%0</a:t>
-                      </a:r>
-                      <a:endParaRPr sz="1200" dirty="0"/>
-                    </a:p>
-                  </a:txBody>
-                  <a:tcPr marL="91425" marR="91425" marT="91425" marB="91425">
-                    <a:lnL w="9525" cap="flat" cmpd="sng">
-                      <a:solidFill>
-                        <a:srgbClr val="0000FF"/>
-                      </a:solidFill>
-                      <a:prstDash val="solid"/>
-                      <a:round/>
-                      <a:headEnd type="none" w="sm" len="sm"/>
-                      <a:tailEnd type="none" w="sm" len="sm"/>
-                    </a:lnL>
-                    <a:lnR w="9525" cap="flat" cmpd="sng">
-                      <a:solidFill>
-                        <a:srgbClr val="0000FF"/>
-                      </a:solidFill>
-                      <a:prstDash val="solid"/>
-                      <a:round/>
-                      <a:headEnd type="none" w="sm" len="sm"/>
-                      <a:tailEnd type="none" w="sm" len="sm"/>
-                    </a:lnR>
-                    <a:lnT w="9525" cap="flat" cmpd="sng">
-                      <a:solidFill>
-                        <a:srgbClr val="0000FF"/>
-                      </a:solidFill>
-                      <a:prstDash val="solid"/>
-                      <a:round/>
-                      <a:headEnd type="none" w="sm" len="sm"/>
-                      <a:tailEnd type="none" w="sm" len="sm"/>
-                    </a:lnT>
-                    <a:lnB w="9525" cap="flat" cmpd="sng">
-                      <a:solidFill>
-                        <a:srgbClr val="0000FF"/>
-                      </a:solidFill>
-                      <a:prstDash val="solid"/>
-                      <a:round/>
-                      <a:headEnd type="none" w="sm" len="sm"/>
-                      <a:tailEnd type="none" w="sm" len="sm"/>
-                    </a:lnB>
-                    <a:solidFill>
-                      <a:srgbClr val="FFF2CC"/>
-                    </a:solidFill>
-                  </a:tcPr>
-                </a:tc>
-                <a:tc>
-                  <a:txBody>
-                    <a:bodyPr/>
-                    <a:lstStyle/>
-                    <a:p>
-                      <a:pPr marL="0" lvl="0" indent="0">
-                        <a:spcBef>
-                          <a:spcPts val="0"/>
-                        </a:spcBef>
-                        <a:spcAft>
-                          <a:spcPts val="0"/>
-                        </a:spcAft>
-                        <a:buClr>
-                          <a:schemeClr val="dk1"/>
-                        </a:buClr>
-                        <a:buSzPts val="1100"/>
-                        <a:buFont typeface="Arial"/>
-                        <a:buNone/>
-                      </a:pPr>
-                      <a:r>
-                        <a:rPr lang="en" sz="1200" dirty="0">
-                          <a:solidFill>
-                            <a:schemeClr val="dk1"/>
-                          </a:solidFill>
-                        </a:rPr>
-                        <a:t>%90</a:t>
-                      </a:r>
-                      <a:endParaRPr sz="1200" dirty="0"/>
-                    </a:p>
-                  </a:txBody>
-                  <a:tcPr marL="91425" marR="91425" marT="91425" marB="91425">
-                    <a:lnL w="9525" cap="flat" cmpd="sng">
-                      <a:solidFill>
-                        <a:srgbClr val="0000FF"/>
-                      </a:solidFill>
-                      <a:prstDash val="solid"/>
-                      <a:round/>
-                      <a:headEnd type="none" w="sm" len="sm"/>
-                      <a:tailEnd type="none" w="sm" len="sm"/>
-                    </a:lnL>
-                    <a:lnR w="9525" cap="flat" cmpd="sng">
-                      <a:solidFill>
-                        <a:srgbClr val="0000FF"/>
-                      </a:solidFill>
-                      <a:prstDash val="solid"/>
-                      <a:round/>
-                      <a:headEnd type="none" w="sm" len="sm"/>
-                      <a:tailEnd type="none" w="sm" len="sm"/>
-                    </a:lnR>
-                    <a:lnT w="9525" cap="flat" cmpd="sng">
-                      <a:solidFill>
-                        <a:srgbClr val="0000FF"/>
-                      </a:solidFill>
-                      <a:prstDash val="solid"/>
-                      <a:round/>
-                      <a:headEnd type="none" w="sm" len="sm"/>
-                      <a:tailEnd type="none" w="sm" len="sm"/>
-                    </a:lnT>
-                    <a:lnB w="9525" cap="flat" cmpd="sng">
-                      <a:solidFill>
-                        <a:srgbClr val="0000FF"/>
-                      </a:solidFill>
-                      <a:prstDash val="solid"/>
-                      <a:round/>
-                      <a:headEnd type="none" w="sm" len="sm"/>
-                      <a:tailEnd type="none" w="sm" len="sm"/>
-                    </a:lnB>
-                    <a:solidFill>
-                      <a:srgbClr val="FFF2CC"/>
-                    </a:solidFill>
-                  </a:tcPr>
-                </a:tc>
-                <a:tc>
-                  <a:txBody>
-                    <a:bodyPr/>
-                    <a:lstStyle/>
-                    <a:p>
-                      <a:pPr marL="0" lvl="0" indent="0">
-                        <a:spcBef>
-                          <a:spcPts val="0"/>
-                        </a:spcBef>
-                        <a:spcAft>
-                          <a:spcPts val="0"/>
-                        </a:spcAft>
-                        <a:buClr>
-                          <a:schemeClr val="dk1"/>
-                        </a:buClr>
-                        <a:buSzPts val="1100"/>
-                        <a:buFont typeface="Arial"/>
-                        <a:buNone/>
-                      </a:pPr>
-                      <a:r>
-                        <a:rPr lang="en" sz="1200" dirty="0">
-                          <a:solidFill>
-                            <a:schemeClr val="dk1"/>
-                          </a:solidFill>
-                        </a:rPr>
-                        <a:t>%60</a:t>
-                      </a:r>
-                      <a:endParaRPr sz="1200" dirty="0"/>
-                    </a:p>
-                  </a:txBody>
-                  <a:tcPr marL="91425" marR="91425" marT="91425" marB="91425">
-                    <a:lnL w="9525" cap="flat" cmpd="sng">
-                      <a:solidFill>
-                        <a:srgbClr val="0000FF"/>
-                      </a:solidFill>
-                      <a:prstDash val="solid"/>
-                      <a:round/>
-                      <a:headEnd type="none" w="sm" len="sm"/>
-                      <a:tailEnd type="none" w="sm" len="sm"/>
-                    </a:lnL>
-                    <a:lnR w="9525" cap="flat" cmpd="sng">
-                      <a:solidFill>
-                        <a:srgbClr val="0000FF"/>
-                      </a:solidFill>
-                      <a:prstDash val="solid"/>
-                      <a:round/>
-                      <a:headEnd type="none" w="sm" len="sm"/>
-                      <a:tailEnd type="none" w="sm" len="sm"/>
-                    </a:lnR>
-                    <a:lnT w="9525" cap="flat" cmpd="sng">
-                      <a:solidFill>
-                        <a:srgbClr val="0000FF"/>
-                      </a:solidFill>
-                      <a:prstDash val="solid"/>
-                      <a:round/>
-                      <a:headEnd type="none" w="sm" len="sm"/>
-                      <a:tailEnd type="none" w="sm" len="sm"/>
-                    </a:lnT>
-                    <a:lnB w="9525" cap="flat" cmpd="sng">
-                      <a:solidFill>
-                        <a:srgbClr val="0000FF"/>
-                      </a:solidFill>
-                      <a:prstDash val="solid"/>
-                      <a:round/>
-                      <a:headEnd type="none" w="sm" len="sm"/>
-                      <a:tailEnd type="none" w="sm" len="sm"/>
-                    </a:lnB>
-                    <a:solidFill>
-                      <a:srgbClr val="FFF2CC"/>
-                    </a:solidFill>
-                  </a:tcPr>
-                </a:tc>
-                <a:tc>
-                  <a:txBody>
-                    <a:bodyPr/>
-                    <a:lstStyle/>
-                    <a:p>
-                      <a:pPr marL="0" lvl="0" indent="0">
-                        <a:spcBef>
-                          <a:spcPts val="0"/>
-                        </a:spcBef>
-                        <a:spcAft>
-                          <a:spcPts val="0"/>
-                        </a:spcAft>
-                        <a:buClr>
-                          <a:schemeClr val="dk1"/>
-                        </a:buClr>
-                        <a:buSzPts val="1100"/>
-                        <a:buFont typeface="Arial"/>
-                        <a:buNone/>
-                      </a:pPr>
-                      <a:r>
-                        <a:rPr lang="en" sz="1200" dirty="0">
-                          <a:solidFill>
-                            <a:schemeClr val="dk1"/>
-                          </a:solidFill>
-                        </a:rPr>
-                        <a:t>%0</a:t>
-                      </a:r>
-                      <a:endParaRPr sz="1200" dirty="0"/>
-                    </a:p>
-                  </a:txBody>
-                  <a:tcPr marL="91425" marR="91425" marT="91425" marB="91425">
-                    <a:lnL w="9525" cap="flat" cmpd="sng">
-                      <a:solidFill>
-                        <a:srgbClr val="0000FF"/>
-                      </a:solidFill>
-                      <a:prstDash val="solid"/>
-                      <a:round/>
-                      <a:headEnd type="none" w="sm" len="sm"/>
-                      <a:tailEnd type="none" w="sm" len="sm"/>
-                    </a:lnL>
-                    <a:lnR w="9525" cap="flat" cmpd="sng" algn="ctr">
-                      <a:solidFill>
-                        <a:srgbClr val="0000FF"/>
-                      </a:solidFill>
-                      <a:prstDash val="solid"/>
-                      <a:round/>
-                      <a:headEnd type="none" w="sm" len="sm"/>
-                      <a:tailEnd type="none" w="sm" len="sm"/>
-                    </a:lnR>
-                    <a:lnT w="9525" cap="flat" cmpd="sng">
-                      <a:solidFill>
-                        <a:srgbClr val="0000FF"/>
-                      </a:solidFill>
-                      <a:prstDash val="solid"/>
-                      <a:round/>
-                      <a:headEnd type="none" w="sm" len="sm"/>
-                      <a:tailEnd type="none" w="sm" len="sm"/>
-                    </a:lnT>
-                    <a:lnB w="9525" cap="flat" cmpd="sng">
-                      <a:solidFill>
-                        <a:srgbClr val="0000FF"/>
-                      </a:solidFill>
-                      <a:prstDash val="solid"/>
-                      <a:round/>
-                      <a:headEnd type="none" w="sm" len="sm"/>
-                      <a:tailEnd type="none" w="sm" len="sm"/>
-                    </a:lnB>
-                    <a:solidFill>
-                      <a:srgbClr val="FFF2CC"/>
-                    </a:solidFill>
-                  </a:tcPr>
-                </a:tc>
-                <a:tc>
-                  <a:txBody>
-                    <a:bodyPr/>
-                    <a:lstStyle/>
-                    <a:p>
-                      <a:pPr marL="0" lvl="0" indent="0">
-                        <a:spcBef>
-                          <a:spcPts val="0"/>
-                        </a:spcBef>
-                        <a:spcAft>
-                          <a:spcPts val="0"/>
-                        </a:spcAft>
-                        <a:buClr>
-                          <a:schemeClr val="dk1"/>
-                        </a:buClr>
-                        <a:buSzPts val="1100"/>
-                        <a:buFont typeface="Arial"/>
-                        <a:buNone/>
-                      </a:pPr>
-                      <a:r>
-                        <a:rPr lang="es-MX" sz="1200" dirty="0"/>
-                        <a:t>%0</a:t>
-                      </a:r>
-                      <a:endParaRPr sz="1200" dirty="0"/>
-                    </a:p>
-                  </a:txBody>
-                  <a:tcPr marL="91425" marR="91425" marT="91425" marB="91425">
-                    <a:lnL w="9525" cap="flat" cmpd="sng" algn="ctr">
-                      <a:solidFill>
-                        <a:srgbClr val="0000FF"/>
-                      </a:solidFill>
-                      <a:prstDash val="solid"/>
-                      <a:round/>
-                      <a:headEnd type="none" w="sm" len="sm"/>
-                      <a:tailEnd type="none" w="sm" len="sm"/>
-                    </a:lnL>
-                    <a:lnR w="9525" cap="flat" cmpd="sng" algn="ctr">
-                      <a:solidFill>
-                        <a:srgbClr val="0000FF"/>
-                      </a:solidFill>
-                      <a:prstDash val="solid"/>
-                      <a:round/>
-                      <a:headEnd type="none" w="sm" len="sm"/>
-                      <a:tailEnd type="none" w="sm" len="sm"/>
-                    </a:lnR>
-                    <a:lnT w="9525" cap="flat" cmpd="sng" algn="ctr">
-                      <a:solidFill>
-                        <a:srgbClr val="0000FF"/>
-                      </a:solidFill>
-                      <a:prstDash val="solid"/>
-                      <a:round/>
-                      <a:headEnd type="none" w="sm" len="sm"/>
-                      <a:tailEnd type="none" w="sm" len="sm"/>
-                    </a:lnT>
-                    <a:lnB w="9525" cap="flat" cmpd="sng" algn="ctr">
-                      <a:solidFill>
-                        <a:srgbClr val="0000FF"/>
-                      </a:solidFill>
-                      <a:prstDash val="solid"/>
-                      <a:round/>
-                      <a:headEnd type="none" w="sm" len="sm"/>
-                      <a:tailEnd type="none" w="sm" len="sm"/>
-                    </a:lnB>
-                    <a:solidFill>
-                      <a:srgbClr val="FFF2CC"/>
-                    </a:solidFill>
-                  </a:tcPr>
-                </a:tc>
-                <a:tc>
-                  <a:txBody>
-                    <a:bodyPr/>
-                    <a:lstStyle/>
-                    <a:p>
-                      <a:pPr marL="0" lvl="0" indent="0">
-                        <a:spcBef>
-                          <a:spcPts val="0"/>
-                        </a:spcBef>
-                        <a:spcAft>
-                          <a:spcPts val="0"/>
-                        </a:spcAft>
-                        <a:buClr>
-                          <a:schemeClr val="dk1"/>
-                        </a:buClr>
-                        <a:buSzPts val="1100"/>
-                        <a:buFont typeface="Arial"/>
-                        <a:buNone/>
-                      </a:pPr>
-                      <a:r>
-                        <a:rPr lang="es-MX" sz="1200" dirty="0"/>
-                        <a:t>150 Excelente</a:t>
-                      </a:r>
-                      <a:endParaRPr sz="1200" dirty="0"/>
-                    </a:p>
-                  </a:txBody>
-                  <a:tcPr marL="91425" marR="91425" marT="91425" marB="91425">
-                    <a:lnL w="9525" cap="flat" cmpd="sng">
-                      <a:solidFill>
-                        <a:srgbClr val="0000FF"/>
-                      </a:solidFill>
-                      <a:prstDash val="solid"/>
-                      <a:round/>
-                      <a:headEnd type="none" w="sm" len="sm"/>
-                      <a:tailEnd type="none" w="sm" len="sm"/>
-                    </a:lnL>
-                    <a:lnR w="9525" cap="flat" cmpd="sng">
-                      <a:solidFill>
-                        <a:srgbClr val="0000FF"/>
-                      </a:solidFill>
-                      <a:prstDash val="solid"/>
-                      <a:round/>
-                      <a:headEnd type="none" w="sm" len="sm"/>
-                      <a:tailEnd type="none" w="sm" len="sm"/>
-                    </a:lnR>
-                    <a:lnT w="9525" cap="flat" cmpd="sng" algn="ctr">
-                      <a:solidFill>
-                        <a:srgbClr val="0000FF"/>
-                      </a:solidFill>
-                      <a:prstDash val="solid"/>
-                      <a:round/>
-                      <a:headEnd type="none" w="sm" len="sm"/>
-                      <a:tailEnd type="none" w="sm" len="sm"/>
-                    </a:lnT>
-                    <a:lnB w="9525" cap="flat" cmpd="sng" algn="ctr">
-                      <a:solidFill>
-                        <a:srgbClr val="0000FF"/>
-                      </a:solidFill>
-                      <a:prstDash val="solid"/>
-                      <a:round/>
-                      <a:headEnd type="none" w="sm" len="sm"/>
-                      <a:tailEnd type="none" w="sm" len="sm"/>
-                    </a:lnB>
-                    <a:solidFill>
-                      <a:srgbClr val="FFF2CC"/>
-                    </a:solidFill>
-                  </a:tcPr>
-                </a:tc>
-                <a:extLst>
-                  <a:ext uri="{0D108BD9-81ED-4DB2-BD59-A6C34878D82A}">
-                    <a16:rowId xmlns:a16="http://schemas.microsoft.com/office/drawing/2014/main" val="10003"/>
-                  </a:ext>
-                </a:extLst>
-              </a:tr>
-              <a:tr h="522674">
-                <a:tc>
-                  <a:txBody>
-                    <a:bodyPr/>
-                    <a:lstStyle/>
-                    <a:p>
-                      <a:pPr marL="0" lvl="0" indent="0" rtl="0">
-                        <a:spcBef>
-                          <a:spcPts val="0"/>
-                        </a:spcBef>
-                        <a:spcAft>
-                          <a:spcPts val="0"/>
-                        </a:spcAft>
-                        <a:buNone/>
-                      </a:pPr>
-                      <a:r>
-                        <a:rPr lang="en" sz="1200"/>
-                        <a:t>Shaid Bojórquez</a:t>
-                      </a:r>
-                      <a:endParaRPr sz="1200"/>
-                    </a:p>
-                  </a:txBody>
-                  <a:tcPr marL="91425" marR="91425" marT="91425" marB="91425">
-                    <a:lnL w="9525" cap="flat" cmpd="sng">
-                      <a:solidFill>
-                        <a:srgbClr val="0000FF"/>
-                      </a:solidFill>
-                      <a:prstDash val="solid"/>
-                      <a:round/>
-                      <a:headEnd type="none" w="sm" len="sm"/>
-                      <a:tailEnd type="none" w="sm" len="sm"/>
-                    </a:lnL>
-                    <a:lnR w="9525" cap="flat" cmpd="sng">
-                      <a:solidFill>
-                        <a:srgbClr val="0000FF"/>
-                      </a:solidFill>
-                      <a:prstDash val="solid"/>
-                      <a:round/>
-                      <a:headEnd type="none" w="sm" len="sm"/>
-                      <a:tailEnd type="none" w="sm" len="sm"/>
-                    </a:lnR>
-                    <a:lnT w="9525" cap="flat" cmpd="sng">
-                      <a:solidFill>
-                        <a:srgbClr val="0000FF"/>
-                      </a:solidFill>
-                      <a:prstDash val="solid"/>
-                      <a:round/>
-                      <a:headEnd type="none" w="sm" len="sm"/>
-                      <a:tailEnd type="none" w="sm" len="sm"/>
-                    </a:lnT>
-                    <a:lnB w="9525" cap="flat" cmpd="sng">
-                      <a:solidFill>
-                        <a:srgbClr val="0000FF"/>
-                      </a:solidFill>
-                      <a:prstDash val="solid"/>
-                      <a:round/>
-                      <a:headEnd type="none" w="sm" len="sm"/>
-                      <a:tailEnd type="none" w="sm" len="sm"/>
-                    </a:lnB>
-                    <a:solidFill>
-                      <a:srgbClr val="DD7E6B"/>
-                    </a:solidFill>
-                  </a:tcPr>
-                </a:tc>
-                <a:tc>
-                  <a:txBody>
-                    <a:bodyPr/>
-                    <a:lstStyle/>
-                    <a:p>
-                      <a:pPr marL="0" lvl="0" indent="0">
-                        <a:spcBef>
-                          <a:spcPts val="0"/>
-                        </a:spcBef>
-                        <a:spcAft>
-                          <a:spcPts val="0"/>
-                        </a:spcAft>
-                        <a:buClr>
-                          <a:schemeClr val="dk1"/>
-                        </a:buClr>
-                        <a:buSzPts val="1100"/>
-                        <a:buFont typeface="Arial"/>
-                        <a:buNone/>
-                      </a:pPr>
-                      <a:r>
-                        <a:rPr lang="en" sz="1200">
-                          <a:solidFill>
-                            <a:schemeClr val="dk1"/>
-                          </a:solidFill>
-                        </a:rPr>
-                        <a:t>%100</a:t>
-                      </a:r>
-                      <a:endParaRPr sz="1200"/>
-                    </a:p>
-                  </a:txBody>
-                  <a:tcPr marL="91425" marR="91425" marT="91425" marB="91425">
-                    <a:lnL w="9525" cap="flat" cmpd="sng">
-                      <a:solidFill>
-                        <a:srgbClr val="0000FF"/>
-                      </a:solidFill>
-                      <a:prstDash val="solid"/>
-                      <a:round/>
-                      <a:headEnd type="none" w="sm" len="sm"/>
-                      <a:tailEnd type="none" w="sm" len="sm"/>
-                    </a:lnL>
-                    <a:lnR w="9525" cap="flat" cmpd="sng">
-                      <a:solidFill>
-                        <a:srgbClr val="0000FF"/>
-                      </a:solidFill>
-                      <a:prstDash val="solid"/>
-                      <a:round/>
-                      <a:headEnd type="none" w="sm" len="sm"/>
-                      <a:tailEnd type="none" w="sm" len="sm"/>
-                    </a:lnR>
-                    <a:lnT w="9525" cap="flat" cmpd="sng">
-                      <a:solidFill>
-                        <a:srgbClr val="0000FF"/>
-                      </a:solidFill>
-                      <a:prstDash val="solid"/>
-                      <a:round/>
-                      <a:headEnd type="none" w="sm" len="sm"/>
-                      <a:tailEnd type="none" w="sm" len="sm"/>
-                    </a:lnT>
-                    <a:lnB w="9525" cap="flat" cmpd="sng">
-                      <a:solidFill>
-                        <a:srgbClr val="0000FF"/>
-                      </a:solidFill>
-                      <a:prstDash val="solid"/>
-                      <a:round/>
-                      <a:headEnd type="none" w="sm" len="sm"/>
-                      <a:tailEnd type="none" w="sm" len="sm"/>
-                    </a:lnB>
-                    <a:solidFill>
-                      <a:srgbClr val="FFF2CC"/>
-                    </a:solidFill>
-                  </a:tcPr>
-                </a:tc>
-                <a:tc>
-                  <a:txBody>
-                    <a:bodyPr/>
-                    <a:lstStyle/>
-                    <a:p>
-                      <a:pPr marL="0" lvl="0" indent="0">
-                        <a:spcBef>
-                          <a:spcPts val="0"/>
-                        </a:spcBef>
-                        <a:spcAft>
-                          <a:spcPts val="0"/>
-                        </a:spcAft>
-                        <a:buClr>
-                          <a:schemeClr val="dk1"/>
-                        </a:buClr>
-                        <a:buSzPts val="1100"/>
-                        <a:buFont typeface="Arial"/>
-                        <a:buNone/>
-                      </a:pPr>
-                      <a:r>
-                        <a:rPr lang="en" sz="1200" dirty="0">
-                          <a:solidFill>
-                            <a:schemeClr val="dk1"/>
-                          </a:solidFill>
-                        </a:rPr>
-                        <a:t>%35</a:t>
-                      </a:r>
-                      <a:endParaRPr sz="1200" dirty="0"/>
-                    </a:p>
-                  </a:txBody>
-                  <a:tcPr marL="91425" marR="91425" marT="91425" marB="91425">
-                    <a:lnL w="9525" cap="flat" cmpd="sng">
-                      <a:solidFill>
-                        <a:srgbClr val="0000FF"/>
-                      </a:solidFill>
-                      <a:prstDash val="solid"/>
-                      <a:round/>
-                      <a:headEnd type="none" w="sm" len="sm"/>
-                      <a:tailEnd type="none" w="sm" len="sm"/>
-                    </a:lnL>
-                    <a:lnR w="9525" cap="flat" cmpd="sng">
-                      <a:solidFill>
-                        <a:srgbClr val="0000FF"/>
-                      </a:solidFill>
-                      <a:prstDash val="solid"/>
-                      <a:round/>
-                      <a:headEnd type="none" w="sm" len="sm"/>
-                      <a:tailEnd type="none" w="sm" len="sm"/>
-                    </a:lnR>
-                    <a:lnT w="9525" cap="flat" cmpd="sng">
-                      <a:solidFill>
-                        <a:srgbClr val="0000FF"/>
-                      </a:solidFill>
-                      <a:prstDash val="solid"/>
-                      <a:round/>
-                      <a:headEnd type="none" w="sm" len="sm"/>
-                      <a:tailEnd type="none" w="sm" len="sm"/>
-                    </a:lnT>
-                    <a:lnB w="9525" cap="flat" cmpd="sng">
-                      <a:solidFill>
-                        <a:srgbClr val="0000FF"/>
-                      </a:solidFill>
-                      <a:prstDash val="solid"/>
-                      <a:round/>
-                      <a:headEnd type="none" w="sm" len="sm"/>
-                      <a:tailEnd type="none" w="sm" len="sm"/>
-                    </a:lnB>
-                    <a:solidFill>
-                      <a:srgbClr val="FFF2CC"/>
-                    </a:solidFill>
-                  </a:tcPr>
-                </a:tc>
-                <a:tc>
-                  <a:txBody>
-                    <a:bodyPr/>
-                    <a:lstStyle/>
-                    <a:p>
-                      <a:pPr marL="0" lvl="0" indent="0">
-                        <a:spcBef>
-                          <a:spcPts val="0"/>
-                        </a:spcBef>
-                        <a:spcAft>
-                          <a:spcPts val="0"/>
-                        </a:spcAft>
-                        <a:buClr>
-                          <a:schemeClr val="dk1"/>
-                        </a:buClr>
-                        <a:buSzPts val="1100"/>
-                        <a:buFont typeface="Arial"/>
-                        <a:buNone/>
-                      </a:pPr>
-                      <a:r>
-                        <a:rPr lang="en" sz="1200" dirty="0">
-                          <a:solidFill>
-                            <a:schemeClr val="dk1"/>
-                          </a:solidFill>
-                        </a:rPr>
-                        <a:t>%25</a:t>
-                      </a:r>
-                      <a:endParaRPr sz="1200" dirty="0"/>
-                    </a:p>
-                  </a:txBody>
-                  <a:tcPr marL="91425" marR="91425" marT="91425" marB="91425">
-                    <a:lnL w="9525" cap="flat" cmpd="sng">
-                      <a:solidFill>
-                        <a:srgbClr val="0000FF"/>
-                      </a:solidFill>
-                      <a:prstDash val="solid"/>
-                      <a:round/>
-                      <a:headEnd type="none" w="sm" len="sm"/>
-                      <a:tailEnd type="none" w="sm" len="sm"/>
-                    </a:lnL>
-                    <a:lnR w="9525" cap="flat" cmpd="sng">
-                      <a:solidFill>
-                        <a:srgbClr val="0000FF"/>
-                      </a:solidFill>
-                      <a:prstDash val="solid"/>
-                      <a:round/>
-                      <a:headEnd type="none" w="sm" len="sm"/>
-                      <a:tailEnd type="none" w="sm" len="sm"/>
-                    </a:lnR>
-                    <a:lnT w="9525" cap="flat" cmpd="sng">
-                      <a:solidFill>
-                        <a:srgbClr val="0000FF"/>
-                      </a:solidFill>
-                      <a:prstDash val="solid"/>
-                      <a:round/>
-                      <a:headEnd type="none" w="sm" len="sm"/>
-                      <a:tailEnd type="none" w="sm" len="sm"/>
-                    </a:lnT>
-                    <a:lnB w="9525" cap="flat" cmpd="sng">
-                      <a:solidFill>
-                        <a:srgbClr val="0000FF"/>
-                      </a:solidFill>
-                      <a:prstDash val="solid"/>
-                      <a:round/>
-                      <a:headEnd type="none" w="sm" len="sm"/>
-                      <a:tailEnd type="none" w="sm" len="sm"/>
-                    </a:lnB>
-                    <a:solidFill>
-                      <a:srgbClr val="FFF2CC"/>
-                    </a:solidFill>
-                  </a:tcPr>
-                </a:tc>
-                <a:tc>
-                  <a:txBody>
-                    <a:bodyPr/>
-                    <a:lstStyle/>
-                    <a:p>
-                      <a:pPr marL="0" lvl="0" indent="0">
-                        <a:spcBef>
-                          <a:spcPts val="0"/>
-                        </a:spcBef>
-                        <a:spcAft>
-                          <a:spcPts val="0"/>
-                        </a:spcAft>
-                        <a:buClr>
-                          <a:schemeClr val="dk1"/>
-                        </a:buClr>
-                        <a:buSzPts val="1100"/>
-                        <a:buFont typeface="Arial"/>
-                        <a:buNone/>
-                      </a:pPr>
-                      <a:r>
-                        <a:rPr lang="en" sz="1200" dirty="0">
-                          <a:solidFill>
-                            <a:schemeClr val="dk1"/>
-                          </a:solidFill>
-                        </a:rPr>
-                        <a:t>%90</a:t>
-                      </a:r>
-                      <a:endParaRPr sz="1200" dirty="0"/>
-                    </a:p>
-                  </a:txBody>
-                  <a:tcPr marL="91425" marR="91425" marT="91425" marB="91425">
-                    <a:lnL w="9525" cap="flat" cmpd="sng">
-                      <a:solidFill>
-                        <a:srgbClr val="0000FF"/>
-                      </a:solidFill>
-                      <a:prstDash val="solid"/>
-                      <a:round/>
-                      <a:headEnd type="none" w="sm" len="sm"/>
-                      <a:tailEnd type="none" w="sm" len="sm"/>
-                    </a:lnL>
-                    <a:lnR w="9525" cap="flat" cmpd="sng">
-                      <a:solidFill>
-                        <a:srgbClr val="0000FF"/>
-                      </a:solidFill>
-                      <a:prstDash val="solid"/>
-                      <a:round/>
-                      <a:headEnd type="none" w="sm" len="sm"/>
-                      <a:tailEnd type="none" w="sm" len="sm"/>
-                    </a:lnR>
-                    <a:lnT w="9525" cap="flat" cmpd="sng">
-                      <a:solidFill>
-                        <a:srgbClr val="0000FF"/>
-                      </a:solidFill>
-                      <a:prstDash val="solid"/>
-                      <a:round/>
-                      <a:headEnd type="none" w="sm" len="sm"/>
-                      <a:tailEnd type="none" w="sm" len="sm"/>
-                    </a:lnT>
-                    <a:lnB w="9525" cap="flat" cmpd="sng">
-                      <a:solidFill>
-                        <a:srgbClr val="0000FF"/>
-                      </a:solidFill>
-                      <a:prstDash val="solid"/>
-                      <a:round/>
-                      <a:headEnd type="none" w="sm" len="sm"/>
-                      <a:tailEnd type="none" w="sm" len="sm"/>
-                    </a:lnB>
-                    <a:solidFill>
-                      <a:srgbClr val="FFF2CC"/>
-                    </a:solidFill>
-                  </a:tcPr>
-                </a:tc>
-                <a:tc>
-                  <a:txBody>
-                    <a:bodyPr/>
-                    <a:lstStyle/>
-                    <a:p>
-                      <a:pPr marL="0" lvl="0" indent="0">
-                        <a:spcBef>
-                          <a:spcPts val="0"/>
-                        </a:spcBef>
-                        <a:spcAft>
-                          <a:spcPts val="0"/>
-                        </a:spcAft>
-                        <a:buClr>
-                          <a:schemeClr val="dk1"/>
-                        </a:buClr>
-                        <a:buSzPts val="1100"/>
-                        <a:buFont typeface="Arial"/>
-                        <a:buNone/>
-                      </a:pPr>
-                      <a:r>
-                        <a:rPr lang="en" sz="1200" dirty="0">
-                          <a:solidFill>
-                            <a:schemeClr val="dk1"/>
-                          </a:solidFill>
-                        </a:rPr>
-                        <a:t>%0</a:t>
-                      </a:r>
-                      <a:endParaRPr sz="1200" dirty="0"/>
-                    </a:p>
-                  </a:txBody>
-                  <a:tcPr marL="91425" marR="91425" marT="91425" marB="91425">
-                    <a:lnL w="9525" cap="flat" cmpd="sng">
-                      <a:solidFill>
-                        <a:srgbClr val="0000FF"/>
-                      </a:solidFill>
-                      <a:prstDash val="solid"/>
-                      <a:round/>
-                      <a:headEnd type="none" w="sm" len="sm"/>
-                      <a:tailEnd type="none" w="sm" len="sm"/>
-                    </a:lnL>
-                    <a:lnR w="9525" cap="flat" cmpd="sng">
-                      <a:solidFill>
-                        <a:srgbClr val="0000FF"/>
-                      </a:solidFill>
-                      <a:prstDash val="solid"/>
-                      <a:round/>
-                      <a:headEnd type="none" w="sm" len="sm"/>
-                      <a:tailEnd type="none" w="sm" len="sm"/>
-                    </a:lnR>
-                    <a:lnT w="9525" cap="flat" cmpd="sng">
-                      <a:solidFill>
-                        <a:srgbClr val="0000FF"/>
-                      </a:solidFill>
-                      <a:prstDash val="solid"/>
-                      <a:round/>
-                      <a:headEnd type="none" w="sm" len="sm"/>
-                      <a:tailEnd type="none" w="sm" len="sm"/>
-                    </a:lnT>
-                    <a:lnB w="9525" cap="flat" cmpd="sng">
-                      <a:solidFill>
-                        <a:srgbClr val="0000FF"/>
-                      </a:solidFill>
-                      <a:prstDash val="solid"/>
-                      <a:round/>
-                      <a:headEnd type="none" w="sm" len="sm"/>
-                      <a:tailEnd type="none" w="sm" len="sm"/>
-                    </a:lnB>
-                    <a:solidFill>
-                      <a:srgbClr val="FFF2CC"/>
-                    </a:solidFill>
-                  </a:tcPr>
-                </a:tc>
-                <a:tc>
-                  <a:txBody>
-                    <a:bodyPr/>
-                    <a:lstStyle/>
-                    <a:p>
-                      <a:pPr marL="0" lvl="0" indent="0">
-                        <a:spcBef>
-                          <a:spcPts val="0"/>
-                        </a:spcBef>
-                        <a:spcAft>
-                          <a:spcPts val="0"/>
-                        </a:spcAft>
-                        <a:buClr>
-                          <a:schemeClr val="dk1"/>
-                        </a:buClr>
-                        <a:buSzPts val="1100"/>
-                        <a:buFont typeface="Arial"/>
-                        <a:buNone/>
-                      </a:pPr>
-                      <a:r>
-                        <a:rPr lang="en" sz="1200" dirty="0">
-                          <a:solidFill>
-                            <a:schemeClr val="dk1"/>
-                          </a:solidFill>
-                        </a:rPr>
-                        <a:t>%0</a:t>
-                      </a:r>
-                      <a:endParaRPr sz="1200" dirty="0"/>
-                    </a:p>
-                  </a:txBody>
-                  <a:tcPr marL="91425" marR="91425" marT="91425" marB="91425">
-                    <a:lnL w="9525" cap="flat" cmpd="sng">
-                      <a:solidFill>
-                        <a:srgbClr val="0000FF"/>
-                      </a:solidFill>
-                      <a:prstDash val="solid"/>
-                      <a:round/>
-                      <a:headEnd type="none" w="sm" len="sm"/>
-                      <a:tailEnd type="none" w="sm" len="sm"/>
-                    </a:lnL>
-                    <a:lnR w="9525" cap="flat" cmpd="sng">
-                      <a:solidFill>
-                        <a:srgbClr val="0000FF"/>
-                      </a:solidFill>
-                      <a:prstDash val="solid"/>
-                      <a:round/>
-                      <a:headEnd type="none" w="sm" len="sm"/>
-                      <a:tailEnd type="none" w="sm" len="sm"/>
-                    </a:lnR>
-                    <a:lnT w="9525" cap="flat" cmpd="sng">
-                      <a:solidFill>
-                        <a:srgbClr val="0000FF"/>
-                      </a:solidFill>
-                      <a:prstDash val="solid"/>
-                      <a:round/>
-                      <a:headEnd type="none" w="sm" len="sm"/>
-                      <a:tailEnd type="none" w="sm" len="sm"/>
-                    </a:lnT>
-                    <a:lnB w="9525" cap="flat" cmpd="sng">
-                      <a:solidFill>
-                        <a:srgbClr val="0000FF"/>
-                      </a:solidFill>
-                      <a:prstDash val="solid"/>
-                      <a:round/>
-                      <a:headEnd type="none" w="sm" len="sm"/>
-                      <a:tailEnd type="none" w="sm" len="sm"/>
-                    </a:lnB>
-                    <a:solidFill>
-                      <a:srgbClr val="FFF2CC"/>
-                    </a:solidFill>
-                  </a:tcPr>
-                </a:tc>
-                <a:tc>
-                  <a:txBody>
-                    <a:bodyPr/>
-                    <a:lstStyle/>
-                    <a:p>
-                      <a:pPr marL="0" lvl="0" indent="0">
-                        <a:spcBef>
-                          <a:spcPts val="0"/>
-                        </a:spcBef>
-                        <a:spcAft>
-                          <a:spcPts val="0"/>
-                        </a:spcAft>
-                        <a:buClr>
-                          <a:schemeClr val="dk1"/>
-                        </a:buClr>
-                        <a:buSzPts val="1100"/>
-                        <a:buFont typeface="Arial"/>
-                        <a:buNone/>
-                      </a:pPr>
-                      <a:r>
-                        <a:rPr lang="en" sz="1200" dirty="0">
-                          <a:solidFill>
-                            <a:schemeClr val="dk1"/>
-                          </a:solidFill>
-                        </a:rPr>
-                        <a:t>%0</a:t>
-                      </a:r>
-                      <a:endParaRPr sz="1200" dirty="0"/>
-                    </a:p>
-                  </a:txBody>
-                  <a:tcPr marL="91425" marR="91425" marT="91425" marB="91425">
-                    <a:lnL w="9525" cap="flat" cmpd="sng">
-                      <a:solidFill>
-                        <a:srgbClr val="0000FF"/>
-                      </a:solidFill>
-                      <a:prstDash val="solid"/>
-                      <a:round/>
-                      <a:headEnd type="none" w="sm" len="sm"/>
-                      <a:tailEnd type="none" w="sm" len="sm"/>
-                    </a:lnL>
-                    <a:lnR w="9525" cap="flat" cmpd="sng" algn="ctr">
-                      <a:solidFill>
-                        <a:srgbClr val="0000FF"/>
-                      </a:solidFill>
-                      <a:prstDash val="solid"/>
-                      <a:round/>
-                      <a:headEnd type="none" w="sm" len="sm"/>
-                      <a:tailEnd type="none" w="sm" len="sm"/>
-                    </a:lnR>
-                    <a:lnT w="9525" cap="flat" cmpd="sng">
-                      <a:solidFill>
-                        <a:srgbClr val="0000FF"/>
-                      </a:solidFill>
-                      <a:prstDash val="solid"/>
-                      <a:round/>
-                      <a:headEnd type="none" w="sm" len="sm"/>
-                      <a:tailEnd type="none" w="sm" len="sm"/>
-                    </a:lnT>
-                    <a:lnB w="9525" cap="flat" cmpd="sng">
-                      <a:solidFill>
-                        <a:srgbClr val="0000FF"/>
-                      </a:solidFill>
-                      <a:prstDash val="solid"/>
-                      <a:round/>
-                      <a:headEnd type="none" w="sm" len="sm"/>
-                      <a:tailEnd type="none" w="sm" len="sm"/>
-                    </a:lnB>
-                    <a:solidFill>
-                      <a:srgbClr val="FFF2CC"/>
-                    </a:solidFill>
-                  </a:tcPr>
-                </a:tc>
-                <a:tc>
-                  <a:txBody>
-                    <a:bodyPr/>
-                    <a:lstStyle/>
-                    <a:p>
-                      <a:pPr marL="0" marR="0" lvl="0" indent="0" algn="l" defTabSz="914400" rtl="0" eaLnBrk="1" fontAlgn="auto" latinLnBrk="0" hangingPunct="1">
-                        <a:lnSpc>
-                          <a:spcPct val="100000"/>
-                        </a:lnSpc>
-                        <a:spcBef>
-                          <a:spcPts val="0"/>
-                        </a:spcBef>
-                        <a:spcAft>
-                          <a:spcPts val="0"/>
-                        </a:spcAft>
-                        <a:buClr>
-                          <a:schemeClr val="dk1"/>
-                        </a:buClr>
-                        <a:buSzPts val="1100"/>
-                        <a:buFont typeface="Arial"/>
-                        <a:buNone/>
-                        <a:tabLst/>
-                        <a:defRPr/>
-                      </a:pPr>
-                      <a:r>
-                        <a:rPr lang="es-MX" sz="1200" dirty="0"/>
-                        <a:t>%0</a:t>
-                      </a:r>
-                    </a:p>
-                    <a:p>
-                      <a:pPr marL="0" lvl="0" indent="0">
-                        <a:spcBef>
-                          <a:spcPts val="0"/>
-                        </a:spcBef>
-                        <a:spcAft>
-                          <a:spcPts val="0"/>
-                        </a:spcAft>
-                        <a:buClr>
-                          <a:schemeClr val="dk1"/>
-                        </a:buClr>
-                        <a:buSzPts val="1100"/>
-                        <a:buFont typeface="Arial"/>
-                        <a:buNone/>
-                      </a:pPr>
-                      <a:endParaRPr sz="1200" dirty="0"/>
-                    </a:p>
-                  </a:txBody>
-                  <a:tcPr marL="91425" marR="91425" marT="91425" marB="91425">
-                    <a:lnL w="9525" cap="flat" cmpd="sng" algn="ctr">
-                      <a:solidFill>
-                        <a:srgbClr val="0000FF"/>
-                      </a:solidFill>
-                      <a:prstDash val="solid"/>
-                      <a:round/>
-                      <a:headEnd type="none" w="sm" len="sm"/>
-                      <a:tailEnd type="none" w="sm" len="sm"/>
-                    </a:lnL>
-                    <a:lnR w="9525" cap="flat" cmpd="sng" algn="ctr">
-                      <a:solidFill>
-                        <a:srgbClr val="0000FF"/>
-                      </a:solidFill>
-                      <a:prstDash val="solid"/>
-                      <a:round/>
-                      <a:headEnd type="none" w="sm" len="sm"/>
-                      <a:tailEnd type="none" w="sm" len="sm"/>
-                    </a:lnR>
-                    <a:lnT w="9525" cap="flat" cmpd="sng" algn="ctr">
-                      <a:solidFill>
-                        <a:srgbClr val="0000FF"/>
-                      </a:solidFill>
-                      <a:prstDash val="solid"/>
-                      <a:round/>
-                      <a:headEnd type="none" w="sm" len="sm"/>
-                      <a:tailEnd type="none" w="sm" len="sm"/>
-                    </a:lnT>
-                    <a:lnB w="9525" cap="flat" cmpd="sng" algn="ctr">
-                      <a:solidFill>
-                        <a:srgbClr val="0000FF"/>
-                      </a:solidFill>
-                      <a:prstDash val="solid"/>
-                      <a:round/>
-                      <a:headEnd type="none" w="sm" len="sm"/>
-                      <a:tailEnd type="none" w="sm" len="sm"/>
-                    </a:lnB>
-                    <a:solidFill>
-                      <a:srgbClr val="FFF2CC"/>
-                    </a:solidFill>
-                  </a:tcPr>
-                </a:tc>
-                <a:tc>
-                  <a:txBody>
-                    <a:bodyPr/>
-                    <a:lstStyle/>
-                    <a:p>
-                      <a:pPr marL="0" lvl="0" indent="0">
-                        <a:spcBef>
-                          <a:spcPts val="0"/>
-                        </a:spcBef>
-                        <a:spcAft>
-                          <a:spcPts val="0"/>
-                        </a:spcAft>
-                        <a:buClr>
-                          <a:schemeClr val="dk1"/>
-                        </a:buClr>
-                        <a:buSzPts val="1100"/>
-                        <a:buFont typeface="Arial"/>
-                        <a:buNone/>
-                      </a:pPr>
-                      <a:r>
-                        <a:rPr lang="es-MX" sz="1200" dirty="0"/>
-                        <a:t>150 Excelente</a:t>
-                      </a:r>
-                      <a:endParaRPr sz="1200" dirty="0"/>
-                    </a:p>
-                  </a:txBody>
-                  <a:tcPr marL="91425" marR="91425" marT="91425" marB="91425">
-                    <a:lnL w="9525" cap="flat" cmpd="sng">
-                      <a:solidFill>
-                        <a:srgbClr val="0000FF"/>
-                      </a:solidFill>
-                      <a:prstDash val="solid"/>
-                      <a:round/>
-                      <a:headEnd type="none" w="sm" len="sm"/>
-                      <a:tailEnd type="none" w="sm" len="sm"/>
-                    </a:lnL>
-                    <a:lnR w="9525" cap="flat" cmpd="sng">
-                      <a:solidFill>
-                        <a:srgbClr val="0000FF"/>
-                      </a:solidFill>
-                      <a:prstDash val="solid"/>
-                      <a:round/>
-                      <a:headEnd type="none" w="sm" len="sm"/>
-                      <a:tailEnd type="none" w="sm" len="sm"/>
-                    </a:lnR>
-                    <a:lnT w="9525" cap="flat" cmpd="sng" algn="ctr">
-                      <a:solidFill>
-                        <a:srgbClr val="0000FF"/>
-                      </a:solidFill>
-                      <a:prstDash val="solid"/>
-                      <a:round/>
-                      <a:headEnd type="none" w="sm" len="sm"/>
-                      <a:tailEnd type="none" w="sm" len="sm"/>
-                    </a:lnT>
-                    <a:lnB w="9525" cap="flat" cmpd="sng" algn="ctr">
-                      <a:solidFill>
-                        <a:srgbClr val="0000FF"/>
-                      </a:solidFill>
-                      <a:prstDash val="solid"/>
-                      <a:round/>
-                      <a:headEnd type="none" w="sm" len="sm"/>
-                      <a:tailEnd type="none" w="sm" len="sm"/>
-                    </a:lnB>
-                    <a:solidFill>
-                      <a:srgbClr val="FFF2CC"/>
-                    </a:solidFill>
-                  </a:tcPr>
-                </a:tc>
-                <a:extLst>
-                  <a:ext uri="{0D108BD9-81ED-4DB2-BD59-A6C34878D82A}">
-                    <a16:rowId xmlns:a16="http://schemas.microsoft.com/office/drawing/2014/main" val="10004"/>
-                  </a:ext>
-                </a:extLst>
-              </a:tr>
-              <a:tr h="522674">
-                <a:tc>
-                  <a:txBody>
-                    <a:bodyPr/>
-                    <a:lstStyle/>
-                    <a:p>
-                      <a:pPr marL="0" lvl="0" indent="0" rtl="0">
-                        <a:spcBef>
-                          <a:spcPts val="0"/>
-                        </a:spcBef>
-                        <a:spcAft>
-                          <a:spcPts val="0"/>
-                        </a:spcAft>
-                        <a:buNone/>
-                      </a:pPr>
-                      <a:r>
-                        <a:rPr lang="en" sz="1200" dirty="0"/>
-                        <a:t>Juan </a:t>
-                      </a:r>
-                      <a:endParaRPr sz="1200" dirty="0"/>
-                    </a:p>
-                    <a:p>
-                      <a:pPr marL="0" lvl="0" indent="0" rtl="0">
-                        <a:spcBef>
-                          <a:spcPts val="0"/>
-                        </a:spcBef>
-                        <a:spcAft>
-                          <a:spcPts val="0"/>
-                        </a:spcAft>
-                        <a:buNone/>
-                      </a:pPr>
-                      <a:r>
-                        <a:rPr lang="en" sz="1200" dirty="0"/>
-                        <a:t>Durán</a:t>
-                      </a:r>
-                      <a:endParaRPr sz="1200" dirty="0"/>
-                    </a:p>
-                  </a:txBody>
-                  <a:tcPr marL="91425" marR="91425" marT="91425" marB="91425">
-                    <a:lnL w="9525" cap="flat" cmpd="sng">
-                      <a:solidFill>
-                        <a:srgbClr val="0000FF"/>
-                      </a:solidFill>
-                      <a:prstDash val="solid"/>
-                      <a:round/>
-                      <a:headEnd type="none" w="sm" len="sm"/>
-                      <a:tailEnd type="none" w="sm" len="sm"/>
-                    </a:lnL>
-                    <a:lnR w="9525" cap="flat" cmpd="sng">
-                      <a:solidFill>
-                        <a:srgbClr val="0000FF"/>
-                      </a:solidFill>
-                      <a:prstDash val="solid"/>
-                      <a:round/>
-                      <a:headEnd type="none" w="sm" len="sm"/>
-                      <a:tailEnd type="none" w="sm" len="sm"/>
-                    </a:lnR>
-                    <a:lnT w="9525" cap="flat" cmpd="sng">
-                      <a:solidFill>
-                        <a:srgbClr val="0000FF"/>
-                      </a:solidFill>
-                      <a:prstDash val="solid"/>
-                      <a:round/>
-                      <a:headEnd type="none" w="sm" len="sm"/>
-                      <a:tailEnd type="none" w="sm" len="sm"/>
-                    </a:lnT>
-                    <a:lnB w="9525" cap="flat" cmpd="sng" algn="ctr">
-                      <a:solidFill>
-                        <a:srgbClr val="0000FF"/>
-                      </a:solidFill>
-                      <a:prstDash val="solid"/>
-                      <a:round/>
-                      <a:headEnd type="none" w="sm" len="sm"/>
-                      <a:tailEnd type="none" w="sm" len="sm"/>
-                    </a:lnB>
-                    <a:solidFill>
-                      <a:srgbClr val="DD7E6B"/>
-                    </a:solidFill>
-                  </a:tcPr>
-                </a:tc>
-                <a:tc>
-                  <a:txBody>
-                    <a:bodyPr/>
-                    <a:lstStyle/>
-                    <a:p>
-                      <a:pPr marL="0" lvl="0" indent="0">
-                        <a:spcBef>
-                          <a:spcPts val="0"/>
-                        </a:spcBef>
-                        <a:spcAft>
-                          <a:spcPts val="0"/>
-                        </a:spcAft>
-                        <a:buClr>
-                          <a:schemeClr val="dk1"/>
-                        </a:buClr>
-                        <a:buSzPts val="1100"/>
-                        <a:buFont typeface="Arial"/>
-                        <a:buNone/>
-                      </a:pPr>
-                      <a:r>
-                        <a:rPr lang="en" sz="1200" dirty="0">
-                          <a:solidFill>
-                            <a:schemeClr val="dk1"/>
-                          </a:solidFill>
-                        </a:rPr>
-                        <a:t>%100</a:t>
-                      </a:r>
-                      <a:endParaRPr sz="1200" dirty="0"/>
-                    </a:p>
-                  </a:txBody>
-                  <a:tcPr marL="91425" marR="91425" marT="91425" marB="91425">
-                    <a:lnL w="9525" cap="flat" cmpd="sng">
-                      <a:solidFill>
-                        <a:srgbClr val="0000FF"/>
-                      </a:solidFill>
-                      <a:prstDash val="solid"/>
-                      <a:round/>
-                      <a:headEnd type="none" w="sm" len="sm"/>
-                      <a:tailEnd type="none" w="sm" len="sm"/>
-                    </a:lnL>
-                    <a:lnR w="9525" cap="flat" cmpd="sng">
-                      <a:solidFill>
-                        <a:srgbClr val="0000FF"/>
-                      </a:solidFill>
-                      <a:prstDash val="solid"/>
-                      <a:round/>
-                      <a:headEnd type="none" w="sm" len="sm"/>
-                      <a:tailEnd type="none" w="sm" len="sm"/>
-                    </a:lnR>
-                    <a:lnT w="9525" cap="flat" cmpd="sng">
-                      <a:solidFill>
-                        <a:srgbClr val="0000FF"/>
-                      </a:solidFill>
-                      <a:prstDash val="solid"/>
-                      <a:round/>
-                      <a:headEnd type="none" w="sm" len="sm"/>
-                      <a:tailEnd type="none" w="sm" len="sm"/>
-                    </a:lnT>
-                    <a:lnB w="9525" cap="flat" cmpd="sng" algn="ctr">
-                      <a:solidFill>
-                        <a:srgbClr val="0000FF"/>
-                      </a:solidFill>
-                      <a:prstDash val="solid"/>
-                      <a:round/>
-                      <a:headEnd type="none" w="sm" len="sm"/>
-                      <a:tailEnd type="none" w="sm" len="sm"/>
-                    </a:lnB>
-                    <a:solidFill>
-                      <a:srgbClr val="FFF2CC"/>
-                    </a:solidFill>
-                  </a:tcPr>
-                </a:tc>
-                <a:tc>
-                  <a:txBody>
-                    <a:bodyPr/>
-                    <a:lstStyle/>
-                    <a:p>
-                      <a:pPr marL="0" lvl="0" indent="0">
-                        <a:spcBef>
-                          <a:spcPts val="0"/>
-                        </a:spcBef>
-                        <a:spcAft>
-                          <a:spcPts val="0"/>
-                        </a:spcAft>
-                        <a:buClr>
-                          <a:schemeClr val="dk1"/>
-                        </a:buClr>
-                        <a:buSzPts val="1100"/>
-                        <a:buFont typeface="Arial"/>
-                        <a:buNone/>
-                      </a:pPr>
-                      <a:r>
-                        <a:rPr lang="en" sz="1200" dirty="0">
-                          <a:solidFill>
-                            <a:schemeClr val="dk1"/>
-                          </a:solidFill>
-                        </a:rPr>
-                        <a:t>%20</a:t>
-                      </a:r>
-                      <a:endParaRPr sz="1200" dirty="0"/>
-                    </a:p>
-                  </a:txBody>
-                  <a:tcPr marL="91425" marR="91425" marT="91425" marB="91425">
-                    <a:lnL w="9525" cap="flat" cmpd="sng">
-                      <a:solidFill>
-                        <a:srgbClr val="0000FF"/>
-                      </a:solidFill>
-                      <a:prstDash val="solid"/>
-                      <a:round/>
-                      <a:headEnd type="none" w="sm" len="sm"/>
-                      <a:tailEnd type="none" w="sm" len="sm"/>
-                    </a:lnL>
-                    <a:lnR w="9525" cap="flat" cmpd="sng">
-                      <a:solidFill>
-                        <a:srgbClr val="0000FF"/>
-                      </a:solidFill>
-                      <a:prstDash val="solid"/>
-                      <a:round/>
-                      <a:headEnd type="none" w="sm" len="sm"/>
-                      <a:tailEnd type="none" w="sm" len="sm"/>
-                    </a:lnR>
-                    <a:lnT w="9525" cap="flat" cmpd="sng">
-                      <a:solidFill>
-                        <a:srgbClr val="0000FF"/>
-                      </a:solidFill>
-                      <a:prstDash val="solid"/>
-                      <a:round/>
-                      <a:headEnd type="none" w="sm" len="sm"/>
-                      <a:tailEnd type="none" w="sm" len="sm"/>
-                    </a:lnT>
-                    <a:lnB w="9525" cap="flat" cmpd="sng" algn="ctr">
-                      <a:solidFill>
-                        <a:srgbClr val="0000FF"/>
-                      </a:solidFill>
-                      <a:prstDash val="solid"/>
-                      <a:round/>
-                      <a:headEnd type="none" w="sm" len="sm"/>
-                      <a:tailEnd type="none" w="sm" len="sm"/>
-                    </a:lnB>
-                    <a:solidFill>
-                      <a:srgbClr val="FFF2CC"/>
-                    </a:solidFill>
-                  </a:tcPr>
-                </a:tc>
-                <a:tc>
-                  <a:txBody>
-                    <a:bodyPr/>
-                    <a:lstStyle/>
-                    <a:p>
-                      <a:pPr marL="0" lvl="0" indent="0">
-                        <a:spcBef>
-                          <a:spcPts val="0"/>
-                        </a:spcBef>
-                        <a:spcAft>
-                          <a:spcPts val="0"/>
-                        </a:spcAft>
-                        <a:buClr>
-                          <a:schemeClr val="dk1"/>
-                        </a:buClr>
-                        <a:buSzPts val="1100"/>
-                        <a:buFont typeface="Arial"/>
-                        <a:buNone/>
-                      </a:pPr>
-                      <a:r>
-                        <a:rPr lang="en" sz="1200" dirty="0">
-                          <a:solidFill>
-                            <a:schemeClr val="dk1"/>
-                          </a:solidFill>
-                        </a:rPr>
-                        <a:t>%10</a:t>
-                      </a:r>
-                      <a:endParaRPr sz="1200" dirty="0"/>
-                    </a:p>
-                  </a:txBody>
-                  <a:tcPr marL="91425" marR="91425" marT="91425" marB="91425">
-                    <a:lnL w="9525" cap="flat" cmpd="sng">
-                      <a:solidFill>
-                        <a:srgbClr val="0000FF"/>
-                      </a:solidFill>
-                      <a:prstDash val="solid"/>
-                      <a:round/>
-                      <a:headEnd type="none" w="sm" len="sm"/>
-                      <a:tailEnd type="none" w="sm" len="sm"/>
-                    </a:lnL>
-                    <a:lnR w="9525" cap="flat" cmpd="sng">
-                      <a:solidFill>
-                        <a:srgbClr val="0000FF"/>
-                      </a:solidFill>
-                      <a:prstDash val="solid"/>
-                      <a:round/>
-                      <a:headEnd type="none" w="sm" len="sm"/>
-                      <a:tailEnd type="none" w="sm" len="sm"/>
-                    </a:lnR>
-                    <a:lnT w="9525" cap="flat" cmpd="sng">
-                      <a:solidFill>
-                        <a:srgbClr val="0000FF"/>
-                      </a:solidFill>
-                      <a:prstDash val="solid"/>
-                      <a:round/>
-                      <a:headEnd type="none" w="sm" len="sm"/>
-                      <a:tailEnd type="none" w="sm" len="sm"/>
-                    </a:lnT>
-                    <a:lnB w="9525" cap="flat" cmpd="sng" algn="ctr">
-                      <a:solidFill>
-                        <a:srgbClr val="0000FF"/>
-                      </a:solidFill>
-                      <a:prstDash val="solid"/>
-                      <a:round/>
-                      <a:headEnd type="none" w="sm" len="sm"/>
-                      <a:tailEnd type="none" w="sm" len="sm"/>
-                    </a:lnB>
-                    <a:solidFill>
-                      <a:srgbClr val="FFF2CC"/>
-                    </a:solidFill>
-                  </a:tcPr>
-                </a:tc>
-                <a:tc>
-                  <a:txBody>
-                    <a:bodyPr/>
-                    <a:lstStyle/>
-                    <a:p>
-                      <a:pPr marL="0" lvl="0" indent="0">
-                        <a:spcBef>
-                          <a:spcPts val="0"/>
-                        </a:spcBef>
-                        <a:spcAft>
-                          <a:spcPts val="0"/>
-                        </a:spcAft>
-                        <a:buClr>
-                          <a:schemeClr val="dk1"/>
-                        </a:buClr>
-                        <a:buSzPts val="1100"/>
-                        <a:buFont typeface="Arial"/>
-                        <a:buNone/>
-                      </a:pPr>
-                      <a:r>
-                        <a:rPr lang="en" sz="1200" dirty="0">
-                          <a:solidFill>
-                            <a:schemeClr val="dk1"/>
-                          </a:solidFill>
-                        </a:rPr>
-                        <a:t>%0</a:t>
-                      </a:r>
-                      <a:endParaRPr sz="1200" dirty="0"/>
-                    </a:p>
-                  </a:txBody>
-                  <a:tcPr marL="91425" marR="91425" marT="91425" marB="91425">
-                    <a:lnL w="9525" cap="flat" cmpd="sng">
-                      <a:solidFill>
-                        <a:srgbClr val="0000FF"/>
-                      </a:solidFill>
-                      <a:prstDash val="solid"/>
-                      <a:round/>
-                      <a:headEnd type="none" w="sm" len="sm"/>
-                      <a:tailEnd type="none" w="sm" len="sm"/>
-                    </a:lnL>
-                    <a:lnR w="9525" cap="flat" cmpd="sng">
-                      <a:solidFill>
-                        <a:srgbClr val="0000FF"/>
-                      </a:solidFill>
-                      <a:prstDash val="solid"/>
-                      <a:round/>
-                      <a:headEnd type="none" w="sm" len="sm"/>
-                      <a:tailEnd type="none" w="sm" len="sm"/>
-                    </a:lnR>
-                    <a:lnT w="9525" cap="flat" cmpd="sng">
-                      <a:solidFill>
-                        <a:srgbClr val="0000FF"/>
-                      </a:solidFill>
-                      <a:prstDash val="solid"/>
-                      <a:round/>
-                      <a:headEnd type="none" w="sm" len="sm"/>
-                      <a:tailEnd type="none" w="sm" len="sm"/>
-                    </a:lnT>
-                    <a:lnB w="9525" cap="flat" cmpd="sng" algn="ctr">
-                      <a:solidFill>
-                        <a:srgbClr val="0000FF"/>
-                      </a:solidFill>
-                      <a:prstDash val="solid"/>
-                      <a:round/>
-                      <a:headEnd type="none" w="sm" len="sm"/>
-                      <a:tailEnd type="none" w="sm" len="sm"/>
-                    </a:lnB>
-                    <a:solidFill>
-                      <a:srgbClr val="FFF2CC"/>
-                    </a:solidFill>
-                  </a:tcPr>
-                </a:tc>
-                <a:tc>
-                  <a:txBody>
-                    <a:bodyPr/>
-                    <a:lstStyle/>
-                    <a:p>
-                      <a:pPr marL="0" lvl="0" indent="0">
-                        <a:spcBef>
-                          <a:spcPts val="0"/>
-                        </a:spcBef>
-                        <a:spcAft>
-                          <a:spcPts val="0"/>
-                        </a:spcAft>
-                        <a:buClr>
-                          <a:schemeClr val="dk1"/>
-                        </a:buClr>
-                        <a:buSzPts val="1100"/>
-                        <a:buFont typeface="Arial"/>
-                        <a:buNone/>
-                      </a:pPr>
-                      <a:r>
-                        <a:rPr lang="en" sz="1200" dirty="0">
-                          <a:solidFill>
-                            <a:schemeClr val="dk1"/>
-                          </a:solidFill>
-                        </a:rPr>
-                        <a:t>%0</a:t>
-                      </a:r>
-                      <a:endParaRPr sz="1200" dirty="0"/>
-                    </a:p>
-                  </a:txBody>
-                  <a:tcPr marL="91425" marR="91425" marT="91425" marB="91425">
-                    <a:lnL w="9525" cap="flat" cmpd="sng">
-                      <a:solidFill>
-                        <a:srgbClr val="0000FF"/>
-                      </a:solidFill>
-                      <a:prstDash val="solid"/>
-                      <a:round/>
-                      <a:headEnd type="none" w="sm" len="sm"/>
-                      <a:tailEnd type="none" w="sm" len="sm"/>
-                    </a:lnL>
-                    <a:lnR w="9525" cap="flat" cmpd="sng">
-                      <a:solidFill>
-                        <a:srgbClr val="0000FF"/>
-                      </a:solidFill>
-                      <a:prstDash val="solid"/>
-                      <a:round/>
-                      <a:headEnd type="none" w="sm" len="sm"/>
-                      <a:tailEnd type="none" w="sm" len="sm"/>
-                    </a:lnR>
-                    <a:lnT w="9525" cap="flat" cmpd="sng">
-                      <a:solidFill>
-                        <a:srgbClr val="0000FF"/>
-                      </a:solidFill>
-                      <a:prstDash val="solid"/>
-                      <a:round/>
-                      <a:headEnd type="none" w="sm" len="sm"/>
-                      <a:tailEnd type="none" w="sm" len="sm"/>
-                    </a:lnT>
-                    <a:lnB w="9525" cap="flat" cmpd="sng" algn="ctr">
-                      <a:solidFill>
-                        <a:srgbClr val="0000FF"/>
-                      </a:solidFill>
-                      <a:prstDash val="solid"/>
-                      <a:round/>
-                      <a:headEnd type="none" w="sm" len="sm"/>
-                      <a:tailEnd type="none" w="sm" len="sm"/>
-                    </a:lnB>
-                    <a:solidFill>
-                      <a:srgbClr val="FFF2CC"/>
-                    </a:solidFill>
-                  </a:tcPr>
-                </a:tc>
-                <a:tc>
-                  <a:txBody>
-                    <a:bodyPr/>
-                    <a:lstStyle/>
-                    <a:p>
-                      <a:pPr marL="0" lvl="0" indent="0">
-                        <a:spcBef>
-                          <a:spcPts val="0"/>
-                        </a:spcBef>
-                        <a:spcAft>
-                          <a:spcPts val="0"/>
-                        </a:spcAft>
-                        <a:buClr>
-                          <a:schemeClr val="dk1"/>
-                        </a:buClr>
-                        <a:buSzPts val="1100"/>
-                        <a:buFont typeface="Arial"/>
-                        <a:buNone/>
-                      </a:pPr>
-                      <a:r>
-                        <a:rPr lang="en" sz="1200" dirty="0">
-                          <a:solidFill>
-                            <a:schemeClr val="dk1"/>
-                          </a:solidFill>
-                        </a:rPr>
-                        <a:t>%0</a:t>
-                      </a:r>
-                      <a:endParaRPr sz="1200" dirty="0"/>
-                    </a:p>
-                  </a:txBody>
-                  <a:tcPr marL="91425" marR="91425" marT="91425" marB="91425">
-                    <a:lnL w="9525" cap="flat" cmpd="sng">
-                      <a:solidFill>
-                        <a:srgbClr val="0000FF"/>
-                      </a:solidFill>
-                      <a:prstDash val="solid"/>
-                      <a:round/>
-                      <a:headEnd type="none" w="sm" len="sm"/>
-                      <a:tailEnd type="none" w="sm" len="sm"/>
-                    </a:lnL>
-                    <a:lnR w="9525" cap="flat" cmpd="sng">
-                      <a:solidFill>
-                        <a:srgbClr val="0000FF"/>
-                      </a:solidFill>
-                      <a:prstDash val="solid"/>
-                      <a:round/>
-                      <a:headEnd type="none" w="sm" len="sm"/>
-                      <a:tailEnd type="none" w="sm" len="sm"/>
-                    </a:lnR>
-                    <a:lnT w="9525" cap="flat" cmpd="sng">
-                      <a:solidFill>
-                        <a:srgbClr val="0000FF"/>
-                      </a:solidFill>
-                      <a:prstDash val="solid"/>
-                      <a:round/>
-                      <a:headEnd type="none" w="sm" len="sm"/>
-                      <a:tailEnd type="none" w="sm" len="sm"/>
-                    </a:lnT>
-                    <a:lnB w="9525" cap="flat" cmpd="sng" algn="ctr">
-                      <a:solidFill>
-                        <a:srgbClr val="0000FF"/>
-                      </a:solidFill>
-                      <a:prstDash val="solid"/>
-                      <a:round/>
-                      <a:headEnd type="none" w="sm" len="sm"/>
-                      <a:tailEnd type="none" w="sm" len="sm"/>
-                    </a:lnB>
-                    <a:solidFill>
-                      <a:srgbClr val="FFF2CC"/>
-                    </a:solidFill>
-                  </a:tcPr>
-                </a:tc>
-                <a:tc>
-                  <a:txBody>
-                    <a:bodyPr/>
-                    <a:lstStyle/>
-                    <a:p>
-                      <a:pPr marL="0" lvl="0" indent="0">
-                        <a:spcBef>
-                          <a:spcPts val="0"/>
-                        </a:spcBef>
-                        <a:spcAft>
-                          <a:spcPts val="0"/>
-                        </a:spcAft>
-                        <a:buClr>
-                          <a:schemeClr val="dk1"/>
-                        </a:buClr>
-                        <a:buSzPts val="1100"/>
-                        <a:buFont typeface="Arial"/>
-                        <a:buNone/>
-                      </a:pPr>
-                      <a:r>
-                        <a:rPr lang="en" sz="1200" dirty="0">
-                          <a:solidFill>
-                            <a:schemeClr val="dk1"/>
-                          </a:solidFill>
-                        </a:rPr>
-                        <a:t>%10</a:t>
-                      </a:r>
-                      <a:endParaRPr sz="1200" dirty="0"/>
-                    </a:p>
-                  </a:txBody>
-                  <a:tcPr marL="91425" marR="91425" marT="91425" marB="91425">
-                    <a:lnL w="9525" cap="flat" cmpd="sng">
-                      <a:solidFill>
-                        <a:srgbClr val="0000FF"/>
-                      </a:solidFill>
-                      <a:prstDash val="solid"/>
-                      <a:round/>
-                      <a:headEnd type="none" w="sm" len="sm"/>
-                      <a:tailEnd type="none" w="sm" len="sm"/>
-                    </a:lnL>
-                    <a:lnR w="9525" cap="flat" cmpd="sng" algn="ctr">
-                      <a:solidFill>
-                        <a:srgbClr val="0000FF"/>
-                      </a:solidFill>
-                      <a:prstDash val="solid"/>
-                      <a:round/>
-                      <a:headEnd type="none" w="sm" len="sm"/>
-                      <a:tailEnd type="none" w="sm" len="sm"/>
-                    </a:lnR>
-                    <a:lnT w="9525" cap="flat" cmpd="sng">
-                      <a:solidFill>
-                        <a:srgbClr val="0000FF"/>
-                      </a:solidFill>
-                      <a:prstDash val="solid"/>
-                      <a:round/>
-                      <a:headEnd type="none" w="sm" len="sm"/>
-                      <a:tailEnd type="none" w="sm" len="sm"/>
-                    </a:lnT>
-                    <a:lnB w="9525" cap="flat" cmpd="sng" algn="ctr">
-                      <a:solidFill>
-                        <a:srgbClr val="0000FF"/>
-                      </a:solidFill>
-                      <a:prstDash val="solid"/>
-                      <a:round/>
-                      <a:headEnd type="none" w="sm" len="sm"/>
-                      <a:tailEnd type="none" w="sm" len="sm"/>
-                    </a:lnB>
-                    <a:solidFill>
-                      <a:srgbClr val="FFF2CC"/>
-                    </a:solidFill>
-                  </a:tcPr>
-                </a:tc>
-                <a:tc>
-                  <a:txBody>
-                    <a:bodyPr/>
-                    <a:lstStyle/>
-                    <a:p>
-                      <a:pPr marL="0" lvl="0" indent="0">
-                        <a:spcBef>
-                          <a:spcPts val="0"/>
-                        </a:spcBef>
-                        <a:spcAft>
-                          <a:spcPts val="0"/>
-                        </a:spcAft>
-                        <a:buClr>
-                          <a:schemeClr val="dk1"/>
-                        </a:buClr>
-                        <a:buSzPts val="1100"/>
-                        <a:buFont typeface="Arial"/>
-                        <a:buNone/>
-                      </a:pPr>
-                      <a:r>
-                        <a:rPr lang="es-MX" sz="1200" dirty="0"/>
-                        <a:t>%90</a:t>
-                      </a:r>
-                      <a:endParaRPr sz="1200" dirty="0"/>
-                    </a:p>
-                  </a:txBody>
-                  <a:tcPr marL="91425" marR="91425" marT="91425" marB="91425">
-                    <a:lnL w="9525" cap="flat" cmpd="sng" algn="ctr">
-                      <a:solidFill>
-                        <a:srgbClr val="0000FF"/>
-                      </a:solidFill>
-                      <a:prstDash val="solid"/>
-                      <a:round/>
-                      <a:headEnd type="none" w="sm" len="sm"/>
-                      <a:tailEnd type="none" w="sm" len="sm"/>
-                    </a:lnL>
-                    <a:lnR w="9525" cap="flat" cmpd="sng" algn="ctr">
-                      <a:solidFill>
-                        <a:srgbClr val="0000FF"/>
-                      </a:solidFill>
-                      <a:prstDash val="solid"/>
-                      <a:round/>
-                      <a:headEnd type="none" w="sm" len="sm"/>
-                      <a:tailEnd type="none" w="sm" len="sm"/>
-                    </a:lnR>
-                    <a:lnT w="9525" cap="flat" cmpd="sng" algn="ctr">
-                      <a:solidFill>
-                        <a:srgbClr val="0000FF"/>
-                      </a:solidFill>
-                      <a:prstDash val="solid"/>
-                      <a:round/>
-                      <a:headEnd type="none" w="sm" len="sm"/>
-                      <a:tailEnd type="none" w="sm" len="sm"/>
-                    </a:lnT>
-                    <a:lnB w="9525" cap="flat" cmpd="sng" algn="ctr">
-                      <a:solidFill>
-                        <a:srgbClr val="0000FF"/>
-                      </a:solidFill>
-                      <a:prstDash val="solid"/>
-                      <a:round/>
-                      <a:headEnd type="none" w="sm" len="sm"/>
-                      <a:tailEnd type="none" w="sm" len="sm"/>
-                    </a:lnB>
-                    <a:solidFill>
-                      <a:srgbClr val="FFF2CC"/>
-                    </a:solidFill>
-                  </a:tcPr>
-                </a:tc>
-                <a:tc>
-                  <a:txBody>
-                    <a:bodyPr/>
-                    <a:lstStyle/>
-                    <a:p>
-                      <a:pPr marL="0" lvl="0" indent="0">
-                        <a:spcBef>
-                          <a:spcPts val="0"/>
-                        </a:spcBef>
-                        <a:spcAft>
-                          <a:spcPts val="0"/>
-                        </a:spcAft>
-                        <a:buClr>
-                          <a:schemeClr val="dk1"/>
-                        </a:buClr>
-                        <a:buSzPts val="1100"/>
-                        <a:buFont typeface="Arial"/>
-                        <a:buNone/>
-                      </a:pPr>
-                      <a:r>
-                        <a:rPr lang="es-MX" sz="1200" dirty="0"/>
-                        <a:t>130 Excelente</a:t>
-                      </a:r>
-                      <a:endParaRPr sz="1200" dirty="0"/>
-                    </a:p>
-                  </a:txBody>
-                  <a:tcPr marL="91425" marR="91425" marT="91425" marB="91425">
-                    <a:lnL w="9525" cap="flat" cmpd="sng">
-                      <a:solidFill>
-                        <a:srgbClr val="0000FF"/>
-                      </a:solidFill>
-                      <a:prstDash val="solid"/>
-                      <a:round/>
-                      <a:headEnd type="none" w="sm" len="sm"/>
-                      <a:tailEnd type="none" w="sm" len="sm"/>
-                    </a:lnL>
-                    <a:lnR w="9525" cap="flat" cmpd="sng">
-                      <a:solidFill>
-                        <a:srgbClr val="0000FF"/>
-                      </a:solidFill>
-                      <a:prstDash val="solid"/>
-                      <a:round/>
-                      <a:headEnd type="none" w="sm" len="sm"/>
-                      <a:tailEnd type="none" w="sm" len="sm"/>
-                    </a:lnR>
-                    <a:lnT w="9525" cap="flat" cmpd="sng" algn="ctr">
-                      <a:solidFill>
-                        <a:srgbClr val="0000FF"/>
-                      </a:solidFill>
-                      <a:prstDash val="solid"/>
-                      <a:round/>
-                      <a:headEnd type="none" w="sm" len="sm"/>
-                      <a:tailEnd type="none" w="sm" len="sm"/>
-                    </a:lnT>
-                    <a:lnB w="9525" cap="flat" cmpd="sng" algn="ctr">
-                      <a:solidFill>
-                        <a:srgbClr val="0000FF"/>
-                      </a:solidFill>
-                      <a:prstDash val="solid"/>
-                      <a:round/>
-                      <a:headEnd type="none" w="sm" len="sm"/>
-                      <a:tailEnd type="none" w="sm" len="sm"/>
-                    </a:lnB>
-                    <a:solidFill>
-                      <a:srgbClr val="FFF2CC"/>
-                    </a:solidFill>
-                  </a:tcPr>
-                </a:tc>
-                <a:extLst>
-                  <a:ext uri="{0D108BD9-81ED-4DB2-BD59-A6C34878D82A}">
-                    <a16:rowId xmlns:a16="http://schemas.microsoft.com/office/drawing/2014/main" val="10005"/>
-                  </a:ext>
-                </a:extLst>
-              </a:tr>
-              <a:tr h="362988">
-                <a:tc>
-                  <a:txBody>
-                    <a:bodyPr/>
-                    <a:lstStyle/>
-                    <a:p>
-                      <a:pPr marL="0" lvl="0" indent="0" rtl="0">
-                        <a:spcBef>
-                          <a:spcPts val="0"/>
-                        </a:spcBef>
-                        <a:spcAft>
-                          <a:spcPts val="0"/>
-                        </a:spcAft>
-                        <a:buNone/>
-                      </a:pPr>
-                      <a:r>
-                        <a:rPr lang="es-MX" sz="1200" dirty="0"/>
-                        <a:t>TOTAL</a:t>
-                      </a:r>
-                      <a:endParaRPr sz="1200" dirty="0"/>
-                    </a:p>
-                  </a:txBody>
-                  <a:tcPr marL="91425" marR="91425" marT="91425" marB="91425">
-                    <a:lnL w="9525" cap="flat" cmpd="sng">
-                      <a:solidFill>
-                        <a:srgbClr val="0000FF"/>
-                      </a:solidFill>
-                      <a:prstDash val="solid"/>
-                      <a:round/>
-                      <a:headEnd type="none" w="sm" len="sm"/>
-                      <a:tailEnd type="none" w="sm" len="sm"/>
-                    </a:lnL>
-                    <a:lnR w="9525" cap="flat" cmpd="sng" algn="ctr">
-                      <a:solidFill>
-                        <a:srgbClr val="0000FF"/>
-                      </a:solidFill>
-                      <a:prstDash val="solid"/>
-                      <a:round/>
-                      <a:headEnd type="none" w="sm" len="sm"/>
-                      <a:tailEnd type="none" w="sm" len="sm"/>
-                    </a:lnR>
-                    <a:lnT w="9525" cap="flat" cmpd="sng">
-                      <a:solidFill>
-                        <a:srgbClr val="0000FF"/>
-                      </a:solidFill>
-                      <a:prstDash val="solid"/>
-                      <a:round/>
-                      <a:headEnd type="none" w="sm" len="sm"/>
-                      <a:tailEnd type="none" w="sm" len="sm"/>
-                    </a:lnT>
-                    <a:lnB w="9525" cap="flat" cmpd="sng">
-                      <a:solidFill>
-                        <a:srgbClr val="0000FF"/>
-                      </a:solidFill>
-                      <a:prstDash val="solid"/>
-                      <a:round/>
-                      <a:headEnd type="none" w="sm" len="sm"/>
-                      <a:tailEnd type="none" w="sm" len="sm"/>
-                    </a:lnB>
-                    <a:solidFill>
-                      <a:srgbClr val="DD7E6B"/>
-                    </a:solidFill>
-                  </a:tcPr>
-                </a:tc>
-                <a:tc>
-                  <a:txBody>
-                    <a:bodyPr/>
-                    <a:lstStyle/>
-                    <a:p>
-                      <a:pPr marL="0" lvl="0" indent="0">
-                        <a:spcBef>
-                          <a:spcPts val="0"/>
-                        </a:spcBef>
-                        <a:spcAft>
-                          <a:spcPts val="0"/>
-                        </a:spcAft>
-                        <a:buClr>
-                          <a:schemeClr val="dk1"/>
-                        </a:buClr>
-                        <a:buSzPts val="1100"/>
-                        <a:buFont typeface="Arial"/>
-                        <a:buNone/>
-                      </a:pPr>
-                      <a:endParaRPr sz="1200" dirty="0"/>
-                    </a:p>
-                  </a:txBody>
-                  <a:tcPr marL="91425" marR="91425" marT="91425" marB="91425">
-                    <a:lnL w="9525" cap="flat" cmpd="sng" algn="ctr">
-                      <a:solidFill>
-                        <a:srgbClr val="0000FF"/>
-                      </a:solidFill>
-                      <a:prstDash val="solid"/>
-                      <a:round/>
-                      <a:headEnd type="none" w="sm" len="sm"/>
-                      <a:tailEnd type="none" w="sm" len="sm"/>
-                    </a:lnL>
-                    <a:lnR w="9525" cap="flat" cmpd="sng" algn="ctr">
-                      <a:solidFill>
-                        <a:srgbClr val="0000FF"/>
-                      </a:solidFill>
-                      <a:prstDash val="solid"/>
-                      <a:round/>
-                      <a:headEnd type="none" w="sm" len="sm"/>
-                      <a:tailEnd type="none" w="sm" len="sm"/>
-                    </a:lnR>
-                    <a:lnT w="9525" cap="flat" cmpd="sng">
-                      <a:solidFill>
-                        <a:srgbClr val="0000FF"/>
-                      </a:solidFill>
-                      <a:prstDash val="solid"/>
-                      <a:round/>
-                      <a:headEnd type="none" w="sm" len="sm"/>
-                      <a:tailEnd type="none" w="sm" len="sm"/>
-                    </a:lnT>
-                    <a:lnB w="9525" cap="flat" cmpd="sng">
-                      <a:solidFill>
-                        <a:srgbClr val="0000FF"/>
-                      </a:solidFill>
-                      <a:prstDash val="solid"/>
-                      <a:round/>
-                      <a:headEnd type="none" w="sm" len="sm"/>
-                      <a:tailEnd type="none" w="sm" len="sm"/>
-                    </a:lnB>
-                    <a:solidFill>
-                      <a:srgbClr val="FFF2CC"/>
-                    </a:solidFill>
-                  </a:tcPr>
-                </a:tc>
-                <a:tc>
-                  <a:txBody>
-                    <a:bodyPr/>
-                    <a:lstStyle/>
-                    <a:p>
-                      <a:pPr marL="0" lvl="0" indent="0">
-                        <a:spcBef>
-                          <a:spcPts val="0"/>
-                        </a:spcBef>
-                        <a:spcAft>
-                          <a:spcPts val="0"/>
-                        </a:spcAft>
-                        <a:buClr>
-                          <a:schemeClr val="dk1"/>
-                        </a:buClr>
-                        <a:buSzPts val="1100"/>
-                        <a:buFont typeface="Arial"/>
-                        <a:buNone/>
-                      </a:pPr>
-                      <a:r>
-                        <a:rPr lang="es-MX" sz="1200" dirty="0"/>
-                        <a:t>100%</a:t>
-                      </a:r>
-                      <a:endParaRPr sz="1200" dirty="0"/>
-                    </a:p>
-                  </a:txBody>
-                  <a:tcPr marL="91425" marR="91425" marT="91425" marB="91425">
-                    <a:lnL w="9525" cap="flat" cmpd="sng" algn="ctr">
-                      <a:solidFill>
-                        <a:srgbClr val="0000FF"/>
-                      </a:solidFill>
-                      <a:prstDash val="solid"/>
-                      <a:round/>
-                      <a:headEnd type="none" w="sm" len="sm"/>
-                      <a:tailEnd type="none" w="sm" len="sm"/>
-                    </a:lnL>
-                    <a:lnR w="9525" cap="flat" cmpd="sng" algn="ctr">
-                      <a:solidFill>
-                        <a:srgbClr val="0000FF"/>
-                      </a:solidFill>
-                      <a:prstDash val="solid"/>
-                      <a:round/>
-                      <a:headEnd type="none" w="sm" len="sm"/>
-                      <a:tailEnd type="none" w="sm" len="sm"/>
-                    </a:lnR>
-                    <a:lnT w="9525" cap="flat" cmpd="sng">
-                      <a:solidFill>
-                        <a:srgbClr val="0000FF"/>
-                      </a:solidFill>
-                      <a:prstDash val="solid"/>
-                      <a:round/>
-                      <a:headEnd type="none" w="sm" len="sm"/>
-                      <a:tailEnd type="none" w="sm" len="sm"/>
-                    </a:lnT>
-                    <a:lnB w="9525" cap="flat" cmpd="sng">
-                      <a:solidFill>
-                        <a:srgbClr val="0000FF"/>
-                      </a:solidFill>
-                      <a:prstDash val="solid"/>
-                      <a:round/>
-                      <a:headEnd type="none" w="sm" len="sm"/>
-                      <a:tailEnd type="none" w="sm" len="sm"/>
-                    </a:lnB>
-                    <a:solidFill>
-                      <a:srgbClr val="FFF2CC"/>
-                    </a:solidFill>
-                  </a:tcPr>
-                </a:tc>
-                <a:tc>
-                  <a:txBody>
-                    <a:bodyPr/>
-                    <a:lstStyle/>
-                    <a:p>
-                      <a:pPr marL="0" lvl="0" indent="0">
-                        <a:spcBef>
-                          <a:spcPts val="0"/>
-                        </a:spcBef>
-                        <a:spcAft>
-                          <a:spcPts val="0"/>
-                        </a:spcAft>
-                        <a:buClr>
-                          <a:schemeClr val="dk1"/>
-                        </a:buClr>
-                        <a:buSzPts val="1100"/>
-                        <a:buFont typeface="Arial"/>
-                        <a:buNone/>
-                      </a:pPr>
-                      <a:r>
-                        <a:rPr lang="es-MX" sz="1200" dirty="0"/>
-                        <a:t>100%</a:t>
-                      </a:r>
-                      <a:endParaRPr sz="1200" dirty="0"/>
-                    </a:p>
-                  </a:txBody>
-                  <a:tcPr marL="91425" marR="91425" marT="91425" marB="91425">
-                    <a:lnL w="9525" cap="flat" cmpd="sng" algn="ctr">
-                      <a:solidFill>
-                        <a:srgbClr val="0000FF"/>
-                      </a:solidFill>
-                      <a:prstDash val="solid"/>
-                      <a:round/>
-                      <a:headEnd type="none" w="sm" len="sm"/>
-                      <a:tailEnd type="none" w="sm" len="sm"/>
-                    </a:lnL>
-                    <a:lnR w="9525" cap="flat" cmpd="sng" algn="ctr">
-                      <a:solidFill>
-                        <a:srgbClr val="0000FF"/>
-                      </a:solidFill>
-                      <a:prstDash val="solid"/>
-                      <a:round/>
-                      <a:headEnd type="none" w="sm" len="sm"/>
-                      <a:tailEnd type="none" w="sm" len="sm"/>
-                    </a:lnR>
-                    <a:lnT w="9525" cap="flat" cmpd="sng">
-                      <a:solidFill>
-                        <a:srgbClr val="0000FF"/>
-                      </a:solidFill>
-                      <a:prstDash val="solid"/>
-                      <a:round/>
-                      <a:headEnd type="none" w="sm" len="sm"/>
-                      <a:tailEnd type="none" w="sm" len="sm"/>
-                    </a:lnT>
-                    <a:lnB w="9525" cap="flat" cmpd="sng">
-                      <a:solidFill>
-                        <a:srgbClr val="0000FF"/>
-                      </a:solidFill>
-                      <a:prstDash val="solid"/>
-                      <a:round/>
-                      <a:headEnd type="none" w="sm" len="sm"/>
-                      <a:tailEnd type="none" w="sm" len="sm"/>
-                    </a:lnB>
-                    <a:solidFill>
-                      <a:srgbClr val="FFF2CC"/>
-                    </a:solidFill>
-                  </a:tcPr>
-                </a:tc>
-                <a:tc>
-                  <a:txBody>
-                    <a:bodyPr/>
-                    <a:lstStyle/>
-                    <a:p>
-                      <a:pPr marL="0" lvl="0" indent="0">
-                        <a:spcBef>
-                          <a:spcPts val="0"/>
-                        </a:spcBef>
-                        <a:spcAft>
-                          <a:spcPts val="0"/>
-                        </a:spcAft>
-                        <a:buClr>
-                          <a:schemeClr val="dk1"/>
-                        </a:buClr>
-                        <a:buSzPts val="1100"/>
-                        <a:buFont typeface="Arial"/>
-                        <a:buNone/>
-                      </a:pPr>
-                      <a:r>
-                        <a:rPr lang="es-MX" sz="1200" dirty="0"/>
-                        <a:t>100%</a:t>
-                      </a:r>
-                      <a:endParaRPr sz="1200" dirty="0"/>
-                    </a:p>
-                  </a:txBody>
-                  <a:tcPr marL="91425" marR="91425" marT="91425" marB="91425">
-                    <a:lnL w="9525" cap="flat" cmpd="sng" algn="ctr">
-                      <a:solidFill>
-                        <a:srgbClr val="0000FF"/>
-                      </a:solidFill>
-                      <a:prstDash val="solid"/>
-                      <a:round/>
-                      <a:headEnd type="none" w="sm" len="sm"/>
-                      <a:tailEnd type="none" w="sm" len="sm"/>
-                    </a:lnL>
-                    <a:lnR w="9525" cap="flat" cmpd="sng" algn="ctr">
-                      <a:solidFill>
-                        <a:srgbClr val="0000FF"/>
-                      </a:solidFill>
-                      <a:prstDash val="solid"/>
-                      <a:round/>
-                      <a:headEnd type="none" w="sm" len="sm"/>
-                      <a:tailEnd type="none" w="sm" len="sm"/>
-                    </a:lnR>
-                    <a:lnT w="9525" cap="flat" cmpd="sng">
-                      <a:solidFill>
-                        <a:srgbClr val="0000FF"/>
-                      </a:solidFill>
-                      <a:prstDash val="solid"/>
-                      <a:round/>
-                      <a:headEnd type="none" w="sm" len="sm"/>
-                      <a:tailEnd type="none" w="sm" len="sm"/>
-                    </a:lnT>
-                    <a:lnB w="9525" cap="flat" cmpd="sng">
-                      <a:solidFill>
-                        <a:srgbClr val="0000FF"/>
-                      </a:solidFill>
-                      <a:prstDash val="solid"/>
-                      <a:round/>
-                      <a:headEnd type="none" w="sm" len="sm"/>
-                      <a:tailEnd type="none" w="sm" len="sm"/>
-                    </a:lnB>
-                    <a:solidFill>
-                      <a:srgbClr val="FFF2CC"/>
-                    </a:solidFill>
-                  </a:tcPr>
-                </a:tc>
-                <a:tc>
-                  <a:txBody>
-                    <a:bodyPr/>
-                    <a:lstStyle/>
-                    <a:p>
-                      <a:pPr marL="0" lvl="0" indent="0">
-                        <a:spcBef>
-                          <a:spcPts val="0"/>
-                        </a:spcBef>
-                        <a:spcAft>
-                          <a:spcPts val="0"/>
-                        </a:spcAft>
-                        <a:buClr>
-                          <a:schemeClr val="dk1"/>
-                        </a:buClr>
-                        <a:buSzPts val="1100"/>
-                        <a:buFont typeface="Arial"/>
-                        <a:buNone/>
-                      </a:pPr>
-                      <a:r>
-                        <a:rPr lang="es-MX" sz="1200" dirty="0"/>
-                        <a:t>100%</a:t>
-                      </a:r>
-                      <a:endParaRPr sz="1200" dirty="0"/>
-                    </a:p>
-                  </a:txBody>
-                  <a:tcPr marL="91425" marR="91425" marT="91425" marB="91425">
-                    <a:lnL w="9525" cap="flat" cmpd="sng" algn="ctr">
-                      <a:solidFill>
-                        <a:srgbClr val="0000FF"/>
-                      </a:solidFill>
-                      <a:prstDash val="solid"/>
-                      <a:round/>
-                      <a:headEnd type="none" w="sm" len="sm"/>
-                      <a:tailEnd type="none" w="sm" len="sm"/>
-                    </a:lnL>
-                    <a:lnR w="9525" cap="flat" cmpd="sng" algn="ctr">
-                      <a:solidFill>
-                        <a:srgbClr val="0000FF"/>
-                      </a:solidFill>
-                      <a:prstDash val="solid"/>
-                      <a:round/>
-                      <a:headEnd type="none" w="sm" len="sm"/>
-                      <a:tailEnd type="none" w="sm" len="sm"/>
-                    </a:lnR>
-                    <a:lnT w="9525" cap="flat" cmpd="sng">
-                      <a:solidFill>
-                        <a:srgbClr val="0000FF"/>
-                      </a:solidFill>
-                      <a:prstDash val="solid"/>
-                      <a:round/>
-                      <a:headEnd type="none" w="sm" len="sm"/>
-                      <a:tailEnd type="none" w="sm" len="sm"/>
-                    </a:lnT>
-                    <a:lnB w="9525" cap="flat" cmpd="sng">
-                      <a:solidFill>
-                        <a:srgbClr val="0000FF"/>
-                      </a:solidFill>
-                      <a:prstDash val="solid"/>
-                      <a:round/>
-                      <a:headEnd type="none" w="sm" len="sm"/>
-                      <a:tailEnd type="none" w="sm" len="sm"/>
-                    </a:lnB>
-                    <a:solidFill>
-                      <a:srgbClr val="FFF2CC"/>
-                    </a:solidFill>
-                  </a:tcPr>
-                </a:tc>
-                <a:tc>
-                  <a:txBody>
-                    <a:bodyPr/>
-                    <a:lstStyle/>
-                    <a:p>
-                      <a:pPr marL="0" lvl="0" indent="0">
-                        <a:spcBef>
-                          <a:spcPts val="0"/>
-                        </a:spcBef>
-                        <a:spcAft>
-                          <a:spcPts val="0"/>
-                        </a:spcAft>
-                        <a:buClr>
-                          <a:schemeClr val="dk1"/>
-                        </a:buClr>
-                        <a:buSzPts val="1100"/>
-                        <a:buFont typeface="Arial"/>
-                        <a:buNone/>
-                      </a:pPr>
-                      <a:r>
-                        <a:rPr lang="es-MX" sz="1200" dirty="0"/>
-                        <a:t>100%</a:t>
-                      </a:r>
-                      <a:endParaRPr sz="1200" dirty="0"/>
-                    </a:p>
-                  </a:txBody>
-                  <a:tcPr marL="91425" marR="91425" marT="91425" marB="91425">
-                    <a:lnL w="9525" cap="flat" cmpd="sng" algn="ctr">
-                      <a:solidFill>
-                        <a:srgbClr val="0000FF"/>
-                      </a:solidFill>
-                      <a:prstDash val="solid"/>
-                      <a:round/>
-                      <a:headEnd type="none" w="sm" len="sm"/>
-                      <a:tailEnd type="none" w="sm" len="sm"/>
-                    </a:lnL>
-                    <a:lnR w="9525" cap="flat" cmpd="sng" algn="ctr">
-                      <a:solidFill>
-                        <a:srgbClr val="0000FF"/>
-                      </a:solidFill>
-                      <a:prstDash val="solid"/>
-                      <a:round/>
-                      <a:headEnd type="none" w="sm" len="sm"/>
-                      <a:tailEnd type="none" w="sm" len="sm"/>
-                    </a:lnR>
-                    <a:lnT w="9525" cap="flat" cmpd="sng">
-                      <a:solidFill>
-                        <a:srgbClr val="0000FF"/>
-                      </a:solidFill>
-                      <a:prstDash val="solid"/>
-                      <a:round/>
-                      <a:headEnd type="none" w="sm" len="sm"/>
-                      <a:tailEnd type="none" w="sm" len="sm"/>
-                    </a:lnT>
-                    <a:lnB w="9525" cap="flat" cmpd="sng">
-                      <a:solidFill>
-                        <a:srgbClr val="0000FF"/>
-                      </a:solidFill>
-                      <a:prstDash val="solid"/>
-                      <a:round/>
-                      <a:headEnd type="none" w="sm" len="sm"/>
-                      <a:tailEnd type="none" w="sm" len="sm"/>
-                    </a:lnB>
-                    <a:solidFill>
-                      <a:srgbClr val="FFF2CC"/>
-                    </a:solidFill>
-                  </a:tcPr>
-                </a:tc>
-                <a:tc>
-                  <a:txBody>
-                    <a:bodyPr/>
-                    <a:lstStyle/>
-                    <a:p>
-                      <a:pPr marL="0" lvl="0" indent="0">
-                        <a:spcBef>
-                          <a:spcPts val="0"/>
-                        </a:spcBef>
-                        <a:spcAft>
-                          <a:spcPts val="0"/>
-                        </a:spcAft>
-                        <a:buClr>
-                          <a:schemeClr val="dk1"/>
-                        </a:buClr>
-                        <a:buSzPts val="1100"/>
-                        <a:buFont typeface="Arial"/>
-                        <a:buNone/>
-                      </a:pPr>
-                      <a:r>
-                        <a:rPr lang="es-MX" sz="1200" dirty="0"/>
-                        <a:t>100%</a:t>
-                      </a:r>
-                      <a:endParaRPr sz="1200" dirty="0"/>
-                    </a:p>
-                  </a:txBody>
-                  <a:tcPr marL="91425" marR="91425" marT="91425" marB="91425">
-                    <a:lnL w="9525" cap="flat" cmpd="sng" algn="ctr">
-                      <a:solidFill>
-                        <a:srgbClr val="0000FF"/>
-                      </a:solidFill>
-                      <a:prstDash val="solid"/>
-                      <a:round/>
-                      <a:headEnd type="none" w="sm" len="sm"/>
-                      <a:tailEnd type="none" w="sm" len="sm"/>
-                    </a:lnL>
-                    <a:lnR w="9525" cap="flat" cmpd="sng" algn="ctr">
-                      <a:solidFill>
-                        <a:srgbClr val="0000FF"/>
-                      </a:solidFill>
-                      <a:prstDash val="solid"/>
-                      <a:round/>
-                      <a:headEnd type="none" w="sm" len="sm"/>
-                      <a:tailEnd type="none" w="sm" len="sm"/>
-                    </a:lnR>
-                    <a:lnT w="9525" cap="flat" cmpd="sng">
-                      <a:solidFill>
-                        <a:srgbClr val="0000FF"/>
-                      </a:solidFill>
-                      <a:prstDash val="solid"/>
-                      <a:round/>
-                      <a:headEnd type="none" w="sm" len="sm"/>
-                      <a:tailEnd type="none" w="sm" len="sm"/>
-                    </a:lnT>
-                    <a:lnB w="9525" cap="flat" cmpd="sng">
-                      <a:solidFill>
-                        <a:srgbClr val="0000FF"/>
-                      </a:solidFill>
-                      <a:prstDash val="solid"/>
-                      <a:round/>
-                      <a:headEnd type="none" w="sm" len="sm"/>
-                      <a:tailEnd type="none" w="sm" len="sm"/>
-                    </a:lnB>
-                    <a:solidFill>
-                      <a:srgbClr val="FFF2CC"/>
-                    </a:solidFill>
-                  </a:tcPr>
-                </a:tc>
-                <a:tc>
-                  <a:txBody>
-                    <a:bodyPr/>
-                    <a:lstStyle/>
-                    <a:p>
-                      <a:pPr marL="0" marR="0" lvl="0" indent="0" algn="l" defTabSz="914400" rtl="0" eaLnBrk="1" fontAlgn="auto" latinLnBrk="0" hangingPunct="1">
-                        <a:lnSpc>
-                          <a:spcPct val="100000"/>
-                        </a:lnSpc>
-                        <a:spcBef>
-                          <a:spcPts val="0"/>
-                        </a:spcBef>
-                        <a:spcAft>
-                          <a:spcPts val="0"/>
-                        </a:spcAft>
-                        <a:buClr>
-                          <a:schemeClr val="dk1"/>
-                        </a:buClr>
-                        <a:buSzPts val="1100"/>
-                        <a:buFont typeface="Arial"/>
-                        <a:buNone/>
-                        <a:tabLst/>
-                        <a:defRPr/>
-                      </a:pPr>
-                      <a:r>
-                        <a:rPr lang="es-MX" sz="1200" dirty="0"/>
-                        <a:t>%100</a:t>
-                      </a:r>
-                    </a:p>
-                  </a:txBody>
-                  <a:tcPr marL="91425" marR="91425" marT="91425" marB="91425">
-                    <a:lnL w="9525" cap="flat" cmpd="sng" algn="ctr">
-                      <a:solidFill>
-                        <a:srgbClr val="0000FF"/>
-                      </a:solidFill>
-                      <a:prstDash val="solid"/>
-                      <a:round/>
-                      <a:headEnd type="none" w="sm" len="sm"/>
-                      <a:tailEnd type="none" w="sm" len="sm"/>
-                    </a:lnL>
-                    <a:lnR w="9525" cap="flat" cmpd="sng" algn="ctr">
-                      <a:solidFill>
-                        <a:srgbClr val="0000FF"/>
-                      </a:solidFill>
-                      <a:prstDash val="solid"/>
-                      <a:round/>
-                      <a:headEnd type="none" w="sm" len="sm"/>
-                      <a:tailEnd type="none" w="sm" len="sm"/>
-                    </a:lnR>
-                    <a:lnT w="9525" cap="flat" cmpd="sng" algn="ctr">
-                      <a:solidFill>
-                        <a:srgbClr val="0000FF"/>
-                      </a:solidFill>
-                      <a:prstDash val="solid"/>
-                      <a:round/>
-                      <a:headEnd type="none" w="sm" len="sm"/>
-                      <a:tailEnd type="none" w="sm" len="sm"/>
-                    </a:lnT>
-                    <a:lnB w="9525" cap="flat" cmpd="sng">
-                      <a:solidFill>
-                        <a:srgbClr val="0000FF"/>
-                      </a:solidFill>
-                      <a:prstDash val="solid"/>
-                      <a:round/>
-                      <a:headEnd type="none" w="sm" len="sm"/>
-                      <a:tailEnd type="none" w="sm" len="sm"/>
-                    </a:lnB>
-                    <a:solidFill>
-                      <a:srgbClr val="FFF2CC"/>
-                    </a:solidFill>
-                  </a:tcPr>
-                </a:tc>
-                <a:tc>
-                  <a:txBody>
-                    <a:bodyPr/>
-                    <a:lstStyle/>
-                    <a:p>
-                      <a:pPr marL="0" lvl="0" indent="0">
-                        <a:spcBef>
-                          <a:spcPts val="0"/>
-                        </a:spcBef>
-                        <a:spcAft>
-                          <a:spcPts val="0"/>
-                        </a:spcAft>
-                        <a:buClr>
-                          <a:schemeClr val="dk1"/>
-                        </a:buClr>
-                        <a:buSzPts val="1100"/>
-                        <a:buFont typeface="Arial"/>
-                        <a:buNone/>
-                      </a:pPr>
-                      <a:endParaRPr sz="1200" dirty="0"/>
-                    </a:p>
-                  </a:txBody>
-                  <a:tcPr marL="91425" marR="91425" marT="91425" marB="91425">
-                    <a:lnL w="9525" cap="flat" cmpd="sng" algn="ctr">
-                      <a:solidFill>
-                        <a:srgbClr val="0000FF"/>
-                      </a:solidFill>
-                      <a:prstDash val="solid"/>
-                      <a:round/>
-                      <a:headEnd type="none" w="sm" len="sm"/>
-                      <a:tailEnd type="none" w="sm" len="sm"/>
-                    </a:lnL>
-                    <a:lnR w="9525" cap="flat" cmpd="sng">
-                      <a:solidFill>
-                        <a:srgbClr val="0000FF"/>
-                      </a:solidFill>
-                      <a:prstDash val="solid"/>
-                      <a:round/>
-                      <a:headEnd type="none" w="sm" len="sm"/>
-                      <a:tailEnd type="none" w="sm" len="sm"/>
-                    </a:lnR>
-                    <a:lnT w="9525" cap="flat" cmpd="sng" algn="ctr">
-                      <a:solidFill>
-                        <a:srgbClr val="0000FF"/>
-                      </a:solidFill>
-                      <a:prstDash val="solid"/>
-                      <a:round/>
-                      <a:headEnd type="none" w="sm" len="sm"/>
-                      <a:tailEnd type="none" w="sm" len="sm"/>
-                    </a:lnT>
-                    <a:lnB w="9525" cap="flat" cmpd="sng">
-                      <a:solidFill>
-                        <a:srgbClr val="0000FF"/>
-                      </a:solidFill>
-                      <a:prstDash val="solid"/>
-                      <a:round/>
-                      <a:headEnd type="none" w="sm" len="sm"/>
-                      <a:tailEnd type="none" w="sm" len="sm"/>
-                    </a:lnB>
-                    <a:solidFill>
-                      <a:srgbClr val="FFF2CC"/>
-                    </a:solidFill>
-                  </a:tcPr>
-                </a:tc>
-                <a:extLst>
-                  <a:ext uri="{0D108BD9-81ED-4DB2-BD59-A6C34878D82A}">
-                    <a16:rowId xmlns:a16="http://schemas.microsoft.com/office/drawing/2014/main" val="743044343"/>
-                  </a:ext>
-                </a:extLst>
-              </a:tr>
-            </a:tbl>
-          </a:graphicData>
-        </a:graphic>
-      </p:graphicFrame>
-      <p:sp>
-        <p:nvSpPr>
-          <p:cNvPr id="2" name="CuadroTexto 1">
-            <a:extLst>
-              <a:ext uri="{FF2B5EF4-FFF2-40B4-BE49-F238E27FC236}">
-                <a16:creationId xmlns:a16="http://schemas.microsoft.com/office/drawing/2014/main" id="{F9396969-C2B4-4025-A448-7C8C22AE0916}"/>
-              </a:ext>
-            </a:extLst>
-          </p:cNvPr>
-          <p:cNvSpPr txBox="1"/>
-          <p:nvPr/>
-        </p:nvSpPr>
-        <p:spPr>
-          <a:xfrm>
-            <a:off x="2889956" y="546718"/>
-            <a:ext cx="3635023" cy="307777"/>
-          </a:xfrm>
-          <a:prstGeom prst="rect">
-            <a:avLst/>
-          </a:prstGeom>
-          <a:noFill/>
-        </p:spPr>
-        <p:txBody>
-          <a:bodyPr wrap="square" rtlCol="0">
-            <a:spAutoFit/>
-          </a:bodyPr>
-          <a:lstStyle/>
-          <a:p>
-            <a:r>
-              <a:rPr lang="es-MX" dirty="0"/>
-              <a:t>Avances hasta la primera entrega</a:t>
-            </a:r>
-          </a:p>
-        </p:txBody>
-      </p:sp>
-      <p:sp>
-        <p:nvSpPr>
-          <p:cNvPr id="3" name="CuadroTexto 2">
-            <a:extLst>
-              <a:ext uri="{FF2B5EF4-FFF2-40B4-BE49-F238E27FC236}">
-                <a16:creationId xmlns:a16="http://schemas.microsoft.com/office/drawing/2014/main" id="{B7E4C45B-25D3-46B6-8626-C91735CB7DAE}"/>
-              </a:ext>
-            </a:extLst>
-          </p:cNvPr>
-          <p:cNvSpPr txBox="1"/>
-          <p:nvPr/>
-        </p:nvSpPr>
-        <p:spPr>
-          <a:xfrm>
-            <a:off x="6287911" y="231278"/>
-            <a:ext cx="2373560" cy="1169551"/>
-          </a:xfrm>
-          <a:prstGeom prst="rect">
-            <a:avLst/>
-          </a:prstGeom>
-          <a:noFill/>
-        </p:spPr>
-        <p:txBody>
-          <a:bodyPr wrap="square" rtlCol="0">
-            <a:spAutoFit/>
-          </a:bodyPr>
-          <a:lstStyle/>
-          <a:p>
-            <a:r>
-              <a:rPr lang="es-MX" dirty="0"/>
-              <a:t>140-170 - Excelente</a:t>
-            </a:r>
-          </a:p>
-          <a:p>
-            <a:r>
-              <a:rPr lang="es-MX" dirty="0"/>
-              <a:t>100-140 - Bueno</a:t>
-            </a:r>
-          </a:p>
-          <a:p>
-            <a:r>
-              <a:rPr lang="es-MX" dirty="0"/>
-              <a:t>80-100 - Medio</a:t>
-            </a:r>
-          </a:p>
-          <a:p>
-            <a:r>
-              <a:rPr lang="es-MX" dirty="0"/>
-              <a:t>Menos de 80-Deficiente</a:t>
-            </a:r>
-          </a:p>
-          <a:p>
-            <a:endParaRPr lang="es-MX" dirty="0"/>
-          </a:p>
-        </p:txBody>
-      </p:sp>
-    </p:spTree>
-  </p:cSld>
-  <p:clrMapOvr>
-    <a:masterClrMapping/>
-  </p:clrMapOvr>
-</p:sld>
-</file>
-
-<file path=ppt/slides/slide7.xml><?xml version="1.0" encoding="utf-8"?>
-<p:sld xmlns:a="http://schemas.openxmlformats.org/drawingml/2006/main" xmlns:r="http://schemas.openxmlformats.org/officeDocument/2006/relationships" xmlns:p="http://schemas.openxmlformats.org/presentationml/2006/main">
-  <p:cSld>
-    <p:spTree>
-      <p:nvGrpSpPr>
         <p:cNvPr id="1" name=""/>
         <p:cNvGrpSpPr/>
         <p:nvPr/>
@@ -24248,7 +18760,7 @@
             </a:pPr>
             <a:fld id="{00000000-1234-1234-1234-123412341234}" type="slidenum">
               <a:rPr lang="es-MX" smtClean="0"/>
-              <a:t>7</a:t>
+              <a:t>6</a:t>
             </a:fld>
             <a:endParaRPr lang="es-MX"/>
           </a:p>
@@ -24767,7 +19279,7 @@
 </p:sld>
 </file>
 
-<file path=ppt/slides/slide8.xml><?xml version="1.0" encoding="utf-8"?>
+<file path=ppt/slides/slide7.xml><?xml version="1.0" encoding="utf-8"?>
 <p:sld xmlns:a="http://schemas.openxmlformats.org/drawingml/2006/main" xmlns:r="http://schemas.openxmlformats.org/officeDocument/2006/relationships" xmlns:p="http://schemas.openxmlformats.org/presentationml/2006/main">
   <p:cSld>
     <p:spTree>
@@ -25004,7 +19516,7 @@
                 <a:cs typeface="Nunito Sans"/>
                 <a:sym typeface="Nunito Sans"/>
               </a:rPr>
-              <a:t>8</a:t>
+              <a:t>7</a:t>
             </a:fld>
             <a:endParaRPr sz="1000" b="0" i="0" u="none" strike="noStrike" cap="none">
               <a:solidFill>

--- a/Plan_de_Trabajo/Presentacion.pptx
+++ b/Plan_de_Trabajo/Presentacion.pptx
@@ -18768,10 +18768,10 @@
       </p:sp>
       <p:sp>
         <p:nvSpPr>
-          <p:cNvPr id="5" name="Marcador de texto 4">
+          <p:cNvPr id="10" name="Marcador de texto 9">
             <a:extLst>
               <a:ext uri="{FF2B5EF4-FFF2-40B4-BE49-F238E27FC236}">
-                <a16:creationId xmlns:a16="http://schemas.microsoft.com/office/drawing/2014/main" id="{C8A07BAD-6CD7-4831-A784-25C8D7DAEA66}"/>
+                <a16:creationId xmlns:a16="http://schemas.microsoft.com/office/drawing/2014/main" id="{25A8D54D-BD69-4595-AECC-FD50BB3C226F}"/>
               </a:ext>
             </a:extLst>
           </p:cNvPr>
@@ -18784,485 +18784,72 @@
         </p:nvSpPr>
         <p:spPr>
           <a:xfrm>
-            <a:off x="6176312" y="776880"/>
-            <a:ext cx="2610264" cy="2552100"/>
+            <a:off x="3635373" y="933930"/>
+            <a:ext cx="4730413" cy="3622570"/>
           </a:xfrm>
         </p:spPr>
         <p:txBody>
           <a:bodyPr/>
           <a:lstStyle/>
           <a:p>
-            <a:pPr marL="158750" indent="0">
-              <a:buNone/>
-            </a:pPr>
             <a:r>
-              <a:rPr lang="es-MX" b="1" dirty="0"/>
-              <a:t>CODIFICACIÓN</a:t>
+              <a:rPr lang="es-MX" sz="1600" dirty="0"/>
+              <a:t>Ulises: programador, organizador.</a:t>
+            </a:r>
+          </a:p>
+          <a:p>
+            <a:endParaRPr lang="es-MX" sz="1600" dirty="0"/>
+          </a:p>
+          <a:p>
+            <a:r>
+              <a:rPr lang="es-MX" sz="1600" dirty="0" err="1"/>
+              <a:t>Shaid</a:t>
+            </a:r>
+            <a:r>
+              <a:rPr lang="es-MX" sz="1600" dirty="0"/>
+              <a:t>: programador, analista.</a:t>
+            </a:r>
+          </a:p>
+          <a:p>
+            <a:endParaRPr lang="es-MX" sz="1600" dirty="0"/>
+          </a:p>
+          <a:p>
+            <a:r>
+              <a:rPr lang="es-MX" sz="1600" dirty="0"/>
+              <a:t>Martin: programador, </a:t>
+            </a:r>
+            <a:r>
+              <a:rPr lang="es-MX" sz="1600" dirty="0" err="1"/>
+              <a:t>tester</a:t>
+            </a:r>
+            <a:r>
+              <a:rPr lang="es-MX" sz="1600" dirty="0"/>
+              <a:t>.</a:t>
             </a:r>
           </a:p>
           <a:p>
             <a:pPr marL="158750" indent="0">
               <a:buNone/>
             </a:pPr>
+            <a:endParaRPr lang="es-MX" sz="1600" dirty="0"/>
+          </a:p>
+          <a:p>
             <a:r>
-              <a:rPr lang="es-MX" dirty="0"/>
-              <a:t>Administración de Usuarios</a:t>
+              <a:rPr lang="es-MX" sz="1600" dirty="0"/>
+              <a:t>Juan: programador, diseñador</a:t>
             </a:r>
           </a:p>
           <a:p>
-            <a:pPr marL="158750" indent="0">
-              <a:buNone/>
-            </a:pPr>
+            <a:endParaRPr lang="es-MX" sz="1600" dirty="0"/>
+          </a:p>
+          <a:p>
             <a:r>
-              <a:rPr lang="es-MX" dirty="0" err="1"/>
-              <a:t>Shaid</a:t>
-            </a:r>
-            <a:r>
-              <a:rPr lang="es-MX" dirty="0"/>
-              <a:t>, Martin</a:t>
+              <a:rPr lang="es-MX" sz="1600" dirty="0"/>
+              <a:t>Emmanuel: programador.</a:t>
             </a:r>
           </a:p>
           <a:p>
-            <a:pPr marL="158750" indent="0">
-              <a:buNone/>
-            </a:pPr>
-            <a:r>
-              <a:rPr lang="es-MX" dirty="0"/>
-              <a:t>Acciones del administrador</a:t>
-            </a:r>
-          </a:p>
-          <a:p>
-            <a:pPr marL="158750" indent="0">
-              <a:buNone/>
-            </a:pPr>
-            <a:r>
-              <a:rPr lang="es-MX" dirty="0"/>
-              <a:t>Juan, Ulises</a:t>
-            </a:r>
-          </a:p>
-          <a:p>
-            <a:pPr marL="158750" indent="0">
-              <a:buNone/>
-            </a:pPr>
-            <a:r>
-              <a:rPr lang="es-MX" dirty="0"/>
-              <a:t>Diseño de interfaz de usuario</a:t>
-            </a:r>
-          </a:p>
-          <a:p>
-            <a:pPr marL="158750" indent="0">
-              <a:buNone/>
-            </a:pPr>
-            <a:r>
-              <a:rPr lang="es-MX" dirty="0"/>
-              <a:t>Ulises, Emmanuel</a:t>
-            </a:r>
-          </a:p>
-        </p:txBody>
-      </p:sp>
-      <p:sp>
-        <p:nvSpPr>
-          <p:cNvPr id="6" name="Marcador de texto 5">
-            <a:extLst>
-              <a:ext uri="{FF2B5EF4-FFF2-40B4-BE49-F238E27FC236}">
-                <a16:creationId xmlns:a16="http://schemas.microsoft.com/office/drawing/2014/main" id="{E042A0CA-CDB5-42B4-8A5A-29873448522D}"/>
-              </a:ext>
-            </a:extLst>
-          </p:cNvPr>
-          <p:cNvSpPr>
-            <a:spLocks noGrp="1"/>
-          </p:cNvSpPr>
-          <p:nvPr>
-            <p:ph type="body" idx="3"/>
-          </p:nvPr>
-        </p:nvSpPr>
-        <p:spPr>
-          <a:xfrm>
-            <a:off x="2883980" y="2434608"/>
-            <a:ext cx="2308130" cy="2121891"/>
-          </a:xfrm>
-        </p:spPr>
-        <p:txBody>
-          <a:bodyPr/>
-          <a:lstStyle/>
-          <a:p>
-            <a:pPr marL="158750" indent="0">
-              <a:buNone/>
-            </a:pPr>
-            <a:r>
-              <a:rPr lang="es-MX" b="1" dirty="0"/>
-              <a:t>DISEÑO</a:t>
-            </a:r>
-          </a:p>
-          <a:p>
-            <a:pPr marL="158750" indent="0">
-              <a:buNone/>
-            </a:pPr>
-            <a:r>
-              <a:rPr lang="es-MX" dirty="0"/>
-              <a:t>Escenarios de Uso y Casos de Uso:</a:t>
-            </a:r>
-          </a:p>
-          <a:p>
-            <a:pPr marL="158750" indent="0">
-              <a:buNone/>
-            </a:pPr>
-            <a:r>
-              <a:rPr lang="es-MX" dirty="0" err="1"/>
-              <a:t>Shaid</a:t>
-            </a:r>
-            <a:r>
-              <a:rPr lang="es-MX" dirty="0"/>
-              <a:t> y Martin</a:t>
-            </a:r>
-          </a:p>
-          <a:p>
-            <a:pPr marL="158750" indent="0">
-              <a:buNone/>
-            </a:pPr>
             <a:endParaRPr lang="es-MX" dirty="0"/>
-          </a:p>
-          <a:p>
-            <a:pPr marL="158750" indent="0">
-              <a:buNone/>
-            </a:pPr>
-            <a:r>
-              <a:rPr lang="es-MX" dirty="0"/>
-              <a:t>Diagrama de clases:</a:t>
-            </a:r>
-          </a:p>
-          <a:p>
-            <a:pPr marL="158750" indent="0">
-              <a:buNone/>
-            </a:pPr>
-            <a:r>
-              <a:rPr lang="es-MX" dirty="0"/>
-              <a:t>Ulises</a:t>
-            </a:r>
-          </a:p>
-          <a:p>
-            <a:pPr marL="158750" indent="0">
-              <a:buNone/>
-            </a:pPr>
-            <a:endParaRPr lang="es-MX" dirty="0"/>
-          </a:p>
-        </p:txBody>
-      </p:sp>
-      <p:sp>
-        <p:nvSpPr>
-          <p:cNvPr id="7" name="Marcador de texto 4">
-            <a:extLst>
-              <a:ext uri="{FF2B5EF4-FFF2-40B4-BE49-F238E27FC236}">
-                <a16:creationId xmlns:a16="http://schemas.microsoft.com/office/drawing/2014/main" id="{786949EB-A9BE-4272-9194-0B497AFD8170}"/>
-              </a:ext>
-            </a:extLst>
-          </p:cNvPr>
-          <p:cNvSpPr txBox="1">
-            <a:spLocks/>
-          </p:cNvSpPr>
-          <p:nvPr/>
-        </p:nvSpPr>
-        <p:spPr>
-          <a:xfrm>
-            <a:off x="2674545" y="346596"/>
-            <a:ext cx="2727000" cy="1561226"/>
-          </a:xfrm>
-          <a:prstGeom prst="rect">
-            <a:avLst/>
-          </a:prstGeom>
-          <a:noFill/>
-          <a:ln>
-            <a:noFill/>
-          </a:ln>
-        </p:spPr>
-        <p:txBody>
-          <a:bodyPr spcFirstLastPara="1" wrap="square" lIns="91425" tIns="91425" rIns="91425" bIns="91425" anchor="t" anchorCtr="0"/>
-          <a:lstStyle>
-            <a:defPPr marR="0" lvl="0" algn="l" rtl="0">
-              <a:lnSpc>
-                <a:spcPct val="100000"/>
-              </a:lnSpc>
-              <a:spcBef>
-                <a:spcPts val="0"/>
-              </a:spcBef>
-              <a:spcAft>
-                <a:spcPts val="0"/>
-              </a:spcAft>
-            </a:defPPr>
-            <a:lvl1pPr marL="457200" marR="0" lvl="0" indent="-298450" algn="l" rtl="0">
-              <a:lnSpc>
-                <a:spcPct val="115000"/>
-              </a:lnSpc>
-              <a:spcBef>
-                <a:spcPts val="600"/>
-              </a:spcBef>
-              <a:spcAft>
-                <a:spcPts val="0"/>
-              </a:spcAft>
-              <a:buClr>
-                <a:srgbClr val="CCCCCC"/>
-              </a:buClr>
-              <a:buSzPts val="1100"/>
-              <a:buFont typeface="Nunito Sans"/>
-              <a:buChar char="▪"/>
-              <a:defRPr sz="1100" b="0" i="0" u="none" strike="noStrike" cap="none">
-                <a:solidFill>
-                  <a:srgbClr val="666666"/>
-                </a:solidFill>
-                <a:latin typeface="Nunito Sans"/>
-                <a:ea typeface="Nunito Sans"/>
-                <a:cs typeface="Nunito Sans"/>
-                <a:sym typeface="Nunito Sans"/>
-              </a:defRPr>
-            </a:lvl1pPr>
-            <a:lvl2pPr marL="914400" marR="0" lvl="1" indent="-298450" algn="l" rtl="0">
-              <a:lnSpc>
-                <a:spcPct val="115000"/>
-              </a:lnSpc>
-              <a:spcBef>
-                <a:spcPts val="0"/>
-              </a:spcBef>
-              <a:spcAft>
-                <a:spcPts val="0"/>
-              </a:spcAft>
-              <a:buClr>
-                <a:srgbClr val="CCCCCC"/>
-              </a:buClr>
-              <a:buSzPts val="1100"/>
-              <a:buFont typeface="Nunito Sans"/>
-              <a:buChar char="-"/>
-              <a:defRPr sz="1100" b="0" i="0" u="none" strike="noStrike" cap="none">
-                <a:solidFill>
-                  <a:srgbClr val="666666"/>
-                </a:solidFill>
-                <a:latin typeface="Nunito Sans"/>
-                <a:ea typeface="Nunito Sans"/>
-                <a:cs typeface="Nunito Sans"/>
-                <a:sym typeface="Nunito Sans"/>
-              </a:defRPr>
-            </a:lvl2pPr>
-            <a:lvl3pPr marL="1371600" marR="0" lvl="2" indent="-298450" algn="l" rtl="0">
-              <a:lnSpc>
-                <a:spcPct val="115000"/>
-              </a:lnSpc>
-              <a:spcBef>
-                <a:spcPts val="0"/>
-              </a:spcBef>
-              <a:spcAft>
-                <a:spcPts val="0"/>
-              </a:spcAft>
-              <a:buClr>
-                <a:srgbClr val="CCCCCC"/>
-              </a:buClr>
-              <a:buSzPts val="1100"/>
-              <a:buFont typeface="Nunito Sans"/>
-              <a:buChar char="-"/>
-              <a:defRPr sz="1100" b="0" i="0" u="none" strike="noStrike" cap="none">
-                <a:solidFill>
-                  <a:srgbClr val="666666"/>
-                </a:solidFill>
-                <a:latin typeface="Nunito Sans"/>
-                <a:ea typeface="Nunito Sans"/>
-                <a:cs typeface="Nunito Sans"/>
-                <a:sym typeface="Nunito Sans"/>
-              </a:defRPr>
-            </a:lvl3pPr>
-            <a:lvl4pPr marL="1828800" marR="0" lvl="3" indent="-298450" algn="l" rtl="0">
-              <a:lnSpc>
-                <a:spcPct val="115000"/>
-              </a:lnSpc>
-              <a:spcBef>
-                <a:spcPts val="0"/>
-              </a:spcBef>
-              <a:spcAft>
-                <a:spcPts val="0"/>
-              </a:spcAft>
-              <a:buClr>
-                <a:srgbClr val="CCCCCC"/>
-              </a:buClr>
-              <a:buSzPts val="1100"/>
-              <a:buFont typeface="Nunito Sans"/>
-              <a:buChar char="-"/>
-              <a:defRPr sz="1100" b="0" i="0" u="none" strike="noStrike" cap="none">
-                <a:solidFill>
-                  <a:srgbClr val="666666"/>
-                </a:solidFill>
-                <a:latin typeface="Nunito Sans"/>
-                <a:ea typeface="Nunito Sans"/>
-                <a:cs typeface="Nunito Sans"/>
-                <a:sym typeface="Nunito Sans"/>
-              </a:defRPr>
-            </a:lvl4pPr>
-            <a:lvl5pPr marL="2286000" marR="0" lvl="4" indent="-298450" algn="l" rtl="0">
-              <a:lnSpc>
-                <a:spcPct val="115000"/>
-              </a:lnSpc>
-              <a:spcBef>
-                <a:spcPts val="0"/>
-              </a:spcBef>
-              <a:spcAft>
-                <a:spcPts val="0"/>
-              </a:spcAft>
-              <a:buClr>
-                <a:srgbClr val="CCCCCC"/>
-              </a:buClr>
-              <a:buSzPts val="1100"/>
-              <a:buFont typeface="Nunito Sans"/>
-              <a:buChar char="-"/>
-              <a:defRPr sz="1100" b="0" i="0" u="none" strike="noStrike" cap="none">
-                <a:solidFill>
-                  <a:srgbClr val="666666"/>
-                </a:solidFill>
-                <a:latin typeface="Nunito Sans"/>
-                <a:ea typeface="Nunito Sans"/>
-                <a:cs typeface="Nunito Sans"/>
-                <a:sym typeface="Nunito Sans"/>
-              </a:defRPr>
-            </a:lvl5pPr>
-            <a:lvl6pPr marL="2743200" marR="0" lvl="5" indent="-298450" algn="l" rtl="0">
-              <a:lnSpc>
-                <a:spcPct val="115000"/>
-              </a:lnSpc>
-              <a:spcBef>
-                <a:spcPts val="0"/>
-              </a:spcBef>
-              <a:spcAft>
-                <a:spcPts val="0"/>
-              </a:spcAft>
-              <a:buClr>
-                <a:srgbClr val="CCCCCC"/>
-              </a:buClr>
-              <a:buSzPts val="1100"/>
-              <a:buFont typeface="Nunito Sans"/>
-              <a:buChar char="-"/>
-              <a:defRPr sz="1100" b="0" i="0" u="none" strike="noStrike" cap="none">
-                <a:solidFill>
-                  <a:srgbClr val="666666"/>
-                </a:solidFill>
-                <a:latin typeface="Nunito Sans"/>
-                <a:ea typeface="Nunito Sans"/>
-                <a:cs typeface="Nunito Sans"/>
-                <a:sym typeface="Nunito Sans"/>
-              </a:defRPr>
-            </a:lvl6pPr>
-            <a:lvl7pPr marL="3200400" marR="0" lvl="6" indent="-298450" algn="l" rtl="0">
-              <a:lnSpc>
-                <a:spcPct val="115000"/>
-              </a:lnSpc>
-              <a:spcBef>
-                <a:spcPts val="0"/>
-              </a:spcBef>
-              <a:spcAft>
-                <a:spcPts val="0"/>
-              </a:spcAft>
-              <a:buClr>
-                <a:srgbClr val="CCCCCC"/>
-              </a:buClr>
-              <a:buSzPts val="1100"/>
-              <a:buFont typeface="Nunito Sans"/>
-              <a:buChar char="-"/>
-              <a:defRPr sz="1100" b="0" i="0" u="none" strike="noStrike" cap="none">
-                <a:solidFill>
-                  <a:srgbClr val="666666"/>
-                </a:solidFill>
-                <a:latin typeface="Nunito Sans"/>
-                <a:ea typeface="Nunito Sans"/>
-                <a:cs typeface="Nunito Sans"/>
-                <a:sym typeface="Nunito Sans"/>
-              </a:defRPr>
-            </a:lvl7pPr>
-            <a:lvl8pPr marL="3657600" marR="0" lvl="7" indent="-298450" algn="l" rtl="0">
-              <a:lnSpc>
-                <a:spcPct val="115000"/>
-              </a:lnSpc>
-              <a:spcBef>
-                <a:spcPts val="0"/>
-              </a:spcBef>
-              <a:spcAft>
-                <a:spcPts val="0"/>
-              </a:spcAft>
-              <a:buClr>
-                <a:srgbClr val="CCCCCC"/>
-              </a:buClr>
-              <a:buSzPts val="1100"/>
-              <a:buFont typeface="Nunito Sans"/>
-              <a:buChar char="-"/>
-              <a:defRPr sz="1100" b="0" i="0" u="none" strike="noStrike" cap="none">
-                <a:solidFill>
-                  <a:srgbClr val="666666"/>
-                </a:solidFill>
-                <a:latin typeface="Nunito Sans"/>
-                <a:ea typeface="Nunito Sans"/>
-                <a:cs typeface="Nunito Sans"/>
-                <a:sym typeface="Nunito Sans"/>
-              </a:defRPr>
-            </a:lvl8pPr>
-            <a:lvl9pPr marL="4114800" marR="0" lvl="8" indent="-298450" algn="l" rtl="0">
-              <a:lnSpc>
-                <a:spcPct val="115000"/>
-              </a:lnSpc>
-              <a:spcBef>
-                <a:spcPts val="0"/>
-              </a:spcBef>
-              <a:spcAft>
-                <a:spcPts val="0"/>
-              </a:spcAft>
-              <a:buClr>
-                <a:srgbClr val="CCCCCC"/>
-              </a:buClr>
-              <a:buSzPts val="1100"/>
-              <a:buFont typeface="Nunito Sans"/>
-              <a:buChar char="-"/>
-              <a:defRPr sz="1100" b="0" i="0" u="none" strike="noStrike" cap="none">
-                <a:solidFill>
-                  <a:srgbClr val="666666"/>
-                </a:solidFill>
-                <a:latin typeface="Nunito Sans"/>
-                <a:ea typeface="Nunito Sans"/>
-                <a:cs typeface="Nunito Sans"/>
-                <a:sym typeface="Nunito Sans"/>
-              </a:defRPr>
-            </a:lvl9pPr>
-          </a:lstStyle>
-          <a:p>
-            <a:pPr marL="158750" indent="0">
-              <a:buFont typeface="Nunito Sans"/>
-              <a:buNone/>
-            </a:pPr>
-            <a:r>
-              <a:rPr lang="es-MX" b="1" dirty="0"/>
-              <a:t>DEFINICION DEL PROYECTO</a:t>
-            </a:r>
-          </a:p>
-          <a:p>
-            <a:pPr marL="158750" indent="0">
-              <a:buFont typeface="Nunito Sans"/>
-              <a:buNone/>
-            </a:pPr>
-            <a:r>
-              <a:rPr lang="es-MX" dirty="0"/>
-              <a:t>Requerimientos funcionales:</a:t>
-            </a:r>
-          </a:p>
-          <a:p>
-            <a:pPr marL="158750" indent="0">
-              <a:buFont typeface="Nunito Sans"/>
-              <a:buNone/>
-            </a:pPr>
-            <a:r>
-              <a:rPr lang="es-MX" dirty="0"/>
-              <a:t>Ulises</a:t>
-            </a:r>
-          </a:p>
-          <a:p>
-            <a:pPr marL="158750" indent="0">
-              <a:buFont typeface="Nunito Sans"/>
-              <a:buNone/>
-            </a:pPr>
-            <a:r>
-              <a:rPr lang="es-MX" dirty="0"/>
-              <a:t>Requerimientos no funcionales: Juan Duran</a:t>
-            </a:r>
           </a:p>
         </p:txBody>
       </p:sp>
